--- a/_Life_Lose_Weight.pptx
+++ b/_Life_Lose_Weight.pptx
@@ -212,7 +212,7 @@
           <a:p>
             <a:fld id="{88E52045-756B-384E-A6E6-7F3ED1EF79B4}" type="datetimeFigureOut">
               <a:rPr lang="en-US" smtClean="0"/>
-              <a:t>2/15/21</a:t>
+              <a:t>5/6/21</a:t>
             </a:fld>
             <a:endParaRPr lang="en-US"/>
           </a:p>
@@ -608,7 +608,7 @@
           <a:p>
             <a:fld id="{B99DC7AF-117D-0D44-9887-15AB809462D7}" type="datetimeFigureOut">
               <a:rPr lang="en-US" smtClean="0"/>
-              <a:t>2/15/21</a:t>
+              <a:t>5/6/21</a:t>
             </a:fld>
             <a:endParaRPr lang="en-US"/>
           </a:p>
@@ -776,7 +776,7 @@
           <a:p>
             <a:fld id="{B99DC7AF-117D-0D44-9887-15AB809462D7}" type="datetimeFigureOut">
               <a:rPr lang="en-US" smtClean="0"/>
-              <a:t>2/15/21</a:t>
+              <a:t>5/6/21</a:t>
             </a:fld>
             <a:endParaRPr lang="en-US"/>
           </a:p>
@@ -954,7 +954,7 @@
           <a:p>
             <a:fld id="{B99DC7AF-117D-0D44-9887-15AB809462D7}" type="datetimeFigureOut">
               <a:rPr lang="en-US" smtClean="0"/>
-              <a:t>2/15/21</a:t>
+              <a:t>5/6/21</a:t>
             </a:fld>
             <a:endParaRPr lang="en-US"/>
           </a:p>
@@ -1122,7 +1122,7 @@
           <a:p>
             <a:fld id="{B99DC7AF-117D-0D44-9887-15AB809462D7}" type="datetimeFigureOut">
               <a:rPr lang="en-US" smtClean="0"/>
-              <a:t>2/15/21</a:t>
+              <a:t>5/6/21</a:t>
             </a:fld>
             <a:endParaRPr lang="en-US"/>
           </a:p>
@@ -1367,7 +1367,7 @@
           <a:p>
             <a:fld id="{B99DC7AF-117D-0D44-9887-15AB809462D7}" type="datetimeFigureOut">
               <a:rPr lang="en-US" smtClean="0"/>
-              <a:t>2/15/21</a:t>
+              <a:t>5/6/21</a:t>
             </a:fld>
             <a:endParaRPr lang="en-US"/>
           </a:p>
@@ -1596,7 +1596,7 @@
           <a:p>
             <a:fld id="{B99DC7AF-117D-0D44-9887-15AB809462D7}" type="datetimeFigureOut">
               <a:rPr lang="en-US" smtClean="0"/>
-              <a:t>2/15/21</a:t>
+              <a:t>5/6/21</a:t>
             </a:fld>
             <a:endParaRPr lang="en-US"/>
           </a:p>
@@ -1960,7 +1960,7 @@
           <a:p>
             <a:fld id="{B99DC7AF-117D-0D44-9887-15AB809462D7}" type="datetimeFigureOut">
               <a:rPr lang="en-US" smtClean="0"/>
-              <a:t>2/15/21</a:t>
+              <a:t>5/6/21</a:t>
             </a:fld>
             <a:endParaRPr lang="en-US"/>
           </a:p>
@@ -2077,7 +2077,7 @@
           <a:p>
             <a:fld id="{B99DC7AF-117D-0D44-9887-15AB809462D7}" type="datetimeFigureOut">
               <a:rPr lang="en-US" smtClean="0"/>
-              <a:t>2/15/21</a:t>
+              <a:t>5/6/21</a:t>
             </a:fld>
             <a:endParaRPr lang="en-US"/>
           </a:p>
@@ -2172,7 +2172,7 @@
           <a:p>
             <a:fld id="{B99DC7AF-117D-0D44-9887-15AB809462D7}" type="datetimeFigureOut">
               <a:rPr lang="en-US" smtClean="0"/>
-              <a:t>2/15/21</a:t>
+              <a:t>5/6/21</a:t>
             </a:fld>
             <a:endParaRPr lang="en-US"/>
           </a:p>
@@ -2447,7 +2447,7 @@
           <a:p>
             <a:fld id="{B99DC7AF-117D-0D44-9887-15AB809462D7}" type="datetimeFigureOut">
               <a:rPr lang="en-US" smtClean="0"/>
-              <a:t>2/15/21</a:t>
+              <a:t>5/6/21</a:t>
             </a:fld>
             <a:endParaRPr lang="en-US"/>
           </a:p>
@@ -2699,7 +2699,7 @@
           <a:p>
             <a:fld id="{B99DC7AF-117D-0D44-9887-15AB809462D7}" type="datetimeFigureOut">
               <a:rPr lang="en-US" smtClean="0"/>
-              <a:t>2/15/21</a:t>
+              <a:t>5/6/21</a:t>
             </a:fld>
             <a:endParaRPr lang="en-US"/>
           </a:p>
@@ -2910,7 +2910,7 @@
           <a:p>
             <a:fld id="{B99DC7AF-117D-0D44-9887-15AB809462D7}" type="datetimeFigureOut">
               <a:rPr lang="en-US" smtClean="0"/>
-              <a:t>2/15/21</a:t>
+              <a:t>5/6/21</a:t>
             </a:fld>
             <a:endParaRPr lang="en-US"/>
           </a:p>
@@ -9638,7 +9638,7 @@
         <p:spPr>
           <a:xfrm>
             <a:off x="152399" y="117693"/>
-            <a:ext cx="11762351" cy="6463308"/>
+            <a:ext cx="11762351" cy="6001643"/>
           </a:xfrm>
           <a:prstGeom prst="rect">
             <a:avLst/>
@@ -9660,7 +9660,7 @@
               </a:spcAft>
             </a:pPr>
             <a:r>
-              <a:rPr kumimoji="0" lang="en-US" altLang="x-none" b="0" i="0" u="none" strike="noStrike" cap="none" normalizeH="0" baseline="0" dirty="0">
+              <a:rPr kumimoji="0" lang="en-US" altLang="x-none" sz="1600" b="0" i="0" u="none" strike="noStrike" cap="none" normalizeH="0" baseline="0" dirty="0">
                 <a:ln>
                   <a:noFill/>
                 </a:ln>
@@ -9681,7 +9681,7 @@
                 <a:spcPct val="0"/>
               </a:spcAft>
             </a:pPr>
-            <a:endParaRPr lang="en-US" altLang="x-none" dirty="0"/>
+            <a:endParaRPr lang="en-US" altLang="x-none" sz="1600" dirty="0"/>
           </a:p>
           <a:p>
             <a:pPr lvl="0" eaLnBrk="0" fontAlgn="base" hangingPunct="0">
@@ -9693,7 +9693,7 @@
               </a:spcAft>
             </a:pPr>
             <a:r>
-              <a:rPr kumimoji="0" lang="x-none" altLang="x-none" b="0" i="0" u="none" strike="noStrike" cap="none" normalizeH="0" baseline="0" dirty="0">
+              <a:rPr kumimoji="0" lang="x-none" altLang="x-none" sz="1600" b="0" i="0" u="none" strike="noStrike" cap="none" normalizeH="0" baseline="0" dirty="0">
                 <a:ln>
                   <a:noFill/>
                 </a:ln>
@@ -9705,7 +9705,7 @@
               <a:t>I removed sugar almost completely (and removed </a:t>
             </a:r>
             <a:r>
-              <a:rPr kumimoji="0" lang="en-US" altLang="x-none" b="0" i="0" u="none" strike="noStrike" cap="none" normalizeH="0" baseline="0" dirty="0">
+              <a:rPr kumimoji="0" lang="en-US" altLang="x-none" sz="1600" b="0" i="0" u="none" strike="noStrike" cap="none" normalizeH="0" baseline="0" dirty="0">
                 <a:ln>
                   <a:noFill/>
                 </a:ln>
@@ -9717,7 +9717,7 @@
               <a:t>all </a:t>
             </a:r>
             <a:r>
-              <a:rPr kumimoji="0" lang="x-none" altLang="x-none" b="0" i="0" u="none" strike="noStrike" cap="none" normalizeH="0" baseline="0" dirty="0">
+              <a:rPr kumimoji="0" lang="x-none" altLang="x-none" sz="1600" b="0" i="0" u="none" strike="noStrike" cap="none" normalizeH="0" baseline="0" dirty="0">
                 <a:ln>
                   <a:noFill/>
                 </a:ln>
@@ -9729,7 +9729,7 @@
               <a:t>sweet taste). </a:t>
             </a:r>
             <a:br>
-              <a:rPr kumimoji="0" lang="x-none" altLang="x-none" b="0" i="0" u="none" strike="noStrike" cap="none" normalizeH="0" baseline="0" dirty="0">
+              <a:rPr kumimoji="0" lang="x-none" altLang="x-none" sz="1600" b="0" i="0" u="none" strike="noStrike" cap="none" normalizeH="0" baseline="0" dirty="0">
                 <a:ln>
                   <a:noFill/>
                 </a:ln>
@@ -9740,7 +9740,7 @@
               </a:rPr>
             </a:br>
             <a:r>
-              <a:rPr kumimoji="0" lang="x-none" altLang="x-none" b="0" i="0" u="none" strike="noStrike" cap="none" normalizeH="0" baseline="0" dirty="0">
+              <a:rPr kumimoji="0" lang="x-none" altLang="x-none" sz="1600" b="0" i="0" u="none" strike="noStrike" cap="none" normalizeH="0" baseline="0" dirty="0">
                 <a:ln>
                   <a:noFill/>
                 </a:ln>
@@ -9752,7 +9752,7 @@
               <a:t>I removed bre</a:t>
             </a:r>
             <a:r>
-              <a:rPr kumimoji="0" lang="en-US" altLang="x-none" b="0" i="0" u="none" strike="noStrike" cap="none" normalizeH="0" baseline="0" dirty="0">
+              <a:rPr kumimoji="0" lang="en-US" altLang="x-none" sz="1600" b="0" i="0" u="none" strike="noStrike" cap="none" normalizeH="0" baseline="0" dirty="0">
                 <a:ln>
                   <a:noFill/>
                 </a:ln>
@@ -9764,7 +9764,7 @@
               <a:t>a</a:t>
             </a:r>
             <a:r>
-              <a:rPr kumimoji="0" lang="x-none" altLang="x-none" b="0" i="0" u="none" strike="noStrike" cap="none" normalizeH="0" baseline="0" dirty="0">
+              <a:rPr kumimoji="0" lang="x-none" altLang="x-none" sz="1600" b="0" i="0" u="none" strike="noStrike" cap="none" normalizeH="0" baseline="0" dirty="0">
                 <a:ln>
                   <a:noFill/>
                 </a:ln>
@@ -9776,7 +9776,7 @@
               <a:t>d, pasta, and all other products made of flour. </a:t>
             </a:r>
             <a:br>
-              <a:rPr kumimoji="0" lang="x-none" altLang="x-none" b="0" i="0" u="none" strike="noStrike" cap="none" normalizeH="0" baseline="0" dirty="0">
+              <a:rPr kumimoji="0" lang="x-none" altLang="x-none" sz="1600" b="0" i="0" u="none" strike="noStrike" cap="none" normalizeH="0" baseline="0" dirty="0">
                 <a:ln>
                   <a:noFill/>
                 </a:ln>
@@ -9787,7 +9787,7 @@
               </a:rPr>
             </a:br>
             <a:r>
-              <a:rPr kumimoji="0" lang="x-none" altLang="x-none" b="0" i="0" u="none" strike="noStrike" cap="none" normalizeH="0" baseline="0" dirty="0">
+              <a:rPr kumimoji="0" lang="x-none" altLang="x-none" sz="1600" b="0" i="0" u="none" strike="noStrike" cap="none" normalizeH="0" baseline="0" dirty="0">
                 <a:ln>
                   <a:noFill/>
                 </a:ln>
@@ -9799,7 +9799,7 @@
               <a:t>I try to eat </a:t>
             </a:r>
             <a:r>
-              <a:rPr kumimoji="0" lang="en-US" altLang="x-none" b="0" i="0" u="none" strike="noStrike" cap="none" normalizeH="0" baseline="0" dirty="0">
+              <a:rPr kumimoji="0" lang="en-US" altLang="x-none" sz="1600" b="0" i="0" u="none" strike="noStrike" cap="none" normalizeH="0" baseline="0" dirty="0">
                 <a:ln>
                   <a:noFill/>
                 </a:ln>
@@ -9811,7 +9811,7 @@
               <a:t>mostly Low-Calorie-Density</a:t>
             </a:r>
             <a:r>
-              <a:rPr kumimoji="0" lang="en-US" altLang="x-none" b="0" i="0" u="none" strike="noStrike" cap="none" normalizeH="0" dirty="0">
+              <a:rPr kumimoji="0" lang="en-US" altLang="x-none" sz="1600" b="0" i="0" u="none" strike="noStrike" cap="none" normalizeH="0" dirty="0">
                 <a:ln>
                   <a:noFill/>
                 </a:ln>
@@ -9823,7 +9823,7 @@
               <a:t> foods </a:t>
             </a:r>
             <a:r>
-              <a:rPr kumimoji="0" lang="x-none" altLang="x-none" b="0" i="0" u="none" strike="noStrike" cap="none" normalizeH="0" baseline="0" dirty="0">
+              <a:rPr kumimoji="0" lang="x-none" altLang="x-none" sz="1600" b="0" i="0" u="none" strike="noStrike" cap="none" normalizeH="0" baseline="0" dirty="0">
                 <a:ln>
                   <a:noFill/>
                 </a:ln>
@@ -9835,7 +9835,7 @@
               <a:t>(salads, vegetables</a:t>
             </a:r>
             <a:r>
-              <a:rPr kumimoji="0" lang="en-US" altLang="x-none" b="0" i="0" u="none" strike="noStrike" cap="none" normalizeH="0" baseline="0" dirty="0">
+              <a:rPr kumimoji="0" lang="en-US" altLang="x-none" sz="1600" b="0" i="0" u="none" strike="noStrike" cap="none" normalizeH="0" baseline="0" dirty="0">
                 <a:ln>
                   <a:noFill/>
                 </a:ln>
@@ -9847,7 +9847,7 @@
               <a:t>) and reduce</a:t>
             </a:r>
             <a:r>
-              <a:rPr kumimoji="0" lang="en-US" altLang="x-none" b="0" i="0" u="none" strike="noStrike" cap="none" normalizeH="0" dirty="0">
+              <a:rPr kumimoji="0" lang="en-US" altLang="x-none" sz="1600" b="0" i="0" u="none" strike="noStrike" cap="none" normalizeH="0" dirty="0">
                 <a:ln>
                   <a:noFill/>
                 </a:ln>
@@ -9869,7 +9869,7 @@
               </a:spcAft>
             </a:pPr>
             <a:r>
-              <a:rPr kumimoji="0" lang="x-none" altLang="x-none" b="0" i="0" u="none" strike="noStrike" cap="none" normalizeH="0" baseline="0" dirty="0">
+              <a:rPr kumimoji="0" lang="x-none" altLang="x-none" sz="1600" b="0" i="0" u="none" strike="noStrike" cap="none" normalizeH="0" baseline="0" dirty="0">
                 <a:ln>
                   <a:noFill/>
                 </a:ln>
@@ -9881,7 +9881,7 @@
               <a:t>I try </a:t>
             </a:r>
             <a:r>
-              <a:rPr kumimoji="0" lang="x-none" altLang="x-none" b="0" i="0" u="none" strike="noStrike" cap="none" normalizeH="0" baseline="0">
+              <a:rPr kumimoji="0" lang="x-none" altLang="x-none" sz="1600" b="0" i="0" u="none" strike="noStrike" cap="none" normalizeH="0" baseline="0">
                 <a:ln>
                   <a:noFill/>
                 </a:ln>
@@ -9893,7 +9893,7 @@
               <a:t>to </a:t>
             </a:r>
             <a:r>
-              <a:rPr kumimoji="0" lang="en-US" altLang="x-none" b="0" i="0" u="none" strike="noStrike" cap="none" normalizeH="0" baseline="0" dirty="0">
+              <a:rPr kumimoji="0" lang="en-US" altLang="x-none" sz="1600" b="0" i="0" u="none" strike="noStrike" cap="none" normalizeH="0" baseline="0" dirty="0">
                 <a:ln>
                   <a:noFill/>
                 </a:ln>
@@ -9905,7 +9905,7 @@
               <a:t>reduce </a:t>
             </a:r>
             <a:r>
-              <a:rPr kumimoji="0" lang="x-none" altLang="x-none" b="0" i="0" u="none" strike="noStrike" cap="none" normalizeH="0" baseline="0">
+              <a:rPr kumimoji="0" lang="x-none" altLang="x-none" sz="1600" b="0" i="0" u="none" strike="noStrike" cap="none" normalizeH="0" baseline="0">
                 <a:ln>
                   <a:noFill/>
                 </a:ln>
@@ -9917,7 +9917,7 @@
               <a:t>portions </a:t>
             </a:r>
             <a:r>
-              <a:rPr kumimoji="0" lang="x-none" altLang="x-none" b="0" i="0" u="none" strike="noStrike" cap="none" normalizeH="0" baseline="0" dirty="0">
+              <a:rPr kumimoji="0" lang="x-none" altLang="x-none" sz="1600" b="0" i="0" u="none" strike="noStrike" cap="none" normalizeH="0" baseline="0" dirty="0">
                 <a:ln>
                   <a:noFill/>
                 </a:ln>
@@ -9929,7 +9929,7 @@
               <a:t>at night</a:t>
             </a:r>
             <a:r>
-              <a:rPr kumimoji="0" lang="en-US" altLang="x-none" b="0" i="0" u="none" strike="noStrike" cap="none" normalizeH="0" baseline="0" dirty="0">
+              <a:rPr kumimoji="0" lang="en-US" altLang="x-none" sz="1600" b="0" i="0" u="none" strike="noStrike" cap="none" normalizeH="0" baseline="0" dirty="0">
                 <a:ln>
                   <a:noFill/>
                 </a:ln>
@@ -9941,7 +9941,7 @@
               <a:t>.</a:t>
             </a:r>
             <a:br>
-              <a:rPr kumimoji="0" lang="x-none" altLang="x-none" b="0" i="0" u="none" strike="noStrike" cap="none" normalizeH="0" baseline="0" dirty="0">
+              <a:rPr kumimoji="0" lang="x-none" altLang="x-none" sz="1600" b="0" i="0" u="none" strike="noStrike" cap="none" normalizeH="0" baseline="0" dirty="0">
                 <a:ln>
                   <a:noFill/>
                 </a:ln>
@@ -9952,7 +9952,7 @@
               </a:rPr>
             </a:br>
             <a:r>
-              <a:rPr kumimoji="0" lang="x-none" altLang="x-none" b="0" i="0" u="none" strike="noStrike" cap="none" normalizeH="0" baseline="0" dirty="0">
+              <a:rPr kumimoji="0" lang="x-none" altLang="x-none" sz="1600" b="0" i="0" u="none" strike="noStrike" cap="none" normalizeH="0" baseline="0" dirty="0">
                 <a:ln>
                   <a:noFill/>
                 </a:ln>
@@ -9964,7 +9964,7 @@
               <a:t>I weigh myself daily and keep records with phone app "</a:t>
             </a:r>
             <a:r>
-              <a:rPr kumimoji="0" lang="x-none" altLang="x-none" b="1" i="0" u="none" strike="noStrike" cap="none" normalizeH="0" baseline="0" dirty="0">
+              <a:rPr kumimoji="0" lang="x-none" altLang="x-none" sz="1600" b="1" i="0" u="none" strike="noStrike" cap="none" normalizeH="0" baseline="0" dirty="0">
                 <a:ln>
                   <a:noFill/>
                 </a:ln>
@@ -9976,7 +9976,7 @@
               <a:t>MyFitnessPal</a:t>
             </a:r>
             <a:r>
-              <a:rPr kumimoji="0" lang="x-none" altLang="x-none" b="0" i="0" u="none" strike="noStrike" cap="none" normalizeH="0" baseline="0" dirty="0">
+              <a:rPr kumimoji="0" lang="x-none" altLang="x-none" sz="1600" b="0" i="0" u="none" strike="noStrike" cap="none" normalizeH="0" baseline="0" dirty="0">
                 <a:ln>
                   <a:noFill/>
                 </a:ln>
@@ -9987,7 +9987,7 @@
               </a:rPr>
               <a:t>" - this helps me to keep track and make adjustments. </a:t>
             </a:r>
-            <a:endParaRPr kumimoji="0" lang="en-US" altLang="x-none" b="0" i="0" u="none" strike="noStrike" cap="none" normalizeH="0" baseline="0" dirty="0">
+            <a:endParaRPr kumimoji="0" lang="en-US" altLang="x-none" sz="1600" b="0" i="0" u="none" strike="noStrike" cap="none" normalizeH="0" baseline="0" dirty="0">
               <a:ln>
                 <a:noFill/>
               </a:ln>
@@ -10006,7 +10006,7 @@
                 <a:spcPct val="0"/>
               </a:spcAft>
             </a:pPr>
-            <a:endParaRPr lang="en-US" altLang="x-none" dirty="0"/>
+            <a:endParaRPr lang="en-US" altLang="x-none" sz="1600" dirty="0"/>
           </a:p>
           <a:p>
             <a:pPr eaLnBrk="0" fontAlgn="base" hangingPunct="0">
@@ -10018,14 +10018,14 @@
               </a:spcAft>
             </a:pPr>
             <a:r>
-              <a:rPr lang="x-none" altLang="x-none" dirty="0"/>
+              <a:rPr lang="x-none" altLang="x-none" sz="1600" dirty="0"/>
               <a:t>Here are the top links describing the methods I am using</a:t>
             </a:r>
             <a:r>
-              <a:rPr lang="x-none" altLang="x-none"/>
+              <a:rPr lang="x-none" altLang="x-none" sz="1600"/>
               <a:t>: </a:t>
             </a:r>
-            <a:endParaRPr lang="en-US" altLang="x-none" dirty="0"/>
+            <a:endParaRPr lang="en-US" altLang="x-none" sz="1600" dirty="0"/>
           </a:p>
           <a:p>
             <a:pPr eaLnBrk="0" fontAlgn="base" hangingPunct="0">
@@ -10037,19 +10037,19 @@
               </a:spcAft>
             </a:pPr>
             <a:r>
-              <a:rPr lang="en-US" altLang="x-none" dirty="0"/>
+              <a:rPr lang="en-US" altLang="x-none" sz="1600" dirty="0"/>
               <a:t>- </a:t>
             </a:r>
             <a:r>
-              <a:rPr lang="en-US" altLang="x-none" dirty="0" err="1"/>
+              <a:rPr lang="en-US" altLang="x-none" sz="1600" dirty="0" err="1"/>
               <a:t>Youtube</a:t>
             </a:r>
             <a:r>
-              <a:rPr lang="en-US" altLang="x-none" dirty="0"/>
+              <a:rPr lang="en-US" altLang="x-none" sz="1600" dirty="0"/>
               <a:t> – “</a:t>
             </a:r>
             <a:r>
-              <a:rPr lang="en-US" altLang="x-none" b="1" dirty="0" err="1">
+              <a:rPr lang="en-US" altLang="x-none" sz="1600" b="1" dirty="0" err="1">
                 <a:solidFill>
                   <a:srgbClr val="0070C0"/>
                 </a:solidFill>
@@ -10057,19 +10057,19 @@
               <a:t>NutritionFacts.org</a:t>
             </a:r>
             <a:r>
-              <a:rPr lang="en-US" altLang="x-none" dirty="0"/>
-              <a:t>” - </a:t>
-            </a:r>
-            <a:r>
-              <a:rPr lang="en-US" dirty="0"/>
+              <a:rPr lang="en-US" altLang="x-none" sz="1600" dirty="0"/>
+              <a:t>”  -  </a:t>
+            </a:r>
+            <a:r>
+              <a:rPr lang="en-US" sz="1600" dirty="0"/>
               <a:t>Dr. Michael </a:t>
             </a:r>
             <a:r>
-              <a:rPr lang="en-US" dirty="0" err="1"/>
+              <a:rPr lang="en-US" sz="1600" dirty="0" err="1"/>
               <a:t>Greger</a:t>
             </a:r>
             <a:r>
-              <a:rPr lang="en-US" dirty="0"/>
+              <a:rPr lang="en-US" sz="1600" dirty="0"/>
               <a:t>, How Not to Die, How Not to Diet</a:t>
             </a:r>
           </a:p>
@@ -10083,19 +10083,19 @@
               </a:spcAft>
             </a:pPr>
             <a:r>
-              <a:rPr lang="en-US" dirty="0"/>
+              <a:rPr lang="en-US" sz="1600" dirty="0"/>
               <a:t>- </a:t>
             </a:r>
             <a:r>
-              <a:rPr lang="en-US" dirty="0" err="1"/>
+              <a:rPr lang="en-US" sz="1600" dirty="0" err="1"/>
               <a:t>Youtube</a:t>
             </a:r>
             <a:r>
-              <a:rPr lang="en-US" dirty="0"/>
+              <a:rPr lang="en-US" sz="1600" dirty="0"/>
               <a:t> – “</a:t>
             </a:r>
             <a:r>
-              <a:rPr lang="en-US" b="1" dirty="0">
+              <a:rPr lang="en-US" sz="1600" b="1" dirty="0">
                 <a:solidFill>
                   <a:srgbClr val="0070C0"/>
                 </a:solidFill>
@@ -10103,28 +10103,66 @@
               <a:t>Mic the Vegan</a:t>
             </a:r>
             <a:r>
-              <a:rPr lang="en-US" dirty="0"/>
+              <a:rPr lang="en-US" sz="1600" dirty="0"/>
               <a:t>” </a:t>
             </a:r>
+          </a:p>
+          <a:p>
+            <a:pPr eaLnBrk="0" fontAlgn="base" hangingPunct="0">
+              <a:spcBef>
+                <a:spcPct val="0"/>
+              </a:spcBef>
+              <a:spcAft>
+                <a:spcPct val="0"/>
+              </a:spcAft>
+            </a:pPr>
+            <a:r>
+              <a:rPr lang="en-US" altLang="x-none" sz="1600" dirty="0"/>
+              <a:t>- </a:t>
+            </a:r>
+            <a:r>
+              <a:rPr lang="en-US" altLang="x-none" sz="1600" dirty="0" err="1"/>
+              <a:t>Youtube</a:t>
+            </a:r>
+            <a:r>
+              <a:rPr lang="en-US" altLang="x-none" sz="1600" dirty="0"/>
+              <a:t> - </a:t>
+            </a:r>
+            <a:r>
+              <a:rPr lang="en-US" sz="1600" dirty="0"/>
+              <a:t>“</a:t>
+            </a:r>
+            <a:r>
+              <a:rPr lang="en-US" sz="1600" b="1" dirty="0">
+                <a:solidFill>
+                  <a:srgbClr val="0070C0"/>
+                </a:solidFill>
+              </a:rPr>
+              <a:t>Dr. Jason Fung</a:t>
+            </a:r>
+            <a:r>
+              <a:rPr lang="en-US" sz="1600" dirty="0"/>
+              <a:t>”</a:t>
+            </a:r>
             <a:br>
-              <a:rPr lang="x-none" altLang="x-none"/>
+              <a:rPr lang="x-none" altLang="x-none" sz="1600"/>
             </a:br>
             <a:r>
-              <a:rPr lang="en-US" altLang="x-none" dirty="0">
+              <a:rPr lang="en-US" altLang="x-none" sz="1600" dirty="0">
                 <a:ea typeface="Arial" charset="0"/>
                 <a:cs typeface="Arial" charset="0"/>
               </a:rPr>
               <a:t>-</a:t>
             </a:r>
             <a:r>
-              <a:rPr lang="en-US" dirty="0">
+              <a:rPr lang="en-US" sz="1600" dirty="0">
                 <a:ea typeface="Arial" charset="0"/>
                 <a:cs typeface="Arial" charset="0"/>
               </a:rPr>
               <a:t> </a:t>
             </a:r>
             <a:r>
-              <a:rPr lang="en-US" dirty="0">
+              <a:rPr lang="en-US" sz="1600" dirty="0">
                 <a:ea typeface="Arial" charset="0"/>
                 <a:cs typeface="Arial" charset="0"/>
                 <a:hlinkClick r:id="rId2"/>
@@ -10132,97 +10170,270 @@
               <a:t>https://www.drmcdougall.com</a:t>
             </a:r>
             <a:r>
-              <a:rPr lang="en-US" dirty="0">
+              <a:rPr lang="en-US" sz="1600" dirty="0">
                 <a:ea typeface="Arial" charset="0"/>
                 <a:cs typeface="Arial" charset="0"/>
               </a:rPr>
-              <a:t> - (book “The Starch Solution” - by John McDougall (vegetables and starches))</a:t>
-            </a:r>
-            <a:br>
-              <a:rPr lang="x-none" altLang="x-none">
+              <a:t>  -  (book “The Starch Solution” - by John McDougall (vegetables and starches))</a:t>
+            </a:r>
+          </a:p>
+          <a:p>
+            <a:pPr eaLnBrk="0" fontAlgn="base" hangingPunct="0">
+              <a:spcBef>
+                <a:spcPct val="0"/>
+              </a:spcBef>
+              <a:spcAft>
+                <a:spcPct val="0"/>
+              </a:spcAft>
+            </a:pPr>
+            <a:r>
+              <a:rPr lang="en-US" sz="1600" dirty="0"/>
+              <a:t>- </a:t>
+            </a:r>
+            <a:r>
+              <a:rPr lang="en-US" sz="1600" dirty="0">
+                <a:hlinkClick r:id="rId3"/>
+              </a:rPr>
+              <a:t>https://thefastingmethod.com/</a:t>
+            </a:r>
+            <a:r>
+              <a:rPr lang="en-US" sz="1600" dirty="0"/>
+              <a:t>  -  </a:t>
+            </a:r>
+            <a:r>
+              <a:rPr lang="x-none" altLang="x-none" sz="1600">
                 <a:ea typeface="Arial" charset="0"/>
                 <a:cs typeface="Arial" charset="0"/>
               </a:rPr>
-            </a:br>
-            <a:r>
-              <a:rPr lang="x-none" altLang="x-none">
+              <a:t>(</a:t>
+            </a:r>
+            <a:r>
+              <a:rPr lang="x-none" altLang="x-none" sz="1600" dirty="0">
                 <a:ea typeface="Arial" charset="0"/>
                 <a:cs typeface="Arial" charset="0"/>
               </a:rPr>
-              <a:t>- </a:t>
-            </a:r>
-            <a:r>
-              <a:rPr lang="x-none" altLang="x-none" dirty="0">
+              <a:t>Jason </a:t>
+            </a:r>
+            <a:r>
+              <a:rPr lang="x-none" altLang="x-none" sz="1600">
                 <a:ea typeface="Arial" charset="0"/>
                 <a:cs typeface="Arial" charset="0"/>
-                <a:hlinkClick r:id="rId3"/>
-              </a:rPr>
-              <a:t>https://intensivedietarymanagement.com</a:t>
-            </a:r>
-            <a:r>
-              <a:rPr lang="x-none" altLang="x-none" dirty="0">
+              </a:rPr>
+              <a:t>Fung – book</a:t>
+            </a:r>
+            <a:r>
+              <a:rPr lang="en-US" altLang="x-none" sz="1600" dirty="0">
                 <a:ea typeface="Arial" charset="0"/>
                 <a:cs typeface="Arial" charset="0"/>
               </a:rPr>
-              <a:t> (Jason Fung - book "Obesity Code") </a:t>
-            </a:r>
-            <a:br>
-              <a:rPr lang="x-none" altLang="x-none" dirty="0">
+              <a:t>s (</a:t>
+            </a:r>
+            <a:r>
+              <a:rPr lang="x-none" altLang="x-none" sz="1600">
                 <a:ea typeface="Arial" charset="0"/>
                 <a:cs typeface="Arial" charset="0"/>
               </a:rPr>
-            </a:br>
-            <a:r>
-              <a:rPr lang="x-none" altLang="x-none" dirty="0">
+              <a:t> </a:t>
+            </a:r>
+            <a:r>
+              <a:rPr lang="x-none" altLang="x-none" sz="1600" dirty="0">
                 <a:ea typeface="Arial" charset="0"/>
                 <a:cs typeface="Arial" charset="0"/>
               </a:rPr>
+              <a:t>"Obesity </a:t>
+            </a:r>
+            <a:r>
+              <a:rPr lang="x-none" altLang="x-none" sz="1600">
+                <a:ea typeface="Arial" charset="0"/>
+                <a:cs typeface="Arial" charset="0"/>
+              </a:rPr>
+              <a:t>Code"</a:t>
+            </a:r>
+            <a:r>
+              <a:rPr lang="en-US" altLang="x-none" sz="1600" dirty="0">
+                <a:ea typeface="Arial" charset="0"/>
+                <a:cs typeface="Arial" charset="0"/>
+              </a:rPr>
+              <a:t>, etc.</a:t>
+            </a:r>
+            <a:r>
+              <a:rPr lang="x-none" altLang="x-none" sz="1600">
+                <a:ea typeface="Arial" charset="0"/>
+                <a:cs typeface="Arial" charset="0"/>
+              </a:rPr>
+              <a:t>)</a:t>
+            </a:r>
+            <a:r>
+              <a:rPr lang="en-US" altLang="x-none" sz="1600" dirty="0">
+                <a:ea typeface="Arial" charset="0"/>
+                <a:cs typeface="Arial" charset="0"/>
+              </a:rPr>
+              <a:t>, </a:t>
+            </a:r>
+            <a:r>
+              <a:rPr lang="en-US" altLang="x-none" sz="1600" dirty="0" err="1">
+                <a:ea typeface="Arial" charset="0"/>
+                <a:cs typeface="Arial" charset="0"/>
+              </a:rPr>
+              <a:t>youtube</a:t>
+            </a:r>
+            <a:r>
+              <a:rPr lang="en-US" altLang="x-none" sz="1600" dirty="0">
+                <a:ea typeface="Arial" charset="0"/>
+                <a:cs typeface="Arial" charset="0"/>
+              </a:rPr>
+              <a:t>)</a:t>
+            </a:r>
+            <a:r>
+              <a:rPr lang="x-none" altLang="x-none" sz="1600">
+                <a:ea typeface="Arial" charset="0"/>
+                <a:cs typeface="Arial" charset="0"/>
+              </a:rPr>
+              <a:t> </a:t>
+            </a:r>
+            <a:br>
+              <a:rPr lang="x-none" altLang="x-none" sz="1600" dirty="0">
+                <a:ea typeface="Arial" charset="0"/>
+                <a:cs typeface="Arial" charset="0"/>
+              </a:rPr>
+            </a:br>
+            <a:r>
+              <a:rPr lang="x-none" altLang="x-none" sz="1600" dirty="0">
+                <a:ea typeface="Arial" charset="0"/>
+                <a:cs typeface="Arial" charset="0"/>
+              </a:rPr>
               <a:t>- </a:t>
             </a:r>
             <a:r>
-              <a:rPr lang="x-none" altLang="x-none" dirty="0">
+              <a:rPr lang="x-none" altLang="x-none" sz="1600" dirty="0">
                 <a:ea typeface="Arial" charset="0"/>
                 <a:cs typeface="Arial" charset="0"/>
                 <a:hlinkClick r:id="rId4"/>
               </a:rPr>
-              <a:t>http://www.leangains.com</a:t>
-            </a:r>
-            <a:r>
-              <a:rPr lang="x-none" altLang="x-none" dirty="0">
+              <a:t>http://www.leangains.</a:t>
+            </a:r>
+            <a:r>
+              <a:rPr lang="x-none" altLang="x-none" sz="1600">
                 <a:ea typeface="Arial" charset="0"/>
                 <a:cs typeface="Arial" charset="0"/>
-              </a:rPr>
-              <a:t> - (intermitting fasting) </a:t>
-            </a:r>
-            <a:br>
-              <a:rPr lang="x-none" altLang="x-none" dirty="0">
+                <a:hlinkClick r:id="rId4"/>
+              </a:rPr>
+              <a:t>com</a:t>
+            </a:r>
+            <a:r>
+              <a:rPr lang="x-none" altLang="x-none" sz="1600">
                 <a:ea typeface="Arial" charset="0"/>
                 <a:cs typeface="Arial" charset="0"/>
               </a:rPr>
-            </a:br>
-            <a:r>
-              <a:rPr lang="x-none" altLang="x-none" dirty="0">
+              <a:t> </a:t>
+            </a:r>
+            <a:r>
+              <a:rPr lang="en-US" altLang="x-none" sz="1600" dirty="0">
                 <a:ea typeface="Arial" charset="0"/>
                 <a:cs typeface="Arial" charset="0"/>
               </a:rPr>
+              <a:t> </a:t>
+            </a:r>
+            <a:r>
+              <a:rPr lang="x-none" altLang="x-none" sz="1600">
+                <a:ea typeface="Arial" charset="0"/>
+                <a:cs typeface="Arial" charset="0"/>
+              </a:rPr>
+              <a:t>-</a:t>
+            </a:r>
+            <a:r>
+              <a:rPr lang="en-US" altLang="x-none" sz="1600" dirty="0">
+                <a:ea typeface="Arial" charset="0"/>
+                <a:cs typeface="Arial" charset="0"/>
+              </a:rPr>
+              <a:t> </a:t>
+            </a:r>
+            <a:r>
+              <a:rPr lang="x-none" altLang="x-none" sz="1600">
+                <a:ea typeface="Arial" charset="0"/>
+                <a:cs typeface="Arial" charset="0"/>
+              </a:rPr>
+              <a:t> </a:t>
+            </a:r>
+            <a:r>
+              <a:rPr lang="x-none" altLang="x-none" sz="1600" dirty="0">
+                <a:ea typeface="Arial" charset="0"/>
+                <a:cs typeface="Arial" charset="0"/>
+              </a:rPr>
+              <a:t>(intermitting fasting) </a:t>
+            </a:r>
+            <a:br>
+              <a:rPr lang="x-none" altLang="x-none" sz="1600" dirty="0">
+                <a:ea typeface="Arial" charset="0"/>
+                <a:cs typeface="Arial" charset="0"/>
+              </a:rPr>
+            </a:br>
+            <a:r>
+              <a:rPr lang="x-none" altLang="x-none" sz="1600" dirty="0">
+                <a:ea typeface="Arial" charset="0"/>
+                <a:cs typeface="Arial" charset="0"/>
+              </a:rPr>
               <a:t>- </a:t>
             </a:r>
             <a:r>
-              <a:rPr lang="x-none" altLang="x-none" dirty="0">
+              <a:rPr lang="x-none" altLang="x-none" sz="1600" dirty="0">
                 <a:ea typeface="Arial" charset="0"/>
                 <a:cs typeface="Arial" charset="0"/>
                 <a:hlinkClick r:id="rId5"/>
               </a:rPr>
-              <a:t>http://www.eatstopeat.com</a:t>
-            </a:r>
-            <a:r>
-              <a:rPr lang="x-none" altLang="x-none" dirty="0">
+              <a:t>http://www.eatstopeat.</a:t>
+            </a:r>
+            <a:r>
+              <a:rPr lang="x-none" altLang="x-none" sz="1600">
                 <a:ea typeface="Arial" charset="0"/>
                 <a:cs typeface="Arial" charset="0"/>
-              </a:rPr>
-              <a:t> - (intermitting fasting) </a:t>
-            </a:r>
-            <a:endParaRPr lang="en-US" altLang="x-none" dirty="0">
+                <a:hlinkClick r:id="rId5"/>
+              </a:rPr>
+              <a:t>com</a:t>
+            </a:r>
+            <a:r>
+              <a:rPr lang="x-none" altLang="x-none" sz="1600">
+                <a:ea typeface="Arial" charset="0"/>
+                <a:cs typeface="Arial" charset="0"/>
+              </a:rPr>
+              <a:t> </a:t>
+            </a:r>
+            <a:r>
+              <a:rPr lang="en-US" altLang="x-none" sz="1600" dirty="0">
+                <a:ea typeface="Arial" charset="0"/>
+                <a:cs typeface="Arial" charset="0"/>
+              </a:rPr>
+              <a:t> </a:t>
+            </a:r>
+            <a:r>
+              <a:rPr lang="x-none" altLang="x-none" sz="1600">
+                <a:ea typeface="Arial" charset="0"/>
+                <a:cs typeface="Arial" charset="0"/>
+              </a:rPr>
+              <a:t>-</a:t>
+            </a:r>
+            <a:r>
+              <a:rPr lang="en-US" altLang="x-none" sz="1600" dirty="0">
+                <a:ea typeface="Arial" charset="0"/>
+                <a:cs typeface="Arial" charset="0"/>
+              </a:rPr>
+              <a:t> </a:t>
+            </a:r>
+            <a:r>
+              <a:rPr lang="x-none" altLang="x-none" sz="1600">
+                <a:ea typeface="Arial" charset="0"/>
+                <a:cs typeface="Arial" charset="0"/>
+              </a:rPr>
+              <a:t> </a:t>
+            </a:r>
+            <a:r>
+              <a:rPr lang="x-none" altLang="x-none" sz="1600" dirty="0">
+                <a:ea typeface="Arial" charset="0"/>
+                <a:cs typeface="Arial" charset="0"/>
+              </a:rPr>
+              <a:t>(intermitting fasting) </a:t>
+            </a:r>
+            <a:endParaRPr lang="en-US" altLang="x-none" sz="1600" dirty="0">
               <a:ea typeface="Arial" charset="0"/>
               <a:cs typeface="Arial" charset="0"/>
             </a:endParaRPr>
@@ -10237,56 +10448,142 @@
               </a:spcAft>
             </a:pPr>
             <a:r>
-              <a:rPr lang="x-none" altLang="x-none">
+              <a:rPr lang="x-none" altLang="x-none" sz="1600">
                 <a:ea typeface="Arial" charset="0"/>
                 <a:cs typeface="Arial" charset="0"/>
               </a:rPr>
               <a:t>- </a:t>
             </a:r>
             <a:r>
-              <a:rPr lang="x-none" altLang="x-none" dirty="0">
+              <a:rPr lang="x-none" altLang="x-none" sz="1600" dirty="0">
                 <a:ea typeface="Arial" charset="0"/>
                 <a:cs typeface="Arial" charset="0"/>
                 <a:hlinkClick r:id="rId6"/>
               </a:rPr>
-              <a:t>http://www.ariwhitten.com</a:t>
-            </a:r>
-            <a:r>
-              <a:rPr lang="x-none" altLang="x-none" dirty="0">
+              <a:t>http://www.ariwhitten.</a:t>
+            </a:r>
+            <a:r>
+              <a:rPr lang="x-none" altLang="x-none" sz="1600">
                 <a:ea typeface="Arial" charset="0"/>
                 <a:cs typeface="Arial" charset="0"/>
-              </a:rPr>
-              <a:t> - (weight loss and energy) </a:t>
-            </a:r>
-            <a:br>
-              <a:rPr lang="x-none" altLang="x-none" dirty="0">
+                <a:hlinkClick r:id="rId6"/>
+              </a:rPr>
+              <a:t>com</a:t>
+            </a:r>
+            <a:r>
+              <a:rPr lang="x-none" altLang="x-none" sz="1600">
                 <a:ea typeface="Arial" charset="0"/>
                 <a:cs typeface="Arial" charset="0"/>
               </a:rPr>
-            </a:br>
-            <a:r>
-              <a:rPr lang="x-none" altLang="x-none" dirty="0">
+              <a:t> </a:t>
+            </a:r>
+            <a:r>
+              <a:rPr lang="en-US" altLang="x-none" sz="1600" dirty="0">
                 <a:ea typeface="Arial" charset="0"/>
                 <a:cs typeface="Arial" charset="0"/>
               </a:rPr>
+              <a:t> </a:t>
+            </a:r>
+            <a:r>
+              <a:rPr lang="x-none" altLang="x-none" sz="1600">
+                <a:ea typeface="Arial" charset="0"/>
+                <a:cs typeface="Arial" charset="0"/>
+              </a:rPr>
+              <a:t>-</a:t>
+            </a:r>
+            <a:r>
+              <a:rPr lang="en-US" altLang="x-none" sz="1600" dirty="0">
+                <a:ea typeface="Arial" charset="0"/>
+                <a:cs typeface="Arial" charset="0"/>
+              </a:rPr>
+              <a:t> </a:t>
+            </a:r>
+            <a:r>
+              <a:rPr lang="x-none" altLang="x-none" sz="1600">
+                <a:ea typeface="Arial" charset="0"/>
+                <a:cs typeface="Arial" charset="0"/>
+              </a:rPr>
+              <a:t> </a:t>
+            </a:r>
+            <a:r>
+              <a:rPr lang="x-none" altLang="x-none" sz="1600" dirty="0">
+                <a:ea typeface="Arial" charset="0"/>
+                <a:cs typeface="Arial" charset="0"/>
+              </a:rPr>
+              <a:t>(weight loss and energy) </a:t>
+            </a:r>
+            <a:br>
+              <a:rPr lang="x-none" altLang="x-none" sz="1600" dirty="0">
+                <a:ea typeface="Arial" charset="0"/>
+                <a:cs typeface="Arial" charset="0"/>
+              </a:rPr>
+            </a:br>
+            <a:r>
+              <a:rPr lang="x-none" altLang="x-none" sz="1600" dirty="0">
+                <a:ea typeface="Arial" charset="0"/>
+                <a:cs typeface="Arial" charset="0"/>
+              </a:rPr>
               <a:t>- </a:t>
             </a:r>
             <a:r>
-              <a:rPr lang="x-none" altLang="x-none" dirty="0">
+              <a:rPr lang="x-none" altLang="x-none" sz="1600" dirty="0">
                 <a:ea typeface="Arial" charset="0"/>
                 <a:cs typeface="Arial" charset="0"/>
                 <a:hlinkClick r:id="rId7"/>
               </a:rPr>
-              <a:t>https://brightlineeating.com/</a:t>
-            </a:r>
-            <a:r>
-              <a:rPr lang="x-none" altLang="x-none" dirty="0">
+              <a:t>https://brightlineeating.com</a:t>
+            </a:r>
+            <a:r>
+              <a:rPr lang="x-none" altLang="x-none" sz="1600">
                 <a:ea typeface="Arial" charset="0"/>
                 <a:cs typeface="Arial" charset="0"/>
-              </a:rPr>
-              <a:t> - (Susan Peirce Thompson - book and BLE program)</a:t>
-            </a:r>
-            <a:endParaRPr lang="en-US" altLang="x-none" dirty="0">
+                <a:hlinkClick r:id="rId7"/>
+              </a:rPr>
+              <a:t>/</a:t>
+            </a:r>
+            <a:r>
+              <a:rPr lang="x-none" altLang="x-none" sz="1600">
+                <a:ea typeface="Arial" charset="0"/>
+                <a:cs typeface="Arial" charset="0"/>
+              </a:rPr>
+              <a:t> </a:t>
+            </a:r>
+            <a:r>
+              <a:rPr lang="en-US" altLang="x-none" sz="1600" dirty="0">
+                <a:ea typeface="Arial" charset="0"/>
+                <a:cs typeface="Arial" charset="0"/>
+              </a:rPr>
+              <a:t> </a:t>
+            </a:r>
+            <a:r>
+              <a:rPr lang="x-none" altLang="x-none" sz="1600">
+                <a:ea typeface="Arial" charset="0"/>
+                <a:cs typeface="Arial" charset="0"/>
+              </a:rPr>
+              <a:t>-</a:t>
+            </a:r>
+            <a:r>
+              <a:rPr lang="en-US" altLang="x-none" sz="1600" dirty="0">
+                <a:ea typeface="Arial" charset="0"/>
+                <a:cs typeface="Arial" charset="0"/>
+              </a:rPr>
+              <a:t> </a:t>
+            </a:r>
+            <a:r>
+              <a:rPr lang="x-none" altLang="x-none" sz="1600">
+                <a:ea typeface="Arial" charset="0"/>
+                <a:cs typeface="Arial" charset="0"/>
+              </a:rPr>
+              <a:t> </a:t>
+            </a:r>
+            <a:r>
+              <a:rPr lang="x-none" altLang="x-none" sz="1600" dirty="0">
+                <a:ea typeface="Arial" charset="0"/>
+                <a:cs typeface="Arial" charset="0"/>
+              </a:rPr>
+              <a:t>(Susan Peirce Thompson - book and BLE program)</a:t>
+            </a:r>
+            <a:endParaRPr lang="en-US" altLang="x-none" sz="1600" dirty="0">
               <a:ea typeface="Arial" charset="0"/>
               <a:cs typeface="Arial" charset="0"/>
             </a:endParaRPr>
@@ -10301,42 +10598,85 @@
               </a:spcAft>
             </a:pPr>
             <a:r>
-              <a:rPr lang="x-none" altLang="x-none" dirty="0">
+              <a:rPr lang="x-none" altLang="x-none" sz="1600" dirty="0">
                 <a:ea typeface="Arial" charset="0"/>
                 <a:cs typeface="Arial" charset="0"/>
               </a:rPr>
               <a:t>- </a:t>
             </a:r>
             <a:r>
-              <a:rPr lang="x-none" altLang="x-none" dirty="0">
+              <a:rPr lang="x-none" altLang="x-none" sz="1600" dirty="0">
                 <a:ea typeface="Arial" charset="0"/>
                 <a:cs typeface="Arial" charset="0"/>
                 <a:hlinkClick r:id="rId8"/>
               </a:rPr>
-              <a:t>http://www.maryomalley.com</a:t>
-            </a:r>
-            <a:r>
-              <a:rPr lang="x-none" altLang="x-none" dirty="0">
+              <a:t>http://www.maryomalley.</a:t>
+            </a:r>
+            <a:r>
+              <a:rPr lang="x-none" altLang="x-none" sz="1600">
                 <a:ea typeface="Arial" charset="0"/>
                 <a:cs typeface="Arial" charset="0"/>
-              </a:rPr>
-              <a:t> - (about loving and accepting yourself) </a:t>
-            </a:r>
-            <a:br>
-              <a:rPr lang="x-none" altLang="x-none" dirty="0">
+                <a:hlinkClick r:id="rId8"/>
+              </a:rPr>
+              <a:t>com</a:t>
+            </a:r>
+            <a:r>
+              <a:rPr lang="x-none" altLang="x-none" sz="1600">
                 <a:ea typeface="Arial" charset="0"/>
                 <a:cs typeface="Arial" charset="0"/>
               </a:rPr>
-            </a:br>
-            <a:r>
-              <a:rPr lang="en-US" altLang="x-none" dirty="0">
+              <a:t> </a:t>
+            </a:r>
+            <a:r>
+              <a:rPr lang="en-US" altLang="x-none" sz="1600" dirty="0">
                 <a:ea typeface="Arial" charset="0"/>
                 <a:cs typeface="Arial" charset="0"/>
               </a:rPr>
+              <a:t> </a:t>
+            </a:r>
+            <a:r>
+              <a:rPr lang="x-none" altLang="x-none" sz="1600">
+                <a:ea typeface="Arial" charset="0"/>
+                <a:cs typeface="Arial" charset="0"/>
+              </a:rPr>
+              <a:t>-</a:t>
+            </a:r>
+            <a:r>
+              <a:rPr lang="en-US" altLang="x-none" sz="1600" dirty="0">
+                <a:ea typeface="Arial" charset="0"/>
+                <a:cs typeface="Arial" charset="0"/>
+              </a:rPr>
+              <a:t> </a:t>
+            </a:r>
+            <a:r>
+              <a:rPr lang="x-none" altLang="x-none" sz="1600">
+                <a:ea typeface="Arial" charset="0"/>
+                <a:cs typeface="Arial" charset="0"/>
+              </a:rPr>
+              <a:t> </a:t>
+            </a:r>
+            <a:r>
+              <a:rPr lang="x-none" altLang="x-none" sz="1600" dirty="0">
+                <a:ea typeface="Arial" charset="0"/>
+                <a:cs typeface="Arial" charset="0"/>
+              </a:rPr>
+              <a:t>(about loving and accepting yourself) </a:t>
+            </a:r>
+            <a:br>
+              <a:rPr lang="x-none" altLang="x-none" sz="1600" dirty="0">
+                <a:ea typeface="Arial" charset="0"/>
+                <a:cs typeface="Arial" charset="0"/>
+              </a:rPr>
+            </a:br>
+            <a:r>
+              <a:rPr lang="en-US" altLang="x-none" sz="1600" dirty="0">
+                <a:ea typeface="Arial" charset="0"/>
+                <a:cs typeface="Arial" charset="0"/>
+              </a:rPr>
               <a:t>- </a:t>
             </a:r>
             <a:r>
-              <a:rPr lang="en-US" altLang="x-none" dirty="0">
+              <a:rPr lang="en-US" altLang="x-none" sz="1600" dirty="0">
                 <a:ea typeface="Arial" charset="0"/>
                 <a:cs typeface="Arial" charset="0"/>
                 <a:hlinkClick r:id="rId9"/>
@@ -10344,70 +10684,62 @@
               <a:t>https://bluezones.com</a:t>
             </a:r>
             <a:r>
-              <a:rPr lang="en-US" altLang="x-none" dirty="0">
+              <a:rPr lang="en-US" altLang="x-none" sz="1600" dirty="0">
                 <a:ea typeface="Arial" charset="0"/>
                 <a:cs typeface="Arial" charset="0"/>
               </a:rPr>
-              <a:t> - eye-opening wisdom from Earth longest-living people (book “Blue Zones Solution”)</a:t>
-            </a:r>
-            <a:endParaRPr lang="en-US" dirty="0"/>
-          </a:p>
-          <a:p>
-            <a:r>
-              <a:rPr lang="en-US" dirty="0"/>
+              <a:t>  -  eye-opening wisdom from Earth longest-living people (book “Blue Zones Solution”)</a:t>
+            </a:r>
+            <a:endParaRPr lang="en-US" sz="1600" dirty="0"/>
+          </a:p>
+          <a:p>
+            <a:r>
+              <a:rPr lang="en-US" sz="1600" dirty="0"/>
               <a:t>- </a:t>
             </a:r>
             <a:r>
-              <a:rPr lang="en-US" dirty="0">
+              <a:rPr lang="en-US" sz="1600" dirty="0">
                 <a:hlinkClick r:id="rId10"/>
               </a:rPr>
               <a:t>https://www.youtube.com/watch?v=0CdwWliv7Hg</a:t>
             </a:r>
             <a:r>
-              <a:rPr lang="en-US" dirty="0"/>
-              <a:t> - Jeff </a:t>
-            </a:r>
-            <a:r>
-              <a:rPr lang="en-US" dirty="0" err="1"/>
-              <a:t>Novick</a:t>
-            </a:r>
-            <a:r>
-              <a:rPr lang="en-US" dirty="0"/>
-              <a:t> - Calorie Density</a:t>
+              <a:rPr lang="en-US" sz="1600" dirty="0"/>
+              <a:t>  -  Jeff Novick - Calorie Density</a:t>
             </a:r>
             <a:br>
-              <a:rPr lang="en-US" dirty="0"/>
+              <a:rPr lang="en-US" sz="1600" dirty="0"/>
             </a:br>
             <a:r>
-              <a:rPr lang="en-US" dirty="0"/>
+              <a:rPr lang="en-US" sz="1600" dirty="0"/>
               <a:t>- </a:t>
             </a:r>
             <a:r>
-              <a:rPr lang="en-US" dirty="0">
+              <a:rPr lang="en-US" sz="1600" dirty="0">
                 <a:hlinkClick r:id="rId11"/>
               </a:rPr>
               <a:t>https://www.youtube.com/watch?v=B6fcMML8-6Q</a:t>
             </a:r>
             <a:r>
-              <a:rPr lang="en-US" dirty="0"/>
-              <a:t> - PTs about - Calorie Density</a:t>
+              <a:rPr lang="en-US" sz="1600" dirty="0"/>
+              <a:t>  -  PTs about - Calorie Density</a:t>
             </a:r>
             <a:br>
-              <a:rPr lang="en-US" dirty="0"/>
+              <a:rPr lang="en-US" sz="1600" dirty="0"/>
             </a:br>
             <a:r>
-              <a:rPr lang="en-US" dirty="0"/>
+              <a:rPr lang="en-US" sz="1600" dirty="0"/>
               <a:t>- </a:t>
             </a:r>
             <a:r>
-              <a:rPr lang="en-US" dirty="0">
+              <a:rPr lang="en-US" sz="1600" dirty="0">
                 <a:hlinkClick r:id="rId12"/>
               </a:rPr>
               <a:t>https://www.youtube.com/watch?v=6PkJ1MO-LNQ</a:t>
             </a:r>
             <a:r>
-              <a:rPr lang="en-US" dirty="0"/>
-              <a:t> - What The Health Documentary 2017</a:t>
+              <a:rPr lang="en-US" sz="1600" dirty="0"/>
+              <a:t>  -  What The Health Documentary 2017</a:t>
             </a:r>
           </a:p>
         </p:txBody>

--- a/_Life_Lose_Weight.pptx
+++ b/_Life_Lose_Weight.pptx
@@ -5,7 +5,7 @@
     <p:sldMasterId id="2147483648" r:id="rId1"/>
   </p:sldMasterIdLst>
   <p:notesMasterIdLst>
-    <p:notesMasterId r:id="rId22"/>
+    <p:notesMasterId r:id="rId23"/>
   </p:notesMasterIdLst>
   <p:sldIdLst>
     <p:sldId id="259" r:id="rId2"/>
@@ -19,15 +19,16 @@
     <p:sldId id="261" r:id="rId10"/>
     <p:sldId id="256" r:id="rId11"/>
     <p:sldId id="257" r:id="rId12"/>
-    <p:sldId id="262" r:id="rId13"/>
-    <p:sldId id="263" r:id="rId14"/>
-    <p:sldId id="264" r:id="rId15"/>
-    <p:sldId id="267" r:id="rId16"/>
-    <p:sldId id="258" r:id="rId17"/>
-    <p:sldId id="265" r:id="rId18"/>
-    <p:sldId id="266" r:id="rId19"/>
-    <p:sldId id="270" r:id="rId20"/>
-    <p:sldId id="269" r:id="rId21"/>
+    <p:sldId id="277" r:id="rId13"/>
+    <p:sldId id="262" r:id="rId14"/>
+    <p:sldId id="263" r:id="rId15"/>
+    <p:sldId id="264" r:id="rId16"/>
+    <p:sldId id="267" r:id="rId17"/>
+    <p:sldId id="258" r:id="rId18"/>
+    <p:sldId id="265" r:id="rId19"/>
+    <p:sldId id="266" r:id="rId20"/>
+    <p:sldId id="270" r:id="rId21"/>
+    <p:sldId id="269" r:id="rId22"/>
   </p:sldIdLst>
   <p:sldSz cx="12192000" cy="6858000"/>
   <p:notesSz cx="6858000" cy="9144000"/>
@@ -5084,7 +5085,7 @@
         </p:nvSpPr>
         <p:spPr>
           <a:xfrm>
-            <a:off x="152400" y="117693"/>
+            <a:off x="0" y="70801"/>
             <a:ext cx="9401908" cy="6678751"/>
           </a:xfrm>
           <a:prstGeom prst="rect">
@@ -5589,7 +5590,7 @@
             </a:r>
             <a:r>
               <a:rPr lang="en-US" sz="1600" dirty="0"/>
-              <a:t>, How Not to Die, How Not to Diet</a:t>
+              <a:t>, books "How Not to Die", "How Not to Diet", etc.</a:t>
             </a:r>
           </a:p>
           <a:p>
@@ -6331,6 +6332,288 @@
       </p:grpSpPr>
       <p:pic>
         <p:nvPicPr>
+          <p:cNvPr id="1026" name="Picture 2">
+            <a:extLst>
+              <a:ext uri="{FF2B5EF4-FFF2-40B4-BE49-F238E27FC236}">
+                <a16:creationId xmlns:a16="http://schemas.microsoft.com/office/drawing/2014/main" id="{0F130569-705D-E649-AF84-18AF4C4B0B7B}"/>
+              </a:ext>
+            </a:extLst>
+          </p:cNvPr>
+          <p:cNvPicPr>
+            <a:picLocks noChangeAspect="1" noChangeArrowheads="1"/>
+          </p:cNvPicPr>
+          <p:nvPr/>
+        </p:nvPicPr>
+        <p:blipFill>
+          <a:blip r:embed="rId2" cstate="email">
+            <a:extLst>
+              <a:ext uri="{28A0092B-C50C-407E-A947-70E740481C1C}">
+                <a14:useLocalDpi xmlns:a14="http://schemas.microsoft.com/office/drawing/2010/main"/>
+              </a:ext>
+            </a:extLst>
+          </a:blip>
+          <a:srcRect/>
+          <a:stretch>
+            <a:fillRect/>
+          </a:stretch>
+        </p:blipFill>
+        <p:spPr bwMode="auto">
+          <a:xfrm>
+            <a:off x="7467601" y="232919"/>
+            <a:ext cx="3645876" cy="6481556"/>
+          </a:xfrm>
+          <a:prstGeom prst="rect">
+            <a:avLst/>
+          </a:prstGeom>
+          <a:noFill/>
+          <a:extLst>
+            <a:ext uri="{909E8E84-426E-40DD-AFC4-6F175D3DCCD1}">
+              <a14:hiddenFill xmlns:a14="http://schemas.microsoft.com/office/drawing/2010/main">
+                <a:solidFill>
+                  <a:srgbClr val="FFFFFF"/>
+                </a:solidFill>
+              </a14:hiddenFill>
+            </a:ext>
+          </a:extLst>
+        </p:spPr>
+      </p:pic>
+      <p:sp>
+        <p:nvSpPr>
+          <p:cNvPr id="2" name="TextBox 1">
+            <a:extLst>
+              <a:ext uri="{FF2B5EF4-FFF2-40B4-BE49-F238E27FC236}">
+                <a16:creationId xmlns:a16="http://schemas.microsoft.com/office/drawing/2014/main" id="{87B5939D-DAD9-A244-AF30-093B955452AB}"/>
+              </a:ext>
+            </a:extLst>
+          </p:cNvPr>
+          <p:cNvSpPr txBox="1"/>
+          <p:nvPr/>
+        </p:nvSpPr>
+        <p:spPr>
+          <a:xfrm>
+            <a:off x="82062" y="157327"/>
+            <a:ext cx="5650522" cy="5724644"/>
+          </a:xfrm>
+          <a:prstGeom prst="rect">
+            <a:avLst/>
+          </a:prstGeom>
+          <a:noFill/>
+        </p:spPr>
+        <p:txBody>
+          <a:bodyPr wrap="square" rtlCol="0">
+            <a:spAutoFit/>
+          </a:bodyPr>
+          <a:lstStyle/>
+          <a:p>
+            <a:r>
+              <a:rPr lang="en-US" sz="2400" b="1" dirty="0"/>
+              <a:t>Dr. </a:t>
+            </a:r>
+            <a:r>
+              <a:rPr lang="en-US" sz="2400" b="1" dirty="0" err="1"/>
+              <a:t>Greger's</a:t>
+            </a:r>
+            <a:r>
+              <a:rPr lang="en-US" sz="2400" b="1" dirty="0"/>
+              <a:t> "Daily Dozen" checklist.</a:t>
+            </a:r>
+          </a:p>
+          <a:p>
+            <a:endParaRPr lang="en-US" dirty="0"/>
+          </a:p>
+          <a:p>
+            <a:r>
+              <a:rPr lang="en-US" dirty="0"/>
+              <a:t>What to eat every day.</a:t>
+            </a:r>
+          </a:p>
+          <a:p>
+            <a:r>
+              <a:rPr lang="en-US" dirty="0"/>
+              <a:t>How not to die.</a:t>
+            </a:r>
+          </a:p>
+          <a:p>
+            <a:endParaRPr lang="en-US" dirty="0"/>
+          </a:p>
+          <a:p>
+            <a:endParaRPr lang="en-US" dirty="0"/>
+          </a:p>
+          <a:p>
+            <a:endParaRPr lang="en-US" dirty="0"/>
+          </a:p>
+          <a:p>
+            <a:endParaRPr lang="en-US" dirty="0"/>
+          </a:p>
+          <a:p>
+            <a:endParaRPr lang="en-US" dirty="0"/>
+          </a:p>
+          <a:p>
+            <a:endParaRPr lang="en-US" dirty="0"/>
+          </a:p>
+          <a:p>
+            <a:endParaRPr lang="en-US" dirty="0"/>
+          </a:p>
+          <a:p>
+            <a:r>
+              <a:rPr lang="en-US" dirty="0"/>
+              <a:t>2018:</a:t>
+            </a:r>
+          </a:p>
+          <a:p>
+            <a:r>
+              <a:rPr lang="en-US" dirty="0"/>
+              <a:t> - </a:t>
+            </a:r>
+            <a:r>
+              <a:rPr lang="en-US" dirty="0">
+                <a:hlinkClick r:id="rId3"/>
+              </a:rPr>
+              <a:t>https://www.youtube.com/watch?v=MqmSMunAtss</a:t>
+            </a:r>
+            <a:endParaRPr lang="en-US" dirty="0"/>
+          </a:p>
+          <a:p>
+            <a:r>
+              <a:rPr lang="en-US" dirty="0"/>
+              <a:t> - </a:t>
+            </a:r>
+            <a:r>
+              <a:rPr lang="en-US" dirty="0">
+                <a:hlinkClick r:id="rId4"/>
+              </a:rPr>
+              <a:t>https://www.youtube.com/watch?v=g0UmVKA-4F8</a:t>
+            </a:r>
+            <a:endParaRPr lang="en-US" dirty="0"/>
+          </a:p>
+          <a:p>
+            <a:endParaRPr lang="en-US" dirty="0"/>
+          </a:p>
+          <a:p>
+            <a:r>
+              <a:rPr lang="en-US" dirty="0"/>
+              <a:t>Updated 2020:</a:t>
+            </a:r>
+          </a:p>
+          <a:p>
+            <a:r>
+              <a:rPr lang="en-US" dirty="0"/>
+              <a:t> - </a:t>
+            </a:r>
+            <a:r>
+              <a:rPr lang="en-US" dirty="0">
+                <a:hlinkClick r:id="rId5"/>
+              </a:rPr>
+              <a:t>https://www.youtube.com/watch?v=MXx14Fu_UYc</a:t>
+            </a:r>
+            <a:endParaRPr lang="en-US" dirty="0"/>
+          </a:p>
+          <a:p>
+            <a:endParaRPr lang="en-US" dirty="0"/>
+          </a:p>
+          <a:p>
+            <a:r>
+              <a:rPr lang="en-US" dirty="0"/>
+              <a:t>Daily Dozen Challenge:</a:t>
+            </a:r>
+          </a:p>
+          <a:p>
+            <a:r>
+              <a:rPr lang="en-US" dirty="0"/>
+              <a:t> - </a:t>
+            </a:r>
+            <a:r>
+              <a:rPr lang="en-US" dirty="0">
+                <a:hlinkClick r:id="rId6"/>
+              </a:rPr>
+              <a:t>https://nutritionfacts.org/daily-dozen-challenge/</a:t>
+            </a:r>
+            <a:r>
+              <a:rPr lang="en-US" dirty="0"/>
+              <a:t> </a:t>
+            </a:r>
+          </a:p>
+        </p:txBody>
+      </p:sp>
+      <p:pic>
+        <p:nvPicPr>
+          <p:cNvPr id="2052" name="Picture 4" descr="Could This Book Actually Save Your Life? 'How Not to Die' by Dr. Micha –  VomadLife.com">
+            <a:extLst>
+              <a:ext uri="{FF2B5EF4-FFF2-40B4-BE49-F238E27FC236}">
+                <a16:creationId xmlns:a16="http://schemas.microsoft.com/office/drawing/2014/main" id="{218BCAA3-655E-104E-9F0F-18AB1F3586D6}"/>
+              </a:ext>
+            </a:extLst>
+          </p:cNvPr>
+          <p:cNvPicPr>
+            <a:picLocks noChangeAspect="1" noChangeArrowheads="1"/>
+          </p:cNvPicPr>
+          <p:nvPr/>
+        </p:nvPicPr>
+        <p:blipFill>
+          <a:blip r:embed="rId7" cstate="email">
+            <a:extLst>
+              <a:ext uri="{28A0092B-C50C-407E-A947-70E740481C1C}">
+                <a14:useLocalDpi xmlns:a14="http://schemas.microsoft.com/office/drawing/2010/main"/>
+              </a:ext>
+            </a:extLst>
+          </a:blip>
+          <a:srcRect/>
+          <a:stretch>
+            <a:fillRect/>
+          </a:stretch>
+        </p:blipFill>
+        <p:spPr bwMode="auto">
+          <a:xfrm>
+            <a:off x="2907323" y="976029"/>
+            <a:ext cx="3933092" cy="2185051"/>
+          </a:xfrm>
+          <a:prstGeom prst="rect">
+            <a:avLst/>
+          </a:prstGeom>
+          <a:noFill/>
+          <a:extLst>
+            <a:ext uri="{909E8E84-426E-40DD-AFC4-6F175D3DCCD1}">
+              <a14:hiddenFill xmlns:a14="http://schemas.microsoft.com/office/drawing/2010/main">
+                <a:solidFill>
+                  <a:srgbClr val="FFFFFF"/>
+                </a:solidFill>
+              </a14:hiddenFill>
+            </a:ext>
+          </a:extLst>
+        </p:spPr>
+      </p:pic>
+    </p:spTree>
+    <p:extLst>
+      <p:ext uri="{BB962C8B-B14F-4D97-AF65-F5344CB8AC3E}">
+        <p14:creationId xmlns:p14="http://schemas.microsoft.com/office/powerpoint/2010/main" val="556008936"/>
+      </p:ext>
+    </p:extLst>
+  </p:cSld>
+  <p:clrMapOvr>
+    <a:masterClrMapping/>
+  </p:clrMapOvr>
+</p:sld>
+</file>
+
+<file path=ppt/slides/slide13.xml><?xml version="1.0" encoding="utf-8"?>
+<p:sld xmlns:a="http://schemas.openxmlformats.org/drawingml/2006/main" xmlns:r="http://schemas.openxmlformats.org/officeDocument/2006/relationships" xmlns:p="http://schemas.openxmlformats.org/presentationml/2006/main">
+  <p:cSld>
+    <p:spTree>
+      <p:nvGrpSpPr>
+        <p:cNvPr id="1" name=""/>
+        <p:cNvGrpSpPr/>
+        <p:nvPr/>
+      </p:nvGrpSpPr>
+      <p:grpSpPr>
+        <a:xfrm>
+          <a:off x="0" y="0"/>
+          <a:ext cx="0" cy="0"/>
+          <a:chOff x="0" y="0"/>
+          <a:chExt cx="0" cy="0"/>
+        </a:xfrm>
+      </p:grpSpPr>
+      <p:pic>
+        <p:nvPicPr>
           <p:cNvPr id="2" name="Picture 1"/>
           <p:cNvPicPr>
             <a:picLocks noChangeAspect="1"/>
@@ -6372,7 +6655,7 @@
 </p:sld>
 </file>
 
-<file path=ppt/slides/slide13.xml><?xml version="1.0" encoding="utf-8"?>
+<file path=ppt/slides/slide14.xml><?xml version="1.0" encoding="utf-8"?>
 <p:sld xmlns:a="http://schemas.openxmlformats.org/drawingml/2006/main" xmlns:r="http://schemas.openxmlformats.org/officeDocument/2006/relationships" xmlns:p="http://schemas.openxmlformats.org/presentationml/2006/main">
   <p:cSld>
     <p:spTree>
@@ -6640,7 +6923,7 @@
 </p:sld>
 </file>
 
-<file path=ppt/slides/slide14.xml><?xml version="1.0" encoding="utf-8"?>
+<file path=ppt/slides/slide15.xml><?xml version="1.0" encoding="utf-8"?>
 <p:sld xmlns:a="http://schemas.openxmlformats.org/drawingml/2006/main" xmlns:r="http://schemas.openxmlformats.org/officeDocument/2006/relationships" xmlns:p="http://schemas.openxmlformats.org/presentationml/2006/main">
   <p:cSld>
     <p:spTree>
@@ -6817,7 +7100,7 @@
 </p:sld>
 </file>
 
-<file path=ppt/slides/slide15.xml><?xml version="1.0" encoding="utf-8"?>
+<file path=ppt/slides/slide16.xml><?xml version="1.0" encoding="utf-8"?>
 <p:sld xmlns:a="http://schemas.openxmlformats.org/drawingml/2006/main" xmlns:r="http://schemas.openxmlformats.org/officeDocument/2006/relationships" xmlns:p="http://schemas.openxmlformats.org/presentationml/2006/main">
   <p:cSld>
     <p:spTree>
@@ -7280,7 +7563,7 @@
 </p:sld>
 </file>
 
-<file path=ppt/slides/slide16.xml><?xml version="1.0" encoding="utf-8"?>
+<file path=ppt/slides/slide17.xml><?xml version="1.0" encoding="utf-8"?>
 <p:sld xmlns:a="http://schemas.openxmlformats.org/drawingml/2006/main" xmlns:r="http://schemas.openxmlformats.org/officeDocument/2006/relationships" xmlns:p="http://schemas.openxmlformats.org/presentationml/2006/main">
   <p:cSld>
     <p:spTree>
@@ -7919,7 +8202,7 @@
 </p:sld>
 </file>
 
-<file path=ppt/slides/slide17.xml><?xml version="1.0" encoding="utf-8"?>
+<file path=ppt/slides/slide18.xml><?xml version="1.0" encoding="utf-8"?>
 <p:sld xmlns:a="http://schemas.openxmlformats.org/drawingml/2006/main" xmlns:r="http://schemas.openxmlformats.org/officeDocument/2006/relationships" xmlns:p="http://schemas.openxmlformats.org/presentationml/2006/main">
   <p:cSld>
     <p:spTree>
@@ -8227,7 +8510,7 @@
 </p:sld>
 </file>
 
-<file path=ppt/slides/slide18.xml><?xml version="1.0" encoding="utf-8"?>
+<file path=ppt/slides/slide19.xml><?xml version="1.0" encoding="utf-8"?>
 <p:sld xmlns:a="http://schemas.openxmlformats.org/drawingml/2006/main" xmlns:r="http://schemas.openxmlformats.org/officeDocument/2006/relationships" xmlns:p="http://schemas.openxmlformats.org/presentationml/2006/main">
   <p:cSld>
     <p:spTree>
@@ -8668,300 +8951,6 @@
     <p:extLst>
       <p:ext uri="{BB962C8B-B14F-4D97-AF65-F5344CB8AC3E}">
         <p14:creationId xmlns:p14="http://schemas.microsoft.com/office/powerpoint/2010/main" val="1515992185"/>
-      </p:ext>
-    </p:extLst>
-  </p:cSld>
-  <p:clrMapOvr>
-    <a:masterClrMapping/>
-  </p:clrMapOvr>
-</p:sld>
-</file>
-
-<file path=ppt/slides/slide19.xml><?xml version="1.0" encoding="utf-8"?>
-<p:sld xmlns:a="http://schemas.openxmlformats.org/drawingml/2006/main" xmlns:r="http://schemas.openxmlformats.org/officeDocument/2006/relationships" xmlns:p="http://schemas.openxmlformats.org/presentationml/2006/main">
-  <p:cSld>
-    <p:spTree>
-      <p:nvGrpSpPr>
-        <p:cNvPr id="1" name=""/>
-        <p:cNvGrpSpPr/>
-        <p:nvPr/>
-      </p:nvGrpSpPr>
-      <p:grpSpPr>
-        <a:xfrm>
-          <a:off x="0" y="0"/>
-          <a:ext cx="0" cy="0"/>
-          <a:chOff x="0" y="0"/>
-          <a:chExt cx="0" cy="0"/>
-        </a:xfrm>
-      </p:grpSpPr>
-      <p:sp>
-        <p:nvSpPr>
-          <p:cNvPr id="2" name="TextBox 1"/>
-          <p:cNvSpPr txBox="1"/>
-          <p:nvPr/>
-        </p:nvSpPr>
-        <p:spPr>
-          <a:xfrm>
-            <a:off x="110842" y="96985"/>
-            <a:ext cx="5985158" cy="6247864"/>
-          </a:xfrm>
-          <a:prstGeom prst="rect">
-            <a:avLst/>
-          </a:prstGeom>
-          <a:noFill/>
-        </p:spPr>
-        <p:txBody>
-          <a:bodyPr wrap="square" rtlCol="0">
-            <a:spAutoFit/>
-          </a:bodyPr>
-          <a:lstStyle/>
-          <a:p>
-            <a:r>
-              <a:rPr lang="en-US" altLang="x-none" sz="2800" b="1" dirty="0"/>
-              <a:t>Blue Zones </a:t>
-            </a:r>
-            <a:r>
-              <a:rPr lang="mr-IN" altLang="x-none" sz="2800" b="1" dirty="0"/>
-              <a:t>–</a:t>
-            </a:r>
-            <a:r>
-              <a:rPr lang="en-US" altLang="x-none" sz="2800" b="1" dirty="0"/>
-              <a:t> 9 principles. </a:t>
-            </a:r>
-          </a:p>
-          <a:p>
-            <a:endParaRPr lang="en-US" sz="800" dirty="0"/>
-          </a:p>
-          <a:p>
-            <a:r>
-              <a:rPr lang="en-US" sz="1400" dirty="0"/>
-              <a:t>People who live in a Blue Zone have nine characteristics in common.</a:t>
-            </a:r>
-          </a:p>
-          <a:p>
-            <a:r>
-              <a:rPr lang="en-US" sz="1400" dirty="0"/>
-              <a:t>For the Blue Zones Project, these are called "Power 9 Principles.”</a:t>
-            </a:r>
-          </a:p>
-          <a:p>
-            <a:endParaRPr lang="en-US" sz="1400" dirty="0"/>
-          </a:p>
-          <a:p>
-            <a:pPr marL="342900" indent="-342900">
-              <a:buFont typeface="+mj-lt"/>
-              <a:buAutoNum type="arabicPeriod"/>
-            </a:pPr>
-            <a:r>
-              <a:rPr lang="en-US" sz="1400" b="1" dirty="0">
-                <a:solidFill>
-                  <a:srgbClr val="FF0000"/>
-                </a:solidFill>
-              </a:rPr>
-              <a:t>Move naturally</a:t>
-            </a:r>
-            <a:r>
-              <a:rPr lang="en-US" sz="1400" dirty="0"/>
-              <a:t> - Get more physically active by walking in the community, do manual labor around the house and yard, and grow gardens.</a:t>
-            </a:r>
-          </a:p>
-          <a:p>
-            <a:pPr marL="342900" indent="-342900">
-              <a:buFont typeface="+mj-lt"/>
-              <a:buAutoNum type="arabicPeriod"/>
-            </a:pPr>
-            <a:r>
-              <a:rPr lang="en-US" sz="1400" b="1" dirty="0">
-                <a:solidFill>
-                  <a:srgbClr val="FF0000"/>
-                </a:solidFill>
-              </a:rPr>
-              <a:t>Know your purpose</a:t>
-            </a:r>
-            <a:r>
-              <a:rPr lang="en-US" sz="1400" dirty="0"/>
-              <a:t> - People who know why they get up in the morning live up to seven years longer than those who don't.</a:t>
-            </a:r>
-          </a:p>
-          <a:p>
-            <a:pPr marL="342900" indent="-342900">
-              <a:buFont typeface="+mj-lt"/>
-              <a:buAutoNum type="arabicPeriod"/>
-            </a:pPr>
-            <a:r>
-              <a:rPr lang="en-US" sz="1400" b="1" dirty="0">
-                <a:solidFill>
-                  <a:srgbClr val="FF0000"/>
-                </a:solidFill>
-              </a:rPr>
-              <a:t>Down shift</a:t>
-            </a:r>
-            <a:r>
-              <a:rPr lang="en-US" sz="1400" dirty="0"/>
-              <a:t> - To reverse inflammation related to every major age-related disease, find time each day to meditate, nap, pray or enjoy a happy hour.</a:t>
-            </a:r>
-          </a:p>
-          <a:p>
-            <a:pPr marL="342900" indent="-342900">
-              <a:buFont typeface="+mj-lt"/>
-              <a:buAutoNum type="arabicPeriod"/>
-            </a:pPr>
-            <a:r>
-              <a:rPr lang="en-US" sz="1400" b="1" dirty="0">
-                <a:solidFill>
-                  <a:srgbClr val="FF0000"/>
-                </a:solidFill>
-              </a:rPr>
-              <a:t>80 percent rule</a:t>
-            </a:r>
-            <a:r>
-              <a:rPr lang="en-US" sz="1400" dirty="0"/>
-              <a:t> - It takes the stomach 20 minutes to tell the brain it is full, causing most people to accidentally overeat. Stop eating when 80 percent full.</a:t>
-            </a:r>
-          </a:p>
-          <a:p>
-            <a:pPr marL="342900" indent="-342900">
-              <a:buFont typeface="+mj-lt"/>
-              <a:buAutoNum type="arabicPeriod"/>
-            </a:pPr>
-            <a:r>
-              <a:rPr lang="en-US" sz="1400" b="1" dirty="0">
-                <a:solidFill>
-                  <a:srgbClr val="FF0000"/>
-                </a:solidFill>
-              </a:rPr>
-              <a:t>Plant slant</a:t>
-            </a:r>
-            <a:r>
-              <a:rPr lang="en-US" sz="1400" dirty="0"/>
-              <a:t> - Eat a mostly plant-based diet heavy on beans, nuts and green plants. This is consistent with U.S. Department of Agriculture recommendations.</a:t>
-            </a:r>
-          </a:p>
-          <a:p>
-            <a:pPr marL="342900" indent="-342900">
-              <a:buFont typeface="+mj-lt"/>
-              <a:buAutoNum type="arabicPeriod"/>
-            </a:pPr>
-            <a:r>
-              <a:rPr lang="en-US" sz="1400" b="1" dirty="0">
-                <a:solidFill>
-                  <a:srgbClr val="FF0000"/>
-                </a:solidFill>
-              </a:rPr>
-              <a:t>Wine at 5</a:t>
-            </a:r>
-            <a:r>
-              <a:rPr lang="en-US" sz="1400" dirty="0"/>
-              <a:t> - For those who have a healthy relationship with alcohol, 1-2 glasses of wine daily can add years to a life, especially when combined with a healthy diet.</a:t>
-            </a:r>
-          </a:p>
-          <a:p>
-            <a:pPr marL="342900" indent="-342900">
-              <a:buFont typeface="+mj-lt"/>
-              <a:buAutoNum type="arabicPeriod"/>
-            </a:pPr>
-            <a:r>
-              <a:rPr lang="en-US" sz="1400" b="1" dirty="0">
-                <a:solidFill>
-                  <a:srgbClr val="FF0000"/>
-                </a:solidFill>
-              </a:rPr>
-              <a:t>Family first</a:t>
-            </a:r>
-            <a:r>
-              <a:rPr lang="en-US" sz="1400" dirty="0"/>
-              <a:t> - Living in a thriving family is worth six extra years of life expectancy.</a:t>
-            </a:r>
-          </a:p>
-          <a:p>
-            <a:pPr marL="342900" indent="-342900">
-              <a:buFont typeface="+mj-lt"/>
-              <a:buAutoNum type="arabicPeriod"/>
-            </a:pPr>
-            <a:r>
-              <a:rPr lang="en-US" sz="1400" b="1" dirty="0">
-                <a:solidFill>
-                  <a:srgbClr val="FF0000"/>
-                </a:solidFill>
-              </a:rPr>
-              <a:t>Belong</a:t>
-            </a:r>
-            <a:r>
-              <a:rPr lang="en-US" sz="1400" dirty="0"/>
-              <a:t> - Recommit, reconnect or explore a faith-based community. No matter which faith, studies show that people who show up to their faith community four times a month live an extra four to 14 years.</a:t>
-            </a:r>
-          </a:p>
-          <a:p>
-            <a:pPr marL="342900" indent="-342900">
-              <a:buFont typeface="+mj-lt"/>
-              <a:buAutoNum type="arabicPeriod"/>
-            </a:pPr>
-            <a:r>
-              <a:rPr lang="en-US" sz="1400" b="1" dirty="0">
-                <a:solidFill>
-                  <a:srgbClr val="FF0000"/>
-                </a:solidFill>
-              </a:rPr>
-              <a:t>Right tribe</a:t>
-            </a:r>
-            <a:r>
-              <a:rPr lang="en-US" sz="1400" dirty="0"/>
-              <a:t> - Friends have a long-term impact on well-being. Expand a social circle to include healthy-minded, supportive people. This could be the most powerful way to add years to a life.</a:t>
-            </a:r>
-          </a:p>
-        </p:txBody>
-      </p:sp>
-      <p:pic>
-        <p:nvPicPr>
-          <p:cNvPr id="4098" name="Picture 2" descr="Welcome to Walla Walla County">
-            <a:extLst>
-              <a:ext uri="{FF2B5EF4-FFF2-40B4-BE49-F238E27FC236}">
-                <a16:creationId xmlns:a16="http://schemas.microsoft.com/office/drawing/2014/main" id="{CCB628FE-06F3-6846-9F1C-55B8E3789C2A}"/>
-              </a:ext>
-            </a:extLst>
-          </p:cNvPr>
-          <p:cNvPicPr>
-            <a:picLocks noChangeAspect="1" noChangeArrowheads="1"/>
-          </p:cNvPicPr>
-          <p:nvPr/>
-        </p:nvPicPr>
-        <p:blipFill>
-          <a:blip r:embed="rId2">
-            <a:extLst>
-              <a:ext uri="{28A0092B-C50C-407E-A947-70E740481C1C}">
-                <a14:useLocalDpi xmlns:a14="http://schemas.microsoft.com/office/drawing/2010/main"/>
-              </a:ext>
-            </a:extLst>
-          </a:blip>
-          <a:srcRect/>
-          <a:stretch>
-            <a:fillRect/>
-          </a:stretch>
-        </p:blipFill>
-        <p:spPr bwMode="auto">
-          <a:xfrm>
-            <a:off x="6340758" y="96985"/>
-            <a:ext cx="5740400" cy="4483100"/>
-          </a:xfrm>
-          <a:prstGeom prst="rect">
-            <a:avLst/>
-          </a:prstGeom>
-          <a:noFill/>
-          <a:extLst>
-            <a:ext uri="{909E8E84-426E-40DD-AFC4-6F175D3DCCD1}">
-              <a14:hiddenFill xmlns:a14="http://schemas.microsoft.com/office/drawing/2010/main">
-                <a:solidFill>
-                  <a:srgbClr val="FFFFFF"/>
-                </a:solidFill>
-              </a14:hiddenFill>
-            </a:ext>
-          </a:extLst>
-        </p:spPr>
-      </p:pic>
-    </p:spTree>
-    <p:extLst>
-      <p:ext uri="{BB962C8B-B14F-4D97-AF65-F5344CB8AC3E}">
-        <p14:creationId xmlns:p14="http://schemas.microsoft.com/office/powerpoint/2010/main" val="1071488373"/>
       </p:ext>
     </p:extLst>
   </p:cSld>
@@ -9230,14 +9219,14 @@
       </p:grpSpPr>
       <p:sp>
         <p:nvSpPr>
-          <p:cNvPr id="4" name="TextBox 3"/>
+          <p:cNvPr id="2" name="TextBox 1"/>
           <p:cNvSpPr txBox="1"/>
           <p:nvPr/>
         </p:nvSpPr>
         <p:spPr>
           <a:xfrm>
-            <a:off x="307903" y="197346"/>
-            <a:ext cx="5660663" cy="6709529"/>
+            <a:off x="110842" y="96985"/>
+            <a:ext cx="5985158" cy="6247864"/>
           </a:xfrm>
           <a:prstGeom prst="rect">
             <a:avLst/>
@@ -9251,6 +9240,300 @@
           <a:lstStyle/>
           <a:p>
             <a:r>
+              <a:rPr lang="en-US" altLang="x-none" sz="2800" b="1" dirty="0"/>
+              <a:t>Blue Zones </a:t>
+            </a:r>
+            <a:r>
+              <a:rPr lang="mr-IN" altLang="x-none" sz="2800" b="1" dirty="0"/>
+              <a:t>–</a:t>
+            </a:r>
+            <a:r>
+              <a:rPr lang="en-US" altLang="x-none" sz="2800" b="1" dirty="0"/>
+              <a:t> 9 principles. </a:t>
+            </a:r>
+          </a:p>
+          <a:p>
+            <a:endParaRPr lang="en-US" sz="800" dirty="0"/>
+          </a:p>
+          <a:p>
+            <a:r>
+              <a:rPr lang="en-US" sz="1400" dirty="0"/>
+              <a:t>People who live in a Blue Zone have nine characteristics in common.</a:t>
+            </a:r>
+          </a:p>
+          <a:p>
+            <a:r>
+              <a:rPr lang="en-US" sz="1400" dirty="0"/>
+              <a:t>For the Blue Zones Project, these are called "Power 9 Principles.”</a:t>
+            </a:r>
+          </a:p>
+          <a:p>
+            <a:endParaRPr lang="en-US" sz="1400" dirty="0"/>
+          </a:p>
+          <a:p>
+            <a:pPr marL="342900" indent="-342900">
+              <a:buFont typeface="+mj-lt"/>
+              <a:buAutoNum type="arabicPeriod"/>
+            </a:pPr>
+            <a:r>
+              <a:rPr lang="en-US" sz="1400" b="1" dirty="0">
+                <a:solidFill>
+                  <a:srgbClr val="FF0000"/>
+                </a:solidFill>
+              </a:rPr>
+              <a:t>Move naturally</a:t>
+            </a:r>
+            <a:r>
+              <a:rPr lang="en-US" sz="1400" dirty="0"/>
+              <a:t> - Get more physically active by walking in the community, do manual labor around the house and yard, and grow gardens.</a:t>
+            </a:r>
+          </a:p>
+          <a:p>
+            <a:pPr marL="342900" indent="-342900">
+              <a:buFont typeface="+mj-lt"/>
+              <a:buAutoNum type="arabicPeriod"/>
+            </a:pPr>
+            <a:r>
+              <a:rPr lang="en-US" sz="1400" b="1" dirty="0">
+                <a:solidFill>
+                  <a:srgbClr val="FF0000"/>
+                </a:solidFill>
+              </a:rPr>
+              <a:t>Know your purpose</a:t>
+            </a:r>
+            <a:r>
+              <a:rPr lang="en-US" sz="1400" dirty="0"/>
+              <a:t> - People who know why they get up in the morning live up to seven years longer than those who don't.</a:t>
+            </a:r>
+          </a:p>
+          <a:p>
+            <a:pPr marL="342900" indent="-342900">
+              <a:buFont typeface="+mj-lt"/>
+              <a:buAutoNum type="arabicPeriod"/>
+            </a:pPr>
+            <a:r>
+              <a:rPr lang="en-US" sz="1400" b="1" dirty="0">
+                <a:solidFill>
+                  <a:srgbClr val="FF0000"/>
+                </a:solidFill>
+              </a:rPr>
+              <a:t>Down shift</a:t>
+            </a:r>
+            <a:r>
+              <a:rPr lang="en-US" sz="1400" dirty="0"/>
+              <a:t> - To reverse inflammation related to every major age-related disease, find time each day to meditate, nap, pray or enjoy a happy hour.</a:t>
+            </a:r>
+          </a:p>
+          <a:p>
+            <a:pPr marL="342900" indent="-342900">
+              <a:buFont typeface="+mj-lt"/>
+              <a:buAutoNum type="arabicPeriod"/>
+            </a:pPr>
+            <a:r>
+              <a:rPr lang="en-US" sz="1400" b="1" dirty="0">
+                <a:solidFill>
+                  <a:srgbClr val="FF0000"/>
+                </a:solidFill>
+              </a:rPr>
+              <a:t>80 percent rule</a:t>
+            </a:r>
+            <a:r>
+              <a:rPr lang="en-US" sz="1400" dirty="0"/>
+              <a:t> - It takes the stomach 20 minutes to tell the brain it is full, causing most people to accidentally overeat. Stop eating when 80 percent full.</a:t>
+            </a:r>
+          </a:p>
+          <a:p>
+            <a:pPr marL="342900" indent="-342900">
+              <a:buFont typeface="+mj-lt"/>
+              <a:buAutoNum type="arabicPeriod"/>
+            </a:pPr>
+            <a:r>
+              <a:rPr lang="en-US" sz="1400" b="1" dirty="0">
+                <a:solidFill>
+                  <a:srgbClr val="FF0000"/>
+                </a:solidFill>
+              </a:rPr>
+              <a:t>Plant slant</a:t>
+            </a:r>
+            <a:r>
+              <a:rPr lang="en-US" sz="1400" dirty="0"/>
+              <a:t> - Eat a mostly plant-based diet heavy on beans, nuts and green plants. This is consistent with U.S. Department of Agriculture recommendations.</a:t>
+            </a:r>
+          </a:p>
+          <a:p>
+            <a:pPr marL="342900" indent="-342900">
+              <a:buFont typeface="+mj-lt"/>
+              <a:buAutoNum type="arabicPeriod"/>
+            </a:pPr>
+            <a:r>
+              <a:rPr lang="en-US" sz="1400" b="1" dirty="0">
+                <a:solidFill>
+                  <a:srgbClr val="FF0000"/>
+                </a:solidFill>
+              </a:rPr>
+              <a:t>Wine at 5</a:t>
+            </a:r>
+            <a:r>
+              <a:rPr lang="en-US" sz="1400" dirty="0"/>
+              <a:t> - For those who have a healthy relationship with alcohol, 1-2 glasses of wine daily can add years to a life, especially when combined with a healthy diet.</a:t>
+            </a:r>
+          </a:p>
+          <a:p>
+            <a:pPr marL="342900" indent="-342900">
+              <a:buFont typeface="+mj-lt"/>
+              <a:buAutoNum type="arabicPeriod"/>
+            </a:pPr>
+            <a:r>
+              <a:rPr lang="en-US" sz="1400" b="1" dirty="0">
+                <a:solidFill>
+                  <a:srgbClr val="FF0000"/>
+                </a:solidFill>
+              </a:rPr>
+              <a:t>Family first</a:t>
+            </a:r>
+            <a:r>
+              <a:rPr lang="en-US" sz="1400" dirty="0"/>
+              <a:t> - Living in a thriving family is worth six extra years of life expectancy.</a:t>
+            </a:r>
+          </a:p>
+          <a:p>
+            <a:pPr marL="342900" indent="-342900">
+              <a:buFont typeface="+mj-lt"/>
+              <a:buAutoNum type="arabicPeriod"/>
+            </a:pPr>
+            <a:r>
+              <a:rPr lang="en-US" sz="1400" b="1" dirty="0">
+                <a:solidFill>
+                  <a:srgbClr val="FF0000"/>
+                </a:solidFill>
+              </a:rPr>
+              <a:t>Belong</a:t>
+            </a:r>
+            <a:r>
+              <a:rPr lang="en-US" sz="1400" dirty="0"/>
+              <a:t> - Recommit, reconnect or explore a faith-based community. No matter which faith, studies show that people who show up to their faith community four times a month live an extra four to 14 years.</a:t>
+            </a:r>
+          </a:p>
+          <a:p>
+            <a:pPr marL="342900" indent="-342900">
+              <a:buFont typeface="+mj-lt"/>
+              <a:buAutoNum type="arabicPeriod"/>
+            </a:pPr>
+            <a:r>
+              <a:rPr lang="en-US" sz="1400" b="1" dirty="0">
+                <a:solidFill>
+                  <a:srgbClr val="FF0000"/>
+                </a:solidFill>
+              </a:rPr>
+              <a:t>Right tribe</a:t>
+            </a:r>
+            <a:r>
+              <a:rPr lang="en-US" sz="1400" dirty="0"/>
+              <a:t> - Friends have a long-term impact on well-being. Expand a social circle to include healthy-minded, supportive people. This could be the most powerful way to add years to a life.</a:t>
+            </a:r>
+          </a:p>
+        </p:txBody>
+      </p:sp>
+      <p:pic>
+        <p:nvPicPr>
+          <p:cNvPr id="4098" name="Picture 2" descr="Welcome to Walla Walla County">
+            <a:extLst>
+              <a:ext uri="{FF2B5EF4-FFF2-40B4-BE49-F238E27FC236}">
+                <a16:creationId xmlns:a16="http://schemas.microsoft.com/office/drawing/2014/main" id="{CCB628FE-06F3-6846-9F1C-55B8E3789C2A}"/>
+              </a:ext>
+            </a:extLst>
+          </p:cNvPr>
+          <p:cNvPicPr>
+            <a:picLocks noChangeAspect="1" noChangeArrowheads="1"/>
+          </p:cNvPicPr>
+          <p:nvPr/>
+        </p:nvPicPr>
+        <p:blipFill>
+          <a:blip r:embed="rId2">
+            <a:extLst>
+              <a:ext uri="{28A0092B-C50C-407E-A947-70E740481C1C}">
+                <a14:useLocalDpi xmlns:a14="http://schemas.microsoft.com/office/drawing/2010/main"/>
+              </a:ext>
+            </a:extLst>
+          </a:blip>
+          <a:srcRect/>
+          <a:stretch>
+            <a:fillRect/>
+          </a:stretch>
+        </p:blipFill>
+        <p:spPr bwMode="auto">
+          <a:xfrm>
+            <a:off x="6340758" y="96985"/>
+            <a:ext cx="5740400" cy="4483100"/>
+          </a:xfrm>
+          <a:prstGeom prst="rect">
+            <a:avLst/>
+          </a:prstGeom>
+          <a:noFill/>
+          <a:extLst>
+            <a:ext uri="{909E8E84-426E-40DD-AFC4-6F175D3DCCD1}">
+              <a14:hiddenFill xmlns:a14="http://schemas.microsoft.com/office/drawing/2010/main">
+                <a:solidFill>
+                  <a:srgbClr val="FFFFFF"/>
+                </a:solidFill>
+              </a14:hiddenFill>
+            </a:ext>
+          </a:extLst>
+        </p:spPr>
+      </p:pic>
+    </p:spTree>
+    <p:extLst>
+      <p:ext uri="{BB962C8B-B14F-4D97-AF65-F5344CB8AC3E}">
+        <p14:creationId xmlns:p14="http://schemas.microsoft.com/office/powerpoint/2010/main" val="1071488373"/>
+      </p:ext>
+    </p:extLst>
+  </p:cSld>
+  <p:clrMapOvr>
+    <a:masterClrMapping/>
+  </p:clrMapOvr>
+</p:sld>
+</file>
+
+<file path=ppt/slides/slide21.xml><?xml version="1.0" encoding="utf-8"?>
+<p:sld xmlns:a="http://schemas.openxmlformats.org/drawingml/2006/main" xmlns:r="http://schemas.openxmlformats.org/officeDocument/2006/relationships" xmlns:p="http://schemas.openxmlformats.org/presentationml/2006/main">
+  <p:cSld>
+    <p:spTree>
+      <p:nvGrpSpPr>
+        <p:cNvPr id="1" name=""/>
+        <p:cNvGrpSpPr/>
+        <p:nvPr/>
+      </p:nvGrpSpPr>
+      <p:grpSpPr>
+        <a:xfrm>
+          <a:off x="0" y="0"/>
+          <a:ext cx="0" cy="0"/>
+          <a:chOff x="0" y="0"/>
+          <a:chExt cx="0" cy="0"/>
+        </a:xfrm>
+      </p:grpSpPr>
+      <p:sp>
+        <p:nvSpPr>
+          <p:cNvPr id="4" name="TextBox 3"/>
+          <p:cNvSpPr txBox="1"/>
+          <p:nvPr/>
+        </p:nvSpPr>
+        <p:spPr>
+          <a:xfrm>
+            <a:off x="123840" y="115364"/>
+            <a:ext cx="5660663" cy="6617196"/>
+          </a:xfrm>
+          <a:prstGeom prst="rect">
+            <a:avLst/>
+          </a:prstGeom>
+          <a:noFill/>
+        </p:spPr>
+        <p:txBody>
+          <a:bodyPr wrap="square" rtlCol="0">
+            <a:spAutoFit/>
+          </a:bodyPr>
+          <a:lstStyle/>
+          <a:p>
+            <a:r>
               <a:rPr lang="en-US" sz="2800" b="1" dirty="0"/>
               <a:t>Move.</a:t>
             </a:r>
@@ -9261,7 +9544,19 @@
           <a:p>
             <a:r>
               <a:rPr lang="en-US" dirty="0"/>
-              <a:t>Walk/run (with your dog), play outside</a:t>
+              <a:t>Move every 20 minutes.</a:t>
+            </a:r>
+          </a:p>
+          <a:p>
+            <a:r>
+              <a:rPr lang="en-US" dirty="0"/>
+              <a:t>Use treadmill desk.</a:t>
+            </a:r>
+          </a:p>
+          <a:p>
+            <a:r>
+              <a:rPr lang="en-US" dirty="0"/>
+              <a:t>Walk/run/play, play outside.</a:t>
             </a:r>
           </a:p>
           <a:p>
@@ -9282,19 +9577,10 @@
             <a:endParaRPr lang="en-US" sz="800" dirty="0"/>
           </a:p>
           <a:p>
-            <a:endParaRPr lang="en-US" sz="800" dirty="0"/>
-          </a:p>
-          <a:p>
-            <a:endParaRPr lang="en-US" sz="800" dirty="0"/>
-          </a:p>
-          <a:p>
             <a:r>
               <a:rPr lang="en-US" sz="2400" b="1" dirty="0"/>
               <a:t>Here are some links about exercising: </a:t>
             </a:r>
-            <a:br>
-              <a:rPr lang="en-US" dirty="0"/>
-            </a:br>
             <a:endParaRPr lang="en-US" dirty="0"/>
           </a:p>
           <a:p>

--- a/_Life_Lose_Weight.pptx
+++ b/_Life_Lose_Weight.pptx
@@ -5,7 +5,7 @@
     <p:sldMasterId id="2147483648" r:id="rId1"/>
   </p:sldMasterIdLst>
   <p:notesMasterIdLst>
-    <p:notesMasterId r:id="rId23"/>
+    <p:notesMasterId r:id="rId27"/>
   </p:notesMasterIdLst>
   <p:sldIdLst>
     <p:sldId id="259" r:id="rId2"/>
@@ -29,6 +29,10 @@
     <p:sldId id="266" r:id="rId20"/>
     <p:sldId id="270" r:id="rId21"/>
     <p:sldId id="269" r:id="rId22"/>
+    <p:sldId id="278" r:id="rId23"/>
+    <p:sldId id="279" r:id="rId24"/>
+    <p:sldId id="281" r:id="rId25"/>
+    <p:sldId id="280" r:id="rId26"/>
   </p:sldIdLst>
   <p:sldSz cx="12192000" cy="6858000"/>
   <p:notesSz cx="6858000" cy="9144000"/>
@@ -217,7 +221,7 @@
           <a:p>
             <a:fld id="{88E52045-756B-384E-A6E6-7F3ED1EF79B4}" type="datetimeFigureOut">
               <a:rPr lang="en-US" smtClean="0"/>
-              <a:t>5/26/21</a:t>
+              <a:t>5/27/21</a:t>
             </a:fld>
             <a:endParaRPr lang="en-US"/>
           </a:p>
@@ -613,7 +617,7 @@
           <a:p>
             <a:fld id="{B99DC7AF-117D-0D44-9887-15AB809462D7}" type="datetimeFigureOut">
               <a:rPr lang="en-US" smtClean="0"/>
-              <a:t>5/26/21</a:t>
+              <a:t>5/27/21</a:t>
             </a:fld>
             <a:endParaRPr lang="en-US"/>
           </a:p>
@@ -781,7 +785,7 @@
           <a:p>
             <a:fld id="{B99DC7AF-117D-0D44-9887-15AB809462D7}" type="datetimeFigureOut">
               <a:rPr lang="en-US" smtClean="0"/>
-              <a:t>5/26/21</a:t>
+              <a:t>5/27/21</a:t>
             </a:fld>
             <a:endParaRPr lang="en-US"/>
           </a:p>
@@ -959,7 +963,7 @@
           <a:p>
             <a:fld id="{B99DC7AF-117D-0D44-9887-15AB809462D7}" type="datetimeFigureOut">
               <a:rPr lang="en-US" smtClean="0"/>
-              <a:t>5/26/21</a:t>
+              <a:t>5/27/21</a:t>
             </a:fld>
             <a:endParaRPr lang="en-US"/>
           </a:p>
@@ -1127,7 +1131,7 @@
           <a:p>
             <a:fld id="{B99DC7AF-117D-0D44-9887-15AB809462D7}" type="datetimeFigureOut">
               <a:rPr lang="en-US" smtClean="0"/>
-              <a:t>5/26/21</a:t>
+              <a:t>5/27/21</a:t>
             </a:fld>
             <a:endParaRPr lang="en-US"/>
           </a:p>
@@ -1372,7 +1376,7 @@
           <a:p>
             <a:fld id="{B99DC7AF-117D-0D44-9887-15AB809462D7}" type="datetimeFigureOut">
               <a:rPr lang="en-US" smtClean="0"/>
-              <a:t>5/26/21</a:t>
+              <a:t>5/27/21</a:t>
             </a:fld>
             <a:endParaRPr lang="en-US"/>
           </a:p>
@@ -1601,7 +1605,7 @@
           <a:p>
             <a:fld id="{B99DC7AF-117D-0D44-9887-15AB809462D7}" type="datetimeFigureOut">
               <a:rPr lang="en-US" smtClean="0"/>
-              <a:t>5/26/21</a:t>
+              <a:t>5/27/21</a:t>
             </a:fld>
             <a:endParaRPr lang="en-US"/>
           </a:p>
@@ -1965,7 +1969,7 @@
           <a:p>
             <a:fld id="{B99DC7AF-117D-0D44-9887-15AB809462D7}" type="datetimeFigureOut">
               <a:rPr lang="en-US" smtClean="0"/>
-              <a:t>5/26/21</a:t>
+              <a:t>5/27/21</a:t>
             </a:fld>
             <a:endParaRPr lang="en-US"/>
           </a:p>
@@ -2082,7 +2086,7 @@
           <a:p>
             <a:fld id="{B99DC7AF-117D-0D44-9887-15AB809462D7}" type="datetimeFigureOut">
               <a:rPr lang="en-US" smtClean="0"/>
-              <a:t>5/26/21</a:t>
+              <a:t>5/27/21</a:t>
             </a:fld>
             <a:endParaRPr lang="en-US"/>
           </a:p>
@@ -2177,7 +2181,7 @@
           <a:p>
             <a:fld id="{B99DC7AF-117D-0D44-9887-15AB809462D7}" type="datetimeFigureOut">
               <a:rPr lang="en-US" smtClean="0"/>
-              <a:t>5/26/21</a:t>
+              <a:t>5/27/21</a:t>
             </a:fld>
             <a:endParaRPr lang="en-US"/>
           </a:p>
@@ -2452,7 +2456,7 @@
           <a:p>
             <a:fld id="{B99DC7AF-117D-0D44-9887-15AB809462D7}" type="datetimeFigureOut">
               <a:rPr lang="en-US" smtClean="0"/>
-              <a:t>5/26/21</a:t>
+              <a:t>5/27/21</a:t>
             </a:fld>
             <a:endParaRPr lang="en-US"/>
           </a:p>
@@ -2704,7 +2708,7 @@
           <a:p>
             <a:fld id="{B99DC7AF-117D-0D44-9887-15AB809462D7}" type="datetimeFigureOut">
               <a:rPr lang="en-US" smtClean="0"/>
-              <a:t>5/26/21</a:t>
+              <a:t>5/27/21</a:t>
             </a:fld>
             <a:endParaRPr lang="en-US"/>
           </a:p>
@@ -2915,7 +2919,7 @@
           <a:p>
             <a:fld id="{B99DC7AF-117D-0D44-9887-15AB809462D7}" type="datetimeFigureOut">
               <a:rPr lang="en-US" smtClean="0"/>
-              <a:t>5/26/21</a:t>
+              <a:t>5/27/21</a:t>
             </a:fld>
             <a:endParaRPr lang="en-US"/>
           </a:p>
@@ -10368,6 +10372,2026 @@
 </p:sld>
 </file>
 
+<file path=ppt/slides/slide22.xml><?xml version="1.0" encoding="utf-8"?>
+<p:sld xmlns:a="http://schemas.openxmlformats.org/drawingml/2006/main" xmlns:r="http://schemas.openxmlformats.org/officeDocument/2006/relationships" xmlns:p="http://schemas.openxmlformats.org/presentationml/2006/main">
+  <p:cSld>
+    <p:spTree>
+      <p:nvGrpSpPr>
+        <p:cNvPr id="1" name=""/>
+        <p:cNvGrpSpPr/>
+        <p:nvPr/>
+      </p:nvGrpSpPr>
+      <p:grpSpPr>
+        <a:xfrm>
+          <a:off x="0" y="0"/>
+          <a:ext cx="0" cy="0"/>
+          <a:chOff x="0" y="0"/>
+          <a:chExt cx="0" cy="0"/>
+        </a:xfrm>
+      </p:grpSpPr>
+      <p:sp>
+        <p:nvSpPr>
+          <p:cNvPr id="2" name="TextBox 1">
+            <a:extLst>
+              <a:ext uri="{FF2B5EF4-FFF2-40B4-BE49-F238E27FC236}">
+                <a16:creationId xmlns:a16="http://schemas.microsoft.com/office/drawing/2014/main" id="{1F57F956-78AF-DF4F-8B6D-916D71868112}"/>
+              </a:ext>
+            </a:extLst>
+          </p:cNvPr>
+          <p:cNvSpPr txBox="1"/>
+          <p:nvPr/>
+        </p:nvSpPr>
+        <p:spPr>
+          <a:xfrm>
+            <a:off x="105509" y="117231"/>
+            <a:ext cx="2965938" cy="523220"/>
+          </a:xfrm>
+          <a:prstGeom prst="rect">
+            <a:avLst/>
+          </a:prstGeom>
+          <a:noFill/>
+        </p:spPr>
+        <p:txBody>
+          <a:bodyPr wrap="square" rtlCol="0">
+            <a:spAutoFit/>
+          </a:bodyPr>
+          <a:lstStyle/>
+          <a:p>
+            <a:r>
+              <a:rPr lang="en-US" sz="2800" b="1" dirty="0"/>
+              <a:t>Burning Calories</a:t>
+            </a:r>
+          </a:p>
+        </p:txBody>
+      </p:sp>
+      <p:sp>
+        <p:nvSpPr>
+          <p:cNvPr id="3" name="TextBox 2">
+            <a:extLst>
+              <a:ext uri="{FF2B5EF4-FFF2-40B4-BE49-F238E27FC236}">
+                <a16:creationId xmlns:a16="http://schemas.microsoft.com/office/drawing/2014/main" id="{8810B054-D7A9-8D4E-9C4D-EB0DAA62C79D}"/>
+              </a:ext>
+            </a:extLst>
+          </p:cNvPr>
+          <p:cNvSpPr txBox="1"/>
+          <p:nvPr/>
+        </p:nvSpPr>
+        <p:spPr>
+          <a:xfrm>
+            <a:off x="105509" y="820594"/>
+            <a:ext cx="5475484" cy="5109091"/>
+          </a:xfrm>
+          <a:prstGeom prst="rect">
+            <a:avLst/>
+          </a:prstGeom>
+          <a:noFill/>
+        </p:spPr>
+        <p:txBody>
+          <a:bodyPr wrap="square" rtlCol="0">
+            <a:spAutoFit/>
+          </a:bodyPr>
+          <a:lstStyle/>
+          <a:p>
+            <a:r>
+              <a:rPr lang="en-US" sz="1400" dirty="0"/>
+              <a:t>We know that </a:t>
+            </a:r>
+            <a:r>
+              <a:rPr lang="en-US" sz="1400" b="1" dirty="0">
+                <a:solidFill>
+                  <a:srgbClr val="FF0000"/>
+                </a:solidFill>
+              </a:rPr>
+              <a:t>exercises</a:t>
+            </a:r>
+            <a:r>
+              <a:rPr lang="en-US" sz="1400" dirty="0"/>
+              <a:t> don't contribute much to weight loss </a:t>
+            </a:r>
+            <a:r>
+              <a:rPr lang="en-US" sz="1400" b="1" dirty="0">
+                <a:solidFill>
+                  <a:srgbClr val="FF0000"/>
+                </a:solidFill>
+              </a:rPr>
+              <a:t>long term</a:t>
+            </a:r>
+            <a:r>
+              <a:rPr lang="en-US" sz="1400" dirty="0"/>
+              <a:t>. The </a:t>
+            </a:r>
+            <a:r>
+              <a:rPr lang="en-US" sz="1400" b="1" dirty="0">
+                <a:solidFill>
+                  <a:srgbClr val="FF0000"/>
+                </a:solidFill>
+              </a:rPr>
+              <a:t>"burning stove"</a:t>
+            </a:r>
+            <a:r>
+              <a:rPr lang="en-US" sz="1400" dirty="0"/>
+              <a:t> theory doesn't work</a:t>
+            </a:r>
+            <a:r>
+              <a:rPr lang="en-US" sz="1400" b="1" dirty="0">
+                <a:solidFill>
+                  <a:srgbClr val="FF0000"/>
+                </a:solidFill>
+              </a:rPr>
+              <a:t> long term</a:t>
+            </a:r>
+            <a:r>
+              <a:rPr lang="en-US" sz="1400" dirty="0"/>
+              <a:t>.</a:t>
+            </a:r>
+          </a:p>
+          <a:p>
+            <a:endParaRPr lang="en-US" sz="1400" dirty="0"/>
+          </a:p>
+          <a:p>
+            <a:r>
+              <a:rPr lang="en-US" sz="1400" dirty="0"/>
+              <a:t>But when people want to lose weight fast, they love to count calories.</a:t>
+            </a:r>
+          </a:p>
+          <a:p>
+            <a:r>
+              <a:rPr lang="en-US" sz="1400" dirty="0"/>
+              <a:t>So here are some numbers.</a:t>
+            </a:r>
+            <a:br>
+              <a:rPr lang="en-US" sz="1400" dirty="0"/>
+            </a:br>
+            <a:endParaRPr lang="en-US" sz="1400" dirty="0"/>
+          </a:p>
+          <a:p>
+            <a:r>
+              <a:rPr lang="en-US" sz="1400" dirty="0"/>
+              <a:t>Note - if you don't sleep enough, or under stress, or eat very unhealthy, these numbers will not work.</a:t>
+            </a:r>
+            <a:br>
+              <a:rPr lang="en-US" sz="1400" dirty="0"/>
+            </a:br>
+            <a:r>
+              <a:rPr lang="en-US" sz="1400" dirty="0"/>
+              <a:t>Note:</a:t>
+            </a:r>
+          </a:p>
+          <a:p>
+            <a:pPr marL="342900" indent="-342900">
+              <a:buFont typeface="+mj-lt"/>
+              <a:buAutoNum type="arabicPeriod"/>
+            </a:pPr>
+            <a:r>
+              <a:rPr lang="en-US" sz="1400" dirty="0"/>
+              <a:t>Speed of losing weight is SLOW (unless you do something heroic)</a:t>
+            </a:r>
+          </a:p>
+          <a:p>
+            <a:pPr marL="342900" indent="-342900">
+              <a:buFont typeface="+mj-lt"/>
+              <a:buAutoNum type="arabicPeriod"/>
+            </a:pPr>
+            <a:r>
+              <a:rPr lang="en-US" sz="1400" dirty="0"/>
+              <a:t>Speed mostly depends on total caloric intake. </a:t>
+            </a:r>
+            <a:br>
+              <a:rPr lang="en-US" sz="1400" dirty="0"/>
+            </a:br>
+            <a:r>
+              <a:rPr lang="en-US" sz="1400" dirty="0"/>
+              <a:t>Exercising can help, but eating contributes more.</a:t>
+            </a:r>
+            <a:br>
+              <a:rPr lang="en-US" sz="1400" dirty="0"/>
+            </a:br>
+            <a:r>
+              <a:rPr lang="en-US" sz="1400" dirty="0"/>
+              <a:t>You can easily "out-eat" any exercise.</a:t>
+            </a:r>
+          </a:p>
+          <a:p>
+            <a:endParaRPr lang="en-US" sz="1400" dirty="0"/>
+          </a:p>
+          <a:p>
+            <a:r>
+              <a:rPr lang="en-US" b="1" dirty="0">
+                <a:solidFill>
+                  <a:srgbClr val="FF0000"/>
+                </a:solidFill>
+              </a:rPr>
+              <a:t>How many calories you burn without exercise?</a:t>
+            </a:r>
+            <a:endParaRPr lang="en-US" sz="1400" dirty="0"/>
+          </a:p>
+          <a:p>
+            <a:r>
+              <a:rPr lang="en-US" sz="1400" dirty="0"/>
+              <a:t>Suppose  your weight = 222 </a:t>
+            </a:r>
+            <a:r>
+              <a:rPr lang="en-US" sz="1400" dirty="0" err="1"/>
+              <a:t>lbs</a:t>
+            </a:r>
+            <a:r>
+              <a:rPr lang="en-US" sz="1400" dirty="0"/>
+              <a:t>, </a:t>
+            </a:r>
+          </a:p>
+          <a:p>
+            <a:r>
+              <a:rPr lang="en-US" sz="1400" dirty="0"/>
+              <a:t>and your LBW = 140 </a:t>
+            </a:r>
+            <a:r>
+              <a:rPr lang="en-US" sz="1400" dirty="0" err="1"/>
+              <a:t>lbs</a:t>
+            </a:r>
+            <a:r>
+              <a:rPr lang="en-US" sz="1400" dirty="0"/>
+              <a:t> (Lean Body Weight = weight without excess fat).</a:t>
+            </a:r>
+            <a:br>
+              <a:rPr lang="en-US" sz="1400" dirty="0"/>
+            </a:br>
+            <a:r>
+              <a:rPr lang="en-US" sz="1400" dirty="0"/>
+              <a:t>Your Basal Metabolism ~1700 Kcal/day.</a:t>
+            </a:r>
+            <a:br>
+              <a:rPr lang="en-US" sz="1400" dirty="0"/>
+            </a:br>
+            <a:r>
+              <a:rPr lang="en-US" sz="1400" dirty="0"/>
+              <a:t>- </a:t>
+            </a:r>
+            <a:r>
+              <a:rPr lang="en-US" sz="1400" dirty="0">
+                <a:hlinkClick r:id="rId2"/>
+              </a:rPr>
+              <a:t>http://www.bodybuilding.com/fun/bmr_calculator.htm</a:t>
+            </a:r>
+            <a:br>
+              <a:rPr lang="en-US" sz="1400" dirty="0"/>
+            </a:br>
+            <a:r>
+              <a:rPr lang="en-US" sz="1400" dirty="0"/>
+              <a:t>LBW for 140 </a:t>
+            </a:r>
+            <a:r>
+              <a:rPr lang="en-US" sz="1400" dirty="0" err="1"/>
+              <a:t>lbs</a:t>
+            </a:r>
+            <a:r>
+              <a:rPr lang="en-US" sz="1400" dirty="0"/>
+              <a:t> : 1500 Kcal </a:t>
+            </a:r>
+            <a:br>
+              <a:rPr lang="en-US" sz="1400" dirty="0"/>
+            </a:br>
+            <a:r>
+              <a:rPr lang="en-US" sz="1400" dirty="0"/>
+              <a:t>LBW for 233 </a:t>
+            </a:r>
+            <a:r>
+              <a:rPr lang="en-US" sz="1400" dirty="0" err="1"/>
+              <a:t>lbs</a:t>
+            </a:r>
+            <a:r>
+              <a:rPr lang="en-US" sz="1400" dirty="0"/>
+              <a:t> : 2100 Kcal </a:t>
+            </a:r>
+            <a:br>
+              <a:rPr lang="en-US" sz="1400" dirty="0"/>
+            </a:br>
+            <a:br>
+              <a:rPr lang="en-US" sz="1400" dirty="0"/>
+            </a:br>
+            <a:endParaRPr lang="en-US" sz="1400" dirty="0"/>
+          </a:p>
+        </p:txBody>
+      </p:sp>
+      <p:sp>
+        <p:nvSpPr>
+          <p:cNvPr id="4" name="TextBox 3">
+            <a:extLst>
+              <a:ext uri="{FF2B5EF4-FFF2-40B4-BE49-F238E27FC236}">
+                <a16:creationId xmlns:a16="http://schemas.microsoft.com/office/drawing/2014/main" id="{684CD440-F25F-9844-8347-7AC40276CEFF}"/>
+              </a:ext>
+            </a:extLst>
+          </p:cNvPr>
+          <p:cNvSpPr txBox="1"/>
+          <p:nvPr/>
+        </p:nvSpPr>
+        <p:spPr>
+          <a:xfrm>
+            <a:off x="6198880" y="151179"/>
+            <a:ext cx="5843346" cy="6555641"/>
+          </a:xfrm>
+          <a:prstGeom prst="rect">
+            <a:avLst/>
+          </a:prstGeom>
+          <a:noFill/>
+        </p:spPr>
+        <p:txBody>
+          <a:bodyPr wrap="square" rtlCol="0">
+            <a:spAutoFit/>
+          </a:bodyPr>
+          <a:lstStyle/>
+          <a:p>
+            <a:r>
+              <a:rPr lang="en-US" sz="1400" b="1" dirty="0">
+                <a:solidFill>
+                  <a:srgbClr val="FF0000"/>
+                </a:solidFill>
+              </a:rPr>
+              <a:t>1 </a:t>
+            </a:r>
+            <a:r>
+              <a:rPr lang="en-US" sz="1400" b="1" dirty="0" err="1">
+                <a:solidFill>
+                  <a:srgbClr val="FF0000"/>
+                </a:solidFill>
+              </a:rPr>
+              <a:t>lb</a:t>
+            </a:r>
+            <a:r>
+              <a:rPr lang="en-US" sz="1400" b="1" dirty="0">
+                <a:solidFill>
+                  <a:srgbClr val="FF0000"/>
+                </a:solidFill>
+              </a:rPr>
+              <a:t> of fat = 3500 Kcal</a:t>
+            </a:r>
+            <a:br>
+              <a:rPr lang="en-US" sz="1400" dirty="0"/>
+            </a:br>
+            <a:r>
+              <a:rPr lang="en-US" sz="1400" dirty="0"/>
+              <a:t>So a caloric deficit 500/day = 3500/</a:t>
+            </a:r>
+            <a:r>
+              <a:rPr lang="en-US" sz="1400" dirty="0" err="1"/>
+              <a:t>wk</a:t>
+            </a:r>
+            <a:r>
+              <a:rPr lang="en-US" sz="1400" dirty="0"/>
+              <a:t> = 1 </a:t>
+            </a:r>
+            <a:r>
+              <a:rPr lang="en-US" sz="1400" dirty="0" err="1"/>
+              <a:t>lb</a:t>
+            </a:r>
+            <a:r>
+              <a:rPr lang="en-US" sz="1400" dirty="0"/>
+              <a:t>/</a:t>
+            </a:r>
+            <a:r>
+              <a:rPr lang="en-US" sz="1400" dirty="0" err="1"/>
+              <a:t>wk</a:t>
+            </a:r>
+            <a:r>
+              <a:rPr lang="en-US" sz="1400" dirty="0"/>
+              <a:t> weight loss.</a:t>
+            </a:r>
+          </a:p>
+          <a:p>
+            <a:r>
+              <a:rPr lang="en-US" sz="1400" dirty="0"/>
+              <a:t>This caloric deficit may be achieved by </a:t>
+            </a:r>
+            <a:r>
+              <a:rPr lang="en-US" sz="1400" b="1" dirty="0">
+                <a:solidFill>
+                  <a:srgbClr val="FF0000"/>
+                </a:solidFill>
+              </a:rPr>
+              <a:t>eating less &amp; exercising more</a:t>
+            </a:r>
+            <a:br>
+              <a:rPr lang="en-US" sz="1400" dirty="0"/>
+            </a:br>
+            <a:endParaRPr lang="en-US" sz="1400" dirty="0"/>
+          </a:p>
+          <a:p>
+            <a:r>
+              <a:rPr lang="en-US" sz="1400" dirty="0"/>
+              <a:t>1 </a:t>
+            </a:r>
+            <a:r>
+              <a:rPr lang="en-US" sz="1400" dirty="0" err="1"/>
+              <a:t>hr</a:t>
+            </a:r>
+            <a:r>
+              <a:rPr lang="en-US" sz="1400" dirty="0"/>
+              <a:t> of exercising burns 300..500K (+200 after-burn).</a:t>
+            </a:r>
+            <a:br>
+              <a:rPr lang="en-US" sz="1400" dirty="0"/>
+            </a:br>
+            <a:r>
+              <a:rPr lang="en-US" sz="1400" dirty="0"/>
+              <a:t>So 1hr in gym EVERY DAY burns ~500/day, or 1 </a:t>
+            </a:r>
+            <a:r>
+              <a:rPr lang="en-US" sz="1400" dirty="0" err="1"/>
+              <a:t>lb</a:t>
+            </a:r>
+            <a:r>
+              <a:rPr lang="en-US" sz="1400" dirty="0"/>
+              <a:t>/wk.</a:t>
+            </a:r>
+            <a:br>
+              <a:rPr lang="en-US" sz="1400" dirty="0"/>
+            </a:br>
+            <a:endParaRPr lang="en-US" sz="1400" dirty="0"/>
+          </a:p>
+          <a:p>
+            <a:r>
+              <a:rPr lang="en-US" sz="1400" dirty="0"/>
+              <a:t>Exercising 1 </a:t>
+            </a:r>
+            <a:r>
+              <a:rPr lang="en-US" sz="1400" dirty="0" err="1"/>
+              <a:t>hr</a:t>
+            </a:r>
+            <a:r>
+              <a:rPr lang="en-US" sz="1400" dirty="0"/>
+              <a:t> 3 times per week will cause ~0.5 </a:t>
+            </a:r>
+            <a:r>
+              <a:rPr lang="en-US" sz="1400" dirty="0" err="1"/>
+              <a:t>lbs</a:t>
+            </a:r>
+            <a:r>
+              <a:rPr lang="en-US" sz="1400" dirty="0"/>
+              <a:t>/</a:t>
+            </a:r>
+            <a:r>
+              <a:rPr lang="en-US" sz="1400" dirty="0" err="1"/>
+              <a:t>wk</a:t>
+            </a:r>
+            <a:r>
+              <a:rPr lang="en-US" sz="1400" dirty="0"/>
+              <a:t> loss.</a:t>
+            </a:r>
+          </a:p>
+          <a:p>
+            <a:endParaRPr lang="en-US" sz="1100" dirty="0">
+              <a:solidFill>
+                <a:srgbClr val="0070C0"/>
+              </a:solidFill>
+              <a:latin typeface="Menlo" panose="020B0609030804020204" pitchFamily="49" charset="0"/>
+              <a:ea typeface="Menlo" panose="020B0609030804020204" pitchFamily="49" charset="0"/>
+              <a:cs typeface="Menlo" panose="020B0609030804020204" pitchFamily="49" charset="0"/>
+            </a:endParaRPr>
+          </a:p>
+          <a:p>
+            <a:r>
+              <a:rPr lang="en-US" sz="1100" dirty="0">
+                <a:solidFill>
+                  <a:srgbClr val="0070C0"/>
+                </a:solidFill>
+                <a:latin typeface="Menlo" panose="020B0609030804020204" pitchFamily="49" charset="0"/>
+                <a:ea typeface="Menlo" panose="020B0609030804020204" pitchFamily="49" charset="0"/>
+                <a:cs typeface="Menlo" panose="020B0609030804020204" pitchFamily="49" charset="0"/>
+              </a:rPr>
+              <a:t>   ========================================</a:t>
+            </a:r>
+          </a:p>
+          <a:p>
+            <a:r>
+              <a:rPr lang="en-US" sz="1100" dirty="0">
+                <a:solidFill>
+                  <a:srgbClr val="0070C0"/>
+                </a:solidFill>
+                <a:latin typeface="Menlo" panose="020B0609030804020204" pitchFamily="49" charset="0"/>
+                <a:ea typeface="Menlo" panose="020B0609030804020204" pitchFamily="49" charset="0"/>
+                <a:cs typeface="Menlo" panose="020B0609030804020204" pitchFamily="49" charset="0"/>
+              </a:rPr>
+              <a:t>   Daily    Daily     Weekly (monthly)</a:t>
+            </a:r>
+          </a:p>
+          <a:p>
+            <a:r>
+              <a:rPr lang="en-US" sz="1100" dirty="0">
+                <a:solidFill>
+                  <a:srgbClr val="0070C0"/>
+                </a:solidFill>
+                <a:latin typeface="Menlo" panose="020B0609030804020204" pitchFamily="49" charset="0"/>
+                <a:ea typeface="Menlo" panose="020B0609030804020204" pitchFamily="49" charset="0"/>
+                <a:cs typeface="Menlo" panose="020B0609030804020204" pitchFamily="49" charset="0"/>
+              </a:rPr>
+              <a:t>   Food     Exercise  weight loss</a:t>
+            </a:r>
+          </a:p>
+          <a:p>
+            <a:r>
+              <a:rPr lang="en-US" sz="1100" dirty="0">
+                <a:solidFill>
+                  <a:srgbClr val="0070C0"/>
+                </a:solidFill>
+                <a:latin typeface="Menlo" panose="020B0609030804020204" pitchFamily="49" charset="0"/>
+                <a:ea typeface="Menlo" panose="020B0609030804020204" pitchFamily="49" charset="0"/>
+                <a:cs typeface="Menlo" panose="020B0609030804020204" pitchFamily="49" charset="0"/>
+              </a:rPr>
+              <a:t>   (Kcals)  (hours)   (</a:t>
+            </a:r>
+            <a:r>
+              <a:rPr lang="en-US" sz="1100" dirty="0" err="1">
+                <a:solidFill>
+                  <a:srgbClr val="0070C0"/>
+                </a:solidFill>
+                <a:latin typeface="Menlo" panose="020B0609030804020204" pitchFamily="49" charset="0"/>
+                <a:ea typeface="Menlo" panose="020B0609030804020204" pitchFamily="49" charset="0"/>
+                <a:cs typeface="Menlo" panose="020B0609030804020204" pitchFamily="49" charset="0"/>
+              </a:rPr>
+              <a:t>lbs</a:t>
+            </a:r>
+            <a:r>
+              <a:rPr lang="en-US" sz="1100" dirty="0">
+                <a:solidFill>
+                  <a:srgbClr val="0070C0"/>
+                </a:solidFill>
+                <a:latin typeface="Menlo" panose="020B0609030804020204" pitchFamily="49" charset="0"/>
+                <a:ea typeface="Menlo" panose="020B0609030804020204" pitchFamily="49" charset="0"/>
+                <a:cs typeface="Menlo" panose="020B0609030804020204" pitchFamily="49" charset="0"/>
+              </a:rPr>
+              <a:t>)</a:t>
+            </a:r>
+          </a:p>
+          <a:p>
+            <a:r>
+              <a:rPr lang="en-US" sz="1100" dirty="0">
+                <a:solidFill>
+                  <a:srgbClr val="0070C0"/>
+                </a:solidFill>
+                <a:latin typeface="Menlo" panose="020B0609030804020204" pitchFamily="49" charset="0"/>
+                <a:ea typeface="Menlo" panose="020B0609030804020204" pitchFamily="49" charset="0"/>
+                <a:cs typeface="Menlo" panose="020B0609030804020204" pitchFamily="49" charset="0"/>
+              </a:rPr>
+              <a:t>   ========================================</a:t>
+            </a:r>
+          </a:p>
+          <a:p>
+            <a:r>
+              <a:rPr lang="en-US" sz="1100" dirty="0">
+                <a:solidFill>
+                  <a:srgbClr val="0070C0"/>
+                </a:solidFill>
+                <a:latin typeface="Menlo" panose="020B0609030804020204" pitchFamily="49" charset="0"/>
+                <a:ea typeface="Menlo" panose="020B0609030804020204" pitchFamily="49" charset="0"/>
+                <a:cs typeface="Menlo" panose="020B0609030804020204" pitchFamily="49" charset="0"/>
+              </a:rPr>
+              <a:t>   1700        0        0   (0/</a:t>
+            </a:r>
+            <a:r>
+              <a:rPr lang="en-US" sz="1100" dirty="0" err="1">
+                <a:solidFill>
+                  <a:srgbClr val="0070C0"/>
+                </a:solidFill>
+                <a:latin typeface="Menlo" panose="020B0609030804020204" pitchFamily="49" charset="0"/>
+                <a:ea typeface="Menlo" panose="020B0609030804020204" pitchFamily="49" charset="0"/>
+                <a:cs typeface="Menlo" panose="020B0609030804020204" pitchFamily="49" charset="0"/>
+              </a:rPr>
+              <a:t>mo</a:t>
+            </a:r>
+            <a:r>
+              <a:rPr lang="en-US" sz="1100" dirty="0">
+                <a:solidFill>
+                  <a:srgbClr val="0070C0"/>
+                </a:solidFill>
+                <a:latin typeface="Menlo" panose="020B0609030804020204" pitchFamily="49" charset="0"/>
+                <a:ea typeface="Menlo" panose="020B0609030804020204" pitchFamily="49" charset="0"/>
+                <a:cs typeface="Menlo" panose="020B0609030804020204" pitchFamily="49" charset="0"/>
+              </a:rPr>
+              <a:t>)</a:t>
+            </a:r>
+          </a:p>
+          <a:p>
+            <a:r>
+              <a:rPr lang="en-US" sz="1100" dirty="0">
+                <a:solidFill>
+                  <a:srgbClr val="0070C0"/>
+                </a:solidFill>
+                <a:latin typeface="Menlo" panose="020B0609030804020204" pitchFamily="49" charset="0"/>
+                <a:ea typeface="Menlo" panose="020B0609030804020204" pitchFamily="49" charset="0"/>
+                <a:cs typeface="Menlo" panose="020B0609030804020204" pitchFamily="49" charset="0"/>
+              </a:rPr>
+              <a:t>   1200        0        1   (4/</a:t>
+            </a:r>
+            <a:r>
+              <a:rPr lang="en-US" sz="1100" dirty="0" err="1">
+                <a:solidFill>
+                  <a:srgbClr val="0070C0"/>
+                </a:solidFill>
+                <a:latin typeface="Menlo" panose="020B0609030804020204" pitchFamily="49" charset="0"/>
+                <a:ea typeface="Menlo" panose="020B0609030804020204" pitchFamily="49" charset="0"/>
+                <a:cs typeface="Menlo" panose="020B0609030804020204" pitchFamily="49" charset="0"/>
+              </a:rPr>
+              <a:t>mo</a:t>
+            </a:r>
+            <a:r>
+              <a:rPr lang="en-US" sz="1100" dirty="0">
+                <a:solidFill>
+                  <a:srgbClr val="0070C0"/>
+                </a:solidFill>
+                <a:latin typeface="Menlo" panose="020B0609030804020204" pitchFamily="49" charset="0"/>
+                <a:ea typeface="Menlo" panose="020B0609030804020204" pitchFamily="49" charset="0"/>
+                <a:cs typeface="Menlo" panose="020B0609030804020204" pitchFamily="49" charset="0"/>
+              </a:rPr>
+              <a:t>)</a:t>
+            </a:r>
+          </a:p>
+          <a:p>
+            <a:r>
+              <a:rPr lang="en-US" sz="1100" dirty="0">
+                <a:solidFill>
+                  <a:srgbClr val="0070C0"/>
+                </a:solidFill>
+                <a:latin typeface="Menlo" panose="020B0609030804020204" pitchFamily="49" charset="0"/>
+                <a:ea typeface="Menlo" panose="020B0609030804020204" pitchFamily="49" charset="0"/>
+                <a:cs typeface="Menlo" panose="020B0609030804020204" pitchFamily="49" charset="0"/>
+              </a:rPr>
+              <a:t>    800        0        2   (8/</a:t>
+            </a:r>
+            <a:r>
+              <a:rPr lang="en-US" sz="1100" dirty="0" err="1">
+                <a:solidFill>
+                  <a:srgbClr val="0070C0"/>
+                </a:solidFill>
+                <a:latin typeface="Menlo" panose="020B0609030804020204" pitchFamily="49" charset="0"/>
+                <a:ea typeface="Menlo" panose="020B0609030804020204" pitchFamily="49" charset="0"/>
+                <a:cs typeface="Menlo" panose="020B0609030804020204" pitchFamily="49" charset="0"/>
+              </a:rPr>
+              <a:t>mo</a:t>
+            </a:r>
+            <a:r>
+              <a:rPr lang="en-US" sz="1100" dirty="0">
+                <a:solidFill>
+                  <a:srgbClr val="0070C0"/>
+                </a:solidFill>
+                <a:latin typeface="Menlo" panose="020B0609030804020204" pitchFamily="49" charset="0"/>
+                <a:ea typeface="Menlo" panose="020B0609030804020204" pitchFamily="49" charset="0"/>
+                <a:cs typeface="Menlo" panose="020B0609030804020204" pitchFamily="49" charset="0"/>
+              </a:rPr>
+              <a:t>)</a:t>
+            </a:r>
+          </a:p>
+          <a:p>
+            <a:r>
+              <a:rPr lang="en-US" sz="1100" dirty="0">
+                <a:solidFill>
+                  <a:srgbClr val="0070C0"/>
+                </a:solidFill>
+                <a:latin typeface="Menlo" panose="020B0609030804020204" pitchFamily="49" charset="0"/>
+                <a:ea typeface="Menlo" panose="020B0609030804020204" pitchFamily="49" charset="0"/>
+                <a:cs typeface="Menlo" panose="020B0609030804020204" pitchFamily="49" charset="0"/>
+              </a:rPr>
+              <a:t>    800       0.5       2.5 (10/</a:t>
+            </a:r>
+            <a:r>
+              <a:rPr lang="en-US" sz="1100" dirty="0" err="1">
+                <a:solidFill>
+                  <a:srgbClr val="0070C0"/>
+                </a:solidFill>
+                <a:latin typeface="Menlo" panose="020B0609030804020204" pitchFamily="49" charset="0"/>
+                <a:ea typeface="Menlo" panose="020B0609030804020204" pitchFamily="49" charset="0"/>
+                <a:cs typeface="Menlo" panose="020B0609030804020204" pitchFamily="49" charset="0"/>
+              </a:rPr>
+              <a:t>mo</a:t>
+            </a:r>
+            <a:r>
+              <a:rPr lang="en-US" sz="1100" dirty="0">
+                <a:solidFill>
+                  <a:srgbClr val="0070C0"/>
+                </a:solidFill>
+                <a:latin typeface="Menlo" panose="020B0609030804020204" pitchFamily="49" charset="0"/>
+                <a:ea typeface="Menlo" panose="020B0609030804020204" pitchFamily="49" charset="0"/>
+                <a:cs typeface="Menlo" panose="020B0609030804020204" pitchFamily="49" charset="0"/>
+              </a:rPr>
+              <a:t>)  gym 3/week</a:t>
+            </a:r>
+          </a:p>
+          <a:p>
+            <a:r>
+              <a:rPr lang="en-US" sz="1100" dirty="0">
+                <a:solidFill>
+                  <a:srgbClr val="0070C0"/>
+                </a:solidFill>
+                <a:latin typeface="Menlo" panose="020B0609030804020204" pitchFamily="49" charset="0"/>
+                <a:ea typeface="Menlo" panose="020B0609030804020204" pitchFamily="49" charset="0"/>
+                <a:cs typeface="Menlo" panose="020B0609030804020204" pitchFamily="49" charset="0"/>
+              </a:rPr>
+              <a:t>    800        1        3   (12/</a:t>
+            </a:r>
+            <a:r>
+              <a:rPr lang="en-US" sz="1100" dirty="0" err="1">
+                <a:solidFill>
+                  <a:srgbClr val="0070C0"/>
+                </a:solidFill>
+                <a:latin typeface="Menlo" panose="020B0609030804020204" pitchFamily="49" charset="0"/>
+                <a:ea typeface="Menlo" panose="020B0609030804020204" pitchFamily="49" charset="0"/>
+                <a:cs typeface="Menlo" panose="020B0609030804020204" pitchFamily="49" charset="0"/>
+              </a:rPr>
+              <a:t>mo</a:t>
+            </a:r>
+            <a:r>
+              <a:rPr lang="en-US" sz="1100" dirty="0">
+                <a:solidFill>
+                  <a:srgbClr val="0070C0"/>
+                </a:solidFill>
+                <a:latin typeface="Menlo" panose="020B0609030804020204" pitchFamily="49" charset="0"/>
+                <a:ea typeface="Menlo" panose="020B0609030804020204" pitchFamily="49" charset="0"/>
+                <a:cs typeface="Menlo" panose="020B0609030804020204" pitchFamily="49" charset="0"/>
+              </a:rPr>
+              <a:t>)  gym daily</a:t>
+            </a:r>
+          </a:p>
+          <a:p>
+            <a:r>
+              <a:rPr lang="en-US" sz="1100" dirty="0">
+                <a:solidFill>
+                  <a:srgbClr val="0070C0"/>
+                </a:solidFill>
+                <a:latin typeface="Menlo" panose="020B0609030804020204" pitchFamily="49" charset="0"/>
+                <a:ea typeface="Menlo" panose="020B0609030804020204" pitchFamily="49" charset="0"/>
+                <a:cs typeface="Menlo" panose="020B0609030804020204" pitchFamily="49" charset="0"/>
+              </a:rPr>
+              <a:t>    800        2        4   (16/</a:t>
+            </a:r>
+            <a:r>
+              <a:rPr lang="en-US" sz="1100" dirty="0" err="1">
+                <a:solidFill>
+                  <a:srgbClr val="0070C0"/>
+                </a:solidFill>
+                <a:latin typeface="Menlo" panose="020B0609030804020204" pitchFamily="49" charset="0"/>
+                <a:ea typeface="Menlo" panose="020B0609030804020204" pitchFamily="49" charset="0"/>
+                <a:cs typeface="Menlo" panose="020B0609030804020204" pitchFamily="49" charset="0"/>
+              </a:rPr>
+              <a:t>mo</a:t>
+            </a:r>
+            <a:r>
+              <a:rPr lang="en-US" sz="1100" dirty="0">
+                <a:solidFill>
+                  <a:srgbClr val="0070C0"/>
+                </a:solidFill>
+                <a:latin typeface="Menlo" panose="020B0609030804020204" pitchFamily="49" charset="0"/>
+                <a:ea typeface="Menlo" panose="020B0609030804020204" pitchFamily="49" charset="0"/>
+                <a:cs typeface="Menlo" panose="020B0609030804020204" pitchFamily="49" charset="0"/>
+              </a:rPr>
+              <a:t>)  hero</a:t>
+            </a:r>
+          </a:p>
+          <a:p>
+            <a:r>
+              <a:rPr lang="en-US" sz="1100" dirty="0">
+                <a:solidFill>
+                  <a:srgbClr val="0070C0"/>
+                </a:solidFill>
+                <a:latin typeface="Menlo" panose="020B0609030804020204" pitchFamily="49" charset="0"/>
+                <a:ea typeface="Menlo" panose="020B0609030804020204" pitchFamily="49" charset="0"/>
+                <a:cs typeface="Menlo" panose="020B0609030804020204" pitchFamily="49" charset="0"/>
+              </a:rPr>
+              <a:t>    800        3        5   (20/</a:t>
+            </a:r>
+            <a:r>
+              <a:rPr lang="en-US" sz="1100" dirty="0" err="1">
+                <a:solidFill>
+                  <a:srgbClr val="0070C0"/>
+                </a:solidFill>
+                <a:latin typeface="Menlo" panose="020B0609030804020204" pitchFamily="49" charset="0"/>
+                <a:ea typeface="Menlo" panose="020B0609030804020204" pitchFamily="49" charset="0"/>
+                <a:cs typeface="Menlo" panose="020B0609030804020204" pitchFamily="49" charset="0"/>
+              </a:rPr>
+              <a:t>mo</a:t>
+            </a:r>
+            <a:r>
+              <a:rPr lang="en-US" sz="1100" dirty="0">
+                <a:solidFill>
+                  <a:srgbClr val="0070C0"/>
+                </a:solidFill>
+                <a:latin typeface="Menlo" panose="020B0609030804020204" pitchFamily="49" charset="0"/>
+                <a:ea typeface="Menlo" panose="020B0609030804020204" pitchFamily="49" charset="0"/>
+                <a:cs typeface="Menlo" panose="020B0609030804020204" pitchFamily="49" charset="0"/>
+              </a:rPr>
+              <a:t>)  super-hero</a:t>
+            </a:r>
+          </a:p>
+          <a:p>
+            <a:r>
+              <a:rPr lang="en-US" sz="1100" dirty="0">
+                <a:solidFill>
+                  <a:srgbClr val="0070C0"/>
+                </a:solidFill>
+                <a:latin typeface="Menlo" panose="020B0609030804020204" pitchFamily="49" charset="0"/>
+                <a:ea typeface="Menlo" panose="020B0609030804020204" pitchFamily="49" charset="0"/>
+                <a:cs typeface="Menlo" panose="020B0609030804020204" pitchFamily="49" charset="0"/>
+              </a:rPr>
+              <a:t>   ========================================</a:t>
+            </a:r>
+          </a:p>
+          <a:p>
+            <a:r>
+              <a:rPr lang="en-US" sz="1400" dirty="0"/>
+              <a:t>By being really consistent with the plan, and by doing some extra</a:t>
+            </a:r>
+            <a:br>
+              <a:rPr lang="en-US" sz="1400" dirty="0"/>
+            </a:br>
+            <a:r>
+              <a:rPr lang="en-US" sz="1400" dirty="0"/>
+              <a:t>fasting or exercises, you can reasonably lose ~10 </a:t>
+            </a:r>
+            <a:r>
+              <a:rPr lang="en-US" sz="1400" dirty="0" err="1"/>
+              <a:t>lbs</a:t>
+            </a:r>
+            <a:r>
+              <a:rPr lang="en-US" sz="1400" dirty="0"/>
+              <a:t>/month.</a:t>
+            </a:r>
+            <a:br>
+              <a:rPr lang="en-US" sz="1400" dirty="0"/>
+            </a:br>
+            <a:endParaRPr lang="en-US" sz="1400" dirty="0"/>
+          </a:p>
+          <a:p>
+            <a:r>
+              <a:rPr lang="en-US" sz="1400" dirty="0"/>
+              <a:t>When you start (your first month) - you will lose more, but then it slows down.</a:t>
+            </a:r>
+            <a:br>
+              <a:rPr lang="en-US" sz="1400" dirty="0"/>
+            </a:br>
+            <a:endParaRPr lang="en-US" sz="1400" dirty="0"/>
+          </a:p>
+          <a:p>
+            <a:r>
+              <a:rPr lang="en-US" sz="1400" dirty="0"/>
+              <a:t>It is important to find what you like to do and can do LONG TERM.</a:t>
+            </a:r>
+          </a:p>
+          <a:p>
+            <a:r>
+              <a:rPr lang="en-US" sz="1400" dirty="0"/>
+              <a:t>For example walking (100KCal/mile), running (150KCal/mile), ...</a:t>
+            </a:r>
+          </a:p>
+          <a:p>
+            <a:endParaRPr lang="en-US" sz="1400" dirty="0"/>
+          </a:p>
+          <a:p>
+            <a:r>
+              <a:rPr lang="en-US" sz="1400" dirty="0"/>
+              <a:t>Eating is still the most important factor. </a:t>
+            </a:r>
+          </a:p>
+          <a:p>
+            <a:r>
+              <a:rPr lang="en-US" sz="1400" dirty="0"/>
+              <a:t>For example, you can sweat for an hour in the gym, burn 500 Kcal, and then out-eat your workout by eating just one burger (560 Kcal).</a:t>
+            </a:r>
+          </a:p>
+        </p:txBody>
+      </p:sp>
+    </p:spTree>
+    <p:extLst>
+      <p:ext uri="{BB962C8B-B14F-4D97-AF65-F5344CB8AC3E}">
+        <p14:creationId xmlns:p14="http://schemas.microsoft.com/office/powerpoint/2010/main" val="4127409778"/>
+      </p:ext>
+    </p:extLst>
+  </p:cSld>
+  <p:clrMapOvr>
+    <a:masterClrMapping/>
+  </p:clrMapOvr>
+</p:sld>
+</file>
+
+<file path=ppt/slides/slide23.xml><?xml version="1.0" encoding="utf-8"?>
+<p:sld xmlns:a="http://schemas.openxmlformats.org/drawingml/2006/main" xmlns:r="http://schemas.openxmlformats.org/officeDocument/2006/relationships" xmlns:p="http://schemas.openxmlformats.org/presentationml/2006/main">
+  <p:cSld>
+    <p:spTree>
+      <p:nvGrpSpPr>
+        <p:cNvPr id="1" name=""/>
+        <p:cNvGrpSpPr/>
+        <p:nvPr/>
+      </p:nvGrpSpPr>
+      <p:grpSpPr>
+        <a:xfrm>
+          <a:off x="0" y="0"/>
+          <a:ext cx="0" cy="0"/>
+          <a:chOff x="0" y="0"/>
+          <a:chExt cx="0" cy="0"/>
+        </a:xfrm>
+      </p:grpSpPr>
+      <p:sp>
+        <p:nvSpPr>
+          <p:cNvPr id="2" name="Rectangle 1">
+            <a:extLst>
+              <a:ext uri="{FF2B5EF4-FFF2-40B4-BE49-F238E27FC236}">
+                <a16:creationId xmlns:a16="http://schemas.microsoft.com/office/drawing/2014/main" id="{2C54B1FA-2431-044B-B321-538052A4BF5B}"/>
+              </a:ext>
+            </a:extLst>
+          </p:cNvPr>
+          <p:cNvSpPr/>
+          <p:nvPr/>
+        </p:nvSpPr>
+        <p:spPr>
+          <a:xfrm>
+            <a:off x="67235" y="5635550"/>
+            <a:ext cx="6498443" cy="646331"/>
+          </a:xfrm>
+          <a:prstGeom prst="rect">
+            <a:avLst/>
+          </a:prstGeom>
+        </p:spPr>
+        <p:txBody>
+          <a:bodyPr wrap="square">
+            <a:spAutoFit/>
+          </a:bodyPr>
+          <a:lstStyle/>
+          <a:p>
+            <a:r>
+              <a:rPr lang="en-US" dirty="0"/>
+              <a:t>Official CDC data and maps:</a:t>
+            </a:r>
+            <a:br>
+              <a:rPr lang="en-US" dirty="0"/>
+            </a:br>
+            <a:r>
+              <a:rPr lang="en-US" dirty="0"/>
+              <a:t> - </a:t>
+            </a:r>
+            <a:r>
+              <a:rPr lang="en-US" dirty="0">
+                <a:hlinkClick r:id="rId2"/>
+              </a:rPr>
+              <a:t>https://www.cdc.gov/obesity/data/prevalence-maps.html</a:t>
+            </a:r>
+            <a:r>
+              <a:rPr lang="en-US" dirty="0"/>
+              <a:t> </a:t>
+            </a:r>
+          </a:p>
+        </p:txBody>
+      </p:sp>
+      <p:sp>
+        <p:nvSpPr>
+          <p:cNvPr id="3" name="Rectangle 2">
+            <a:extLst>
+              <a:ext uri="{FF2B5EF4-FFF2-40B4-BE49-F238E27FC236}">
+                <a16:creationId xmlns:a16="http://schemas.microsoft.com/office/drawing/2014/main" id="{591C7719-D0BD-F140-8BF7-097081E1040F}"/>
+              </a:ext>
+            </a:extLst>
+          </p:cNvPr>
+          <p:cNvSpPr/>
+          <p:nvPr/>
+        </p:nvSpPr>
+        <p:spPr>
+          <a:xfrm>
+            <a:off x="0" y="0"/>
+            <a:ext cx="3306739" cy="707886"/>
+          </a:xfrm>
+          <a:prstGeom prst="rect">
+            <a:avLst/>
+          </a:prstGeom>
+        </p:spPr>
+        <p:txBody>
+          <a:bodyPr wrap="none">
+            <a:spAutoFit/>
+          </a:bodyPr>
+          <a:lstStyle/>
+          <a:p>
+            <a:r>
+              <a:rPr lang="en-US" sz="2400" b="1" dirty="0"/>
+              <a:t>Obesity Epidemic in USA</a:t>
+            </a:r>
+          </a:p>
+          <a:p>
+            <a:r>
+              <a:rPr lang="en-US" sz="1600" b="1" dirty="0"/>
+              <a:t>Dramatic changes in last 30 years</a:t>
+            </a:r>
+          </a:p>
+        </p:txBody>
+      </p:sp>
+      <p:pic>
+        <p:nvPicPr>
+          <p:cNvPr id="1026" name="Picture 2" descr="Obesity in US 1990-2010">
+            <a:extLst>
+              <a:ext uri="{FF2B5EF4-FFF2-40B4-BE49-F238E27FC236}">
+                <a16:creationId xmlns:a16="http://schemas.microsoft.com/office/drawing/2014/main" id="{DF3348A7-C903-B549-9782-A176F868E111}"/>
+              </a:ext>
+            </a:extLst>
+          </p:cNvPr>
+          <p:cNvPicPr>
+            <a:picLocks noChangeAspect="1" noChangeArrowheads="1"/>
+          </p:cNvPicPr>
+          <p:nvPr/>
+        </p:nvPicPr>
+        <p:blipFill>
+          <a:blip r:embed="rId3" cstate="email">
+            <a:extLst>
+              <a:ext uri="{28A0092B-C50C-407E-A947-70E740481C1C}">
+                <a14:useLocalDpi xmlns:a14="http://schemas.microsoft.com/office/drawing/2010/main"/>
+              </a:ext>
+            </a:extLst>
+          </a:blip>
+          <a:srcRect/>
+          <a:stretch>
+            <a:fillRect/>
+          </a:stretch>
+        </p:blipFill>
+        <p:spPr bwMode="auto">
+          <a:xfrm>
+            <a:off x="67235" y="1228573"/>
+            <a:ext cx="5867470" cy="3962400"/>
+          </a:xfrm>
+          <a:prstGeom prst="rect">
+            <a:avLst/>
+          </a:prstGeom>
+          <a:noFill/>
+          <a:extLst>
+            <a:ext uri="{909E8E84-426E-40DD-AFC4-6F175D3DCCD1}">
+              <a14:hiddenFill xmlns:a14="http://schemas.microsoft.com/office/drawing/2010/main">
+                <a:solidFill>
+                  <a:srgbClr val="FFFFFF"/>
+                </a:solidFill>
+              </a14:hiddenFill>
+            </a:ext>
+          </a:extLst>
+        </p:spPr>
+      </p:pic>
+      <p:pic>
+        <p:nvPicPr>
+          <p:cNvPr id="1028" name="Picture 4" descr="Obesity 2013">
+            <a:extLst>
+              <a:ext uri="{FF2B5EF4-FFF2-40B4-BE49-F238E27FC236}">
+                <a16:creationId xmlns:a16="http://schemas.microsoft.com/office/drawing/2014/main" id="{3F4488B7-17E0-764F-A18E-30A937568B82}"/>
+              </a:ext>
+            </a:extLst>
+          </p:cNvPr>
+          <p:cNvPicPr>
+            <a:picLocks noChangeAspect="1" noChangeArrowheads="1"/>
+          </p:cNvPicPr>
+          <p:nvPr/>
+        </p:nvPicPr>
+        <p:blipFill>
+          <a:blip r:embed="rId4" cstate="email">
+            <a:extLst>
+              <a:ext uri="{28A0092B-C50C-407E-A947-70E740481C1C}">
+                <a14:useLocalDpi xmlns:a14="http://schemas.microsoft.com/office/drawing/2010/main"/>
+              </a:ext>
+            </a:extLst>
+          </a:blip>
+          <a:srcRect/>
+          <a:stretch>
+            <a:fillRect/>
+          </a:stretch>
+        </p:blipFill>
+        <p:spPr bwMode="auto">
+          <a:xfrm>
+            <a:off x="7849318" y="1365814"/>
+            <a:ext cx="3714975" cy="2510118"/>
+          </a:xfrm>
+          <a:prstGeom prst="rect">
+            <a:avLst/>
+          </a:prstGeom>
+          <a:noFill/>
+          <a:extLst>
+            <a:ext uri="{909E8E84-426E-40DD-AFC4-6F175D3DCCD1}">
+              <a14:hiddenFill xmlns:a14="http://schemas.microsoft.com/office/drawing/2010/main">
+                <a:solidFill>
+                  <a:srgbClr val="FFFFFF"/>
+                </a:solidFill>
+              </a14:hiddenFill>
+            </a:ext>
+          </a:extLst>
+        </p:spPr>
+      </p:pic>
+      <p:pic>
+        <p:nvPicPr>
+          <p:cNvPr id="4" name="Picture 3">
+            <a:extLst>
+              <a:ext uri="{FF2B5EF4-FFF2-40B4-BE49-F238E27FC236}">
+                <a16:creationId xmlns:a16="http://schemas.microsoft.com/office/drawing/2014/main" id="{B74550DB-225E-D444-85F6-446344EE7E9A}"/>
+              </a:ext>
+            </a:extLst>
+          </p:cNvPr>
+          <p:cNvPicPr>
+            <a:picLocks noChangeAspect="1"/>
+          </p:cNvPicPr>
+          <p:nvPr/>
+        </p:nvPicPr>
+        <p:blipFill>
+          <a:blip r:embed="rId5" cstate="email">
+            <a:extLst>
+              <a:ext uri="{28A0092B-C50C-407E-A947-70E740481C1C}">
+                <a14:useLocalDpi xmlns:a14="http://schemas.microsoft.com/office/drawing/2010/main"/>
+              </a:ext>
+            </a:extLst>
+          </a:blip>
+          <a:stretch>
+            <a:fillRect/>
+          </a:stretch>
+        </p:blipFill>
+        <p:spPr>
+          <a:xfrm>
+            <a:off x="8165518" y="4373356"/>
+            <a:ext cx="3082574" cy="1907691"/>
+          </a:xfrm>
+          <a:prstGeom prst="rect">
+            <a:avLst/>
+          </a:prstGeom>
+        </p:spPr>
+      </p:pic>
+      <p:sp>
+        <p:nvSpPr>
+          <p:cNvPr id="7" name="Rectangle 6">
+            <a:extLst>
+              <a:ext uri="{FF2B5EF4-FFF2-40B4-BE49-F238E27FC236}">
+                <a16:creationId xmlns:a16="http://schemas.microsoft.com/office/drawing/2014/main" id="{C846E08C-FFAB-0A43-9FA8-90F3B28F10A2}"/>
+              </a:ext>
+            </a:extLst>
+          </p:cNvPr>
+          <p:cNvSpPr/>
+          <p:nvPr/>
+        </p:nvSpPr>
+        <p:spPr>
+          <a:xfrm>
+            <a:off x="7586995" y="230832"/>
+            <a:ext cx="4239622" cy="830997"/>
+          </a:xfrm>
+          <a:prstGeom prst="rect">
+            <a:avLst/>
+          </a:prstGeom>
+        </p:spPr>
+        <p:txBody>
+          <a:bodyPr wrap="none">
+            <a:spAutoFit/>
+          </a:bodyPr>
+          <a:lstStyle/>
+          <a:p>
+            <a:r>
+              <a:rPr lang="en-US" sz="2400" b="1" dirty="0"/>
+              <a:t>New maps </a:t>
+            </a:r>
+          </a:p>
+          <a:p>
+            <a:r>
+              <a:rPr lang="en-US" sz="2400" dirty="0"/>
+              <a:t>(CDC changed methods in 2011)</a:t>
+            </a:r>
+          </a:p>
+        </p:txBody>
+      </p:sp>
+      <p:sp>
+        <p:nvSpPr>
+          <p:cNvPr id="5" name="TextBox 4">
+            <a:extLst>
+              <a:ext uri="{FF2B5EF4-FFF2-40B4-BE49-F238E27FC236}">
+                <a16:creationId xmlns:a16="http://schemas.microsoft.com/office/drawing/2014/main" id="{43E81ED7-E4BA-764D-88FE-F262C68646AB}"/>
+              </a:ext>
+            </a:extLst>
+          </p:cNvPr>
+          <p:cNvSpPr txBox="1"/>
+          <p:nvPr/>
+        </p:nvSpPr>
+        <p:spPr>
+          <a:xfrm>
+            <a:off x="7506612" y="2429721"/>
+            <a:ext cx="658906" cy="382304"/>
+          </a:xfrm>
+          <a:prstGeom prst="rect">
+            <a:avLst/>
+          </a:prstGeom>
+          <a:noFill/>
+        </p:spPr>
+        <p:txBody>
+          <a:bodyPr wrap="square" rtlCol="0">
+            <a:spAutoFit/>
+          </a:bodyPr>
+          <a:lstStyle/>
+          <a:p>
+            <a:r>
+              <a:rPr lang="en-US" b="1" dirty="0">
+                <a:solidFill>
+                  <a:srgbClr val="FF0000"/>
+                </a:solidFill>
+              </a:rPr>
+              <a:t>2013</a:t>
+            </a:r>
+          </a:p>
+        </p:txBody>
+      </p:sp>
+      <p:sp>
+        <p:nvSpPr>
+          <p:cNvPr id="9" name="TextBox 8">
+            <a:extLst>
+              <a:ext uri="{FF2B5EF4-FFF2-40B4-BE49-F238E27FC236}">
+                <a16:creationId xmlns:a16="http://schemas.microsoft.com/office/drawing/2014/main" id="{6F8F4418-9BB1-CC4C-818A-90FA723566C7}"/>
+              </a:ext>
+            </a:extLst>
+          </p:cNvPr>
+          <p:cNvSpPr txBox="1"/>
+          <p:nvPr/>
+        </p:nvSpPr>
+        <p:spPr>
+          <a:xfrm>
+            <a:off x="7506612" y="4944897"/>
+            <a:ext cx="658906" cy="369332"/>
+          </a:xfrm>
+          <a:prstGeom prst="rect">
+            <a:avLst/>
+          </a:prstGeom>
+          <a:noFill/>
+        </p:spPr>
+        <p:txBody>
+          <a:bodyPr wrap="square" rtlCol="0">
+            <a:spAutoFit/>
+          </a:bodyPr>
+          <a:lstStyle/>
+          <a:p>
+            <a:r>
+              <a:rPr lang="en-US" b="1" dirty="0">
+                <a:solidFill>
+                  <a:srgbClr val="FF0000"/>
+                </a:solidFill>
+              </a:rPr>
+              <a:t>2019</a:t>
+            </a:r>
+          </a:p>
+        </p:txBody>
+      </p:sp>
+    </p:spTree>
+    <p:extLst>
+      <p:ext uri="{BB962C8B-B14F-4D97-AF65-F5344CB8AC3E}">
+        <p14:creationId xmlns:p14="http://schemas.microsoft.com/office/powerpoint/2010/main" val="884515198"/>
+      </p:ext>
+    </p:extLst>
+  </p:cSld>
+  <p:clrMapOvr>
+    <a:masterClrMapping/>
+  </p:clrMapOvr>
+</p:sld>
+</file>
+
+<file path=ppt/slides/slide24.xml><?xml version="1.0" encoding="utf-8"?>
+<p:sld xmlns:a="http://schemas.openxmlformats.org/drawingml/2006/main" xmlns:r="http://schemas.openxmlformats.org/officeDocument/2006/relationships" xmlns:p="http://schemas.openxmlformats.org/presentationml/2006/main">
+  <p:cSld>
+    <p:spTree>
+      <p:nvGrpSpPr>
+        <p:cNvPr id="1" name=""/>
+        <p:cNvGrpSpPr/>
+        <p:nvPr/>
+      </p:nvGrpSpPr>
+      <p:grpSpPr>
+        <a:xfrm>
+          <a:off x="0" y="0"/>
+          <a:ext cx="0" cy="0"/>
+          <a:chOff x="0" y="0"/>
+          <a:chExt cx="0" cy="0"/>
+        </a:xfrm>
+      </p:grpSpPr>
+      <p:sp>
+        <p:nvSpPr>
+          <p:cNvPr id="2" name="TextBox 1">
+            <a:extLst>
+              <a:ext uri="{FF2B5EF4-FFF2-40B4-BE49-F238E27FC236}">
+                <a16:creationId xmlns:a16="http://schemas.microsoft.com/office/drawing/2014/main" id="{1E85169A-6DF5-C047-821D-8E0EA4AE41EF}"/>
+              </a:ext>
+            </a:extLst>
+          </p:cNvPr>
+          <p:cNvSpPr txBox="1"/>
+          <p:nvPr/>
+        </p:nvSpPr>
+        <p:spPr>
+          <a:xfrm>
+            <a:off x="105508" y="117231"/>
+            <a:ext cx="4135415" cy="523220"/>
+          </a:xfrm>
+          <a:prstGeom prst="rect">
+            <a:avLst/>
+          </a:prstGeom>
+          <a:noFill/>
+        </p:spPr>
+        <p:txBody>
+          <a:bodyPr wrap="square" rtlCol="0">
+            <a:spAutoFit/>
+          </a:bodyPr>
+          <a:lstStyle/>
+          <a:p>
+            <a:r>
+              <a:rPr lang="en-US" sz="2800" b="1" dirty="0"/>
+              <a:t>Motivation – and TV Lies</a:t>
+            </a:r>
+          </a:p>
+        </p:txBody>
+      </p:sp>
+      <p:sp>
+        <p:nvSpPr>
+          <p:cNvPr id="3" name="TextBox 2">
+            <a:extLst>
+              <a:ext uri="{FF2B5EF4-FFF2-40B4-BE49-F238E27FC236}">
+                <a16:creationId xmlns:a16="http://schemas.microsoft.com/office/drawing/2014/main" id="{2748E33A-2331-294F-ACE6-9E3B0C4A12F6}"/>
+              </a:ext>
+            </a:extLst>
+          </p:cNvPr>
+          <p:cNvSpPr txBox="1"/>
+          <p:nvPr/>
+        </p:nvSpPr>
+        <p:spPr>
+          <a:xfrm>
+            <a:off x="105507" y="640451"/>
+            <a:ext cx="7273487" cy="5693866"/>
+          </a:xfrm>
+          <a:prstGeom prst="rect">
+            <a:avLst/>
+          </a:prstGeom>
+          <a:noFill/>
+        </p:spPr>
+        <p:txBody>
+          <a:bodyPr wrap="square" rtlCol="0">
+            <a:spAutoFit/>
+          </a:bodyPr>
+          <a:lstStyle/>
+          <a:p>
+            <a:r>
+              <a:rPr lang="en-US" sz="1400" dirty="0"/>
+              <a:t>Search </a:t>
+            </a:r>
+            <a:r>
+              <a:rPr lang="en-US" sz="1400" dirty="0" err="1"/>
+              <a:t>youtube</a:t>
+            </a:r>
+            <a:r>
+              <a:rPr lang="en-US" sz="1400" dirty="0"/>
+              <a:t> for phrases like "lost 100 </a:t>
+            </a:r>
+            <a:r>
+              <a:rPr lang="en-US" sz="1400" dirty="0" err="1"/>
+              <a:t>lbs</a:t>
+            </a:r>
+            <a:r>
+              <a:rPr lang="en-US" sz="1400" dirty="0"/>
+              <a:t>", "lost 400 </a:t>
+            </a:r>
+            <a:r>
+              <a:rPr lang="en-US" sz="1400" dirty="0" err="1"/>
+              <a:t>lbs</a:t>
+            </a:r>
+            <a:r>
+              <a:rPr lang="en-US" sz="1400" dirty="0"/>
+              <a:t>", "lost 800 </a:t>
+            </a:r>
+            <a:r>
+              <a:rPr lang="en-US" sz="1400" dirty="0" err="1"/>
+              <a:t>lbs</a:t>
+            </a:r>
+            <a:r>
+              <a:rPr lang="en-US" sz="1400" dirty="0"/>
+              <a:t>", etc.</a:t>
+            </a:r>
+          </a:p>
+          <a:p>
+            <a:r>
+              <a:rPr lang="en-US" sz="1400" dirty="0"/>
+              <a:t>You will find multiple examples. </a:t>
+            </a:r>
+          </a:p>
+          <a:p>
+            <a:r>
+              <a:rPr lang="en-US" sz="1400" dirty="0"/>
+              <a:t>What you will learn from these stories:</a:t>
+            </a:r>
+          </a:p>
+          <a:p>
+            <a:pPr marL="285750" indent="-285750">
+              <a:buFont typeface="Arial" panose="020B0604020202020204" pitchFamily="34" charset="0"/>
+              <a:buChar char="•"/>
+            </a:pPr>
+            <a:r>
+              <a:rPr lang="en-US" sz="1400" dirty="0"/>
+              <a:t>People gained weight mostly because they have used food to distract themselves from some sort of pain (stress, emotional problems, etc.)</a:t>
+            </a:r>
+          </a:p>
+          <a:p>
+            <a:pPr marL="285750" indent="-285750">
+              <a:buFont typeface="Arial" panose="020B0604020202020204" pitchFamily="34" charset="0"/>
+              <a:buChar char="•"/>
+            </a:pPr>
+            <a:r>
+              <a:rPr lang="en-US" sz="1400" dirty="0"/>
+              <a:t>They were eating junk (sugar and flour based foods and drinks).</a:t>
+            </a:r>
+          </a:p>
+          <a:p>
+            <a:pPr marL="285750" indent="-285750">
+              <a:buFont typeface="Arial" panose="020B0604020202020204" pitchFamily="34" charset="0"/>
+              <a:buChar char="•"/>
+            </a:pPr>
+            <a:r>
+              <a:rPr lang="en-US" sz="1400" dirty="0"/>
+              <a:t>There is no magic in what people were doing to lose weight: </a:t>
+            </a:r>
+            <a:r>
+              <a:rPr lang="en-US" sz="1400" b="1" dirty="0">
+                <a:solidFill>
+                  <a:srgbClr val="FF0000"/>
+                </a:solidFill>
+              </a:rPr>
+              <a:t>diet and exercise</a:t>
+            </a:r>
+            <a:r>
+              <a:rPr lang="en-US" sz="1400" dirty="0"/>
+              <a:t>.</a:t>
+            </a:r>
+          </a:p>
+          <a:p>
+            <a:pPr marL="285750" indent="-285750">
+              <a:buFont typeface="Arial" panose="020B0604020202020204" pitchFamily="34" charset="0"/>
+              <a:buChar char="•"/>
+            </a:pPr>
+            <a:r>
+              <a:rPr lang="en-US" sz="1400" dirty="0"/>
+              <a:t>People have used different regimens, and it was mostly simply based on will power and discipline.</a:t>
+            </a:r>
+          </a:p>
+          <a:p>
+            <a:pPr marL="285750" indent="-285750">
+              <a:buFont typeface="Arial" panose="020B0604020202020204" pitchFamily="34" charset="0"/>
+              <a:buChar char="•"/>
+            </a:pPr>
+            <a:r>
+              <a:rPr lang="en-US" sz="1400" dirty="0"/>
+              <a:t>But most of these regimens are not designed for long-term maintenance. Thus </a:t>
+            </a:r>
+            <a:r>
+              <a:rPr lang="en-US" sz="1400" b="1" dirty="0">
+                <a:solidFill>
+                  <a:srgbClr val="FF0000"/>
+                </a:solidFill>
+              </a:rPr>
+              <a:t>you should NOT use them as role models</a:t>
+            </a:r>
+            <a:r>
+              <a:rPr lang="en-US" sz="1400" dirty="0"/>
+              <a:t>.</a:t>
+            </a:r>
+          </a:p>
+          <a:p>
+            <a:pPr marL="285750" indent="-285750">
+              <a:buFont typeface="Arial" panose="020B0604020202020204" pitchFamily="34" charset="0"/>
+              <a:buChar char="•"/>
+            </a:pPr>
+            <a:r>
+              <a:rPr lang="en-US" sz="1400" dirty="0"/>
+              <a:t>TV mostly concentrates on drama, emotions, and amazing stories of fast and dramatic fat loss. (20-30 </a:t>
+            </a:r>
+            <a:r>
+              <a:rPr lang="en-US" sz="1400" dirty="0" err="1"/>
+              <a:t>lbs</a:t>
+            </a:r>
+            <a:r>
+              <a:rPr lang="en-US" sz="1400" dirty="0"/>
+              <a:t>/month, 100..500 </a:t>
+            </a:r>
+            <a:r>
+              <a:rPr lang="en-US" sz="1400" dirty="0" err="1"/>
+              <a:t>lbs</a:t>
+            </a:r>
+            <a:r>
+              <a:rPr lang="en-US" sz="1400" dirty="0"/>
+              <a:t> loss). But the winners of those shows ("The Biggest Loser", "Extreme Weight Loss", etc.) frequently gain their weight back. Because they lost weight not by creating new good effective habits, but by using will power, which never works long term.</a:t>
+            </a:r>
+          </a:p>
+          <a:p>
+            <a:pPr marL="285750" indent="-285750">
+              <a:buFont typeface="Arial" panose="020B0604020202020204" pitchFamily="34" charset="0"/>
+              <a:buChar char="•"/>
+            </a:pPr>
+            <a:r>
+              <a:rPr lang="en-US" sz="1400" dirty="0"/>
+              <a:t>- </a:t>
+            </a:r>
+            <a:r>
+              <a:rPr lang="en-US" sz="1400" dirty="0">
+                <a:hlinkClick r:id="rId2"/>
+              </a:rPr>
+              <a:t>https://healthyeater.com/biggest-loser-then-now</a:t>
+            </a:r>
+            <a:r>
+              <a:rPr lang="en-US" sz="1400" dirty="0"/>
+              <a:t>  -</a:t>
+            </a:r>
+          </a:p>
+          <a:p>
+            <a:pPr marL="285750" indent="-285750">
+              <a:buFont typeface="Arial" panose="020B0604020202020204" pitchFamily="34" charset="0"/>
+              <a:buChar char="•"/>
+            </a:pPr>
+            <a:r>
+              <a:rPr lang="en-US" sz="1400" dirty="0"/>
+              <a:t>- </a:t>
+            </a:r>
+            <a:r>
+              <a:rPr lang="en-US" sz="1400" dirty="0">
+                <a:hlinkClick r:id="rId3"/>
+              </a:rPr>
+              <a:t>http://www.dailymail.co.uk/femail/article-2927207/We-fat-Former-Biggest-Loser-contestants-admit-controversial-regained-weight-endure-lasting-health-issues.html</a:t>
+            </a:r>
+            <a:r>
+              <a:rPr lang="en-US" sz="1400" dirty="0"/>
+              <a:t>  -</a:t>
+            </a:r>
+          </a:p>
+          <a:p>
+            <a:pPr marL="285750" indent="-285750">
+              <a:buFont typeface="Arial" panose="020B0604020202020204" pitchFamily="34" charset="0"/>
+              <a:buChar char="•"/>
+            </a:pPr>
+            <a:r>
+              <a:rPr lang="en-US" sz="1400" dirty="0"/>
+              <a:t>"We are all fat again ..." </a:t>
+            </a:r>
+            <a:r>
+              <a:rPr lang="en-US" sz="1400" dirty="0">
+                <a:hlinkClick r:id="rId4"/>
+              </a:rPr>
+              <a:t>https://www.youtube.com/watch?v=DTlvDMBDIxQ</a:t>
+            </a:r>
+            <a:r>
+              <a:rPr lang="en-US" sz="1400" dirty="0"/>
+              <a:t>  - </a:t>
+            </a:r>
+            <a:r>
+              <a:rPr lang="en-US" sz="1400" b="1" dirty="0">
+                <a:solidFill>
+                  <a:srgbClr val="FF0000"/>
+                </a:solidFill>
+              </a:rPr>
+              <a:t>David Smith</a:t>
+            </a:r>
+            <a:r>
+              <a:rPr lang="en-US" sz="1400" dirty="0"/>
+              <a:t> (trainer Chris Powell)</a:t>
+            </a:r>
+          </a:p>
+          <a:p>
+            <a:pPr marL="285750" indent="-285750">
+              <a:buFont typeface="Arial" panose="020B0604020202020204" pitchFamily="34" charset="0"/>
+              <a:buChar char="•"/>
+            </a:pPr>
+            <a:r>
+              <a:rPr lang="en-US" sz="1400" dirty="0"/>
+              <a:t>The methods used on those TV shows are not healthy (</a:t>
+            </a:r>
+            <a:r>
+              <a:rPr lang="en-US" sz="1400" dirty="0" err="1"/>
+              <a:t>LiveScience.com</a:t>
+            </a:r>
+            <a:r>
+              <a:rPr lang="en-US" sz="1400" dirty="0"/>
+              <a:t>):</a:t>
+            </a:r>
+            <a:br>
+              <a:rPr lang="en-US" sz="1400" dirty="0"/>
+            </a:br>
+            <a:r>
+              <a:rPr lang="en-US" sz="1400" dirty="0"/>
+              <a:t>"... physicians and nutritionists worry the (Biggest Loser) show's focus</a:t>
+            </a:r>
+            <a:br>
+              <a:rPr lang="en-US" sz="1400" dirty="0"/>
+            </a:br>
+            <a:r>
+              <a:rPr lang="en-US" sz="1400" dirty="0"/>
+              <a:t>on competitive weight loss is, at best, counterproductive and, at worst, dangerous". Contestants on the show lose upwards of 10 pounds per week</a:t>
+            </a:r>
+            <a:br>
+              <a:rPr lang="en-US" sz="1400" dirty="0"/>
+            </a:br>
+            <a:r>
+              <a:rPr lang="en-US" sz="1400" dirty="0"/>
+              <a:t>(... some contestants have lost 20–30+ pounds in that one week alone)</a:t>
+            </a:r>
+          </a:p>
+        </p:txBody>
+      </p:sp>
+      <p:pic>
+        <p:nvPicPr>
+          <p:cNvPr id="1026" name="Picture 2">
+            <a:extLst>
+              <a:ext uri="{FF2B5EF4-FFF2-40B4-BE49-F238E27FC236}">
+                <a16:creationId xmlns:a16="http://schemas.microsoft.com/office/drawing/2014/main" id="{9C6B8A20-ED03-C54E-929C-FC42445A6116}"/>
+              </a:ext>
+            </a:extLst>
+          </p:cNvPr>
+          <p:cNvPicPr>
+            <a:picLocks noChangeAspect="1" noChangeArrowheads="1"/>
+          </p:cNvPicPr>
+          <p:nvPr/>
+        </p:nvPicPr>
+        <p:blipFill>
+          <a:blip r:embed="rId5" cstate="email">
+            <a:extLst>
+              <a:ext uri="{28A0092B-C50C-407E-A947-70E740481C1C}">
+                <a14:useLocalDpi xmlns:a14="http://schemas.microsoft.com/office/drawing/2010/main"/>
+              </a:ext>
+            </a:extLst>
+          </a:blip>
+          <a:srcRect/>
+          <a:stretch>
+            <a:fillRect/>
+          </a:stretch>
+        </p:blipFill>
+        <p:spPr bwMode="auto">
+          <a:xfrm>
+            <a:off x="7898524" y="4747803"/>
+            <a:ext cx="4187968" cy="1763355"/>
+          </a:xfrm>
+          <a:prstGeom prst="rect">
+            <a:avLst/>
+          </a:prstGeom>
+          <a:noFill/>
+          <a:extLst>
+            <a:ext uri="{909E8E84-426E-40DD-AFC4-6F175D3DCCD1}">
+              <a14:hiddenFill xmlns:a14="http://schemas.microsoft.com/office/drawing/2010/main">
+                <a:solidFill>
+                  <a:srgbClr val="FFFFFF"/>
+                </a:solidFill>
+              </a14:hiddenFill>
+            </a:ext>
+          </a:extLst>
+        </p:spPr>
+      </p:pic>
+      <p:sp>
+        <p:nvSpPr>
+          <p:cNvPr id="4" name="TextBox 3">
+            <a:extLst>
+              <a:ext uri="{FF2B5EF4-FFF2-40B4-BE49-F238E27FC236}">
+                <a16:creationId xmlns:a16="http://schemas.microsoft.com/office/drawing/2014/main" id="{CAF4AEE8-4BF9-9941-93E4-39758BAAA419}"/>
+              </a:ext>
+            </a:extLst>
+          </p:cNvPr>
+          <p:cNvSpPr txBox="1"/>
+          <p:nvPr/>
+        </p:nvSpPr>
+        <p:spPr>
+          <a:xfrm>
+            <a:off x="7898524" y="3505062"/>
+            <a:ext cx="4187968" cy="1200329"/>
+          </a:xfrm>
+          <a:prstGeom prst="rect">
+            <a:avLst/>
+          </a:prstGeom>
+          <a:noFill/>
+        </p:spPr>
+        <p:txBody>
+          <a:bodyPr wrap="square" rtlCol="0">
+            <a:spAutoFit/>
+          </a:bodyPr>
+          <a:lstStyle/>
+          <a:p>
+            <a:r>
+              <a:rPr lang="en-US" dirty="0"/>
+              <a:t>David Smith's story:</a:t>
+            </a:r>
+          </a:p>
+          <a:p>
+            <a:r>
+              <a:rPr lang="en-US" dirty="0"/>
+              <a:t>650 </a:t>
+            </a:r>
+            <a:r>
+              <a:rPr lang="en-US" dirty="0" err="1"/>
+              <a:t>lbs</a:t>
+            </a:r>
+            <a:r>
+              <a:rPr lang="en-US" dirty="0"/>
+              <a:t>  </a:t>
+            </a:r>
+          </a:p>
+          <a:p>
+            <a:r>
+              <a:rPr lang="en-US" dirty="0"/>
+              <a:t>              &gt;&gt; lost more than 400 </a:t>
+            </a:r>
+            <a:r>
+              <a:rPr lang="en-US" dirty="0" err="1"/>
+              <a:t>lbs</a:t>
+            </a:r>
+            <a:r>
+              <a:rPr lang="en-US" dirty="0"/>
+              <a:t> </a:t>
+            </a:r>
+          </a:p>
+          <a:p>
+            <a:r>
+              <a:rPr lang="en-US" dirty="0"/>
+              <a:t>                                         &gt;&gt; gained a lot back</a:t>
+            </a:r>
+          </a:p>
+        </p:txBody>
+      </p:sp>
+      <p:sp>
+        <p:nvSpPr>
+          <p:cNvPr id="6" name="Right Arrow 5">
+            <a:extLst>
+              <a:ext uri="{FF2B5EF4-FFF2-40B4-BE49-F238E27FC236}">
+                <a16:creationId xmlns:a16="http://schemas.microsoft.com/office/drawing/2014/main" id="{30FF1F3F-67B9-8D4C-8613-48C460843833}"/>
+              </a:ext>
+            </a:extLst>
+          </p:cNvPr>
+          <p:cNvSpPr/>
+          <p:nvPr/>
+        </p:nvSpPr>
+        <p:spPr>
+          <a:xfrm rot="565243">
+            <a:off x="7189691" y="4563137"/>
+            <a:ext cx="640393" cy="369332"/>
+          </a:xfrm>
+          <a:prstGeom prst="rightArrow">
+            <a:avLst/>
+          </a:prstGeom>
+          <a:solidFill>
+            <a:srgbClr val="00B050"/>
+          </a:solidFill>
+          <a:ln>
+            <a:solidFill>
+              <a:srgbClr val="00B050"/>
+            </a:solidFill>
+          </a:ln>
+        </p:spPr>
+        <p:style>
+          <a:lnRef idx="2">
+            <a:schemeClr val="accent1">
+              <a:shade val="50000"/>
+            </a:schemeClr>
+          </a:lnRef>
+          <a:fillRef idx="1">
+            <a:schemeClr val="accent1"/>
+          </a:fillRef>
+          <a:effectRef idx="0">
+            <a:schemeClr val="accent1"/>
+          </a:effectRef>
+          <a:fontRef idx="minor">
+            <a:schemeClr val="lt1"/>
+          </a:fontRef>
+        </p:style>
+        <p:txBody>
+          <a:bodyPr rtlCol="0" anchor="ctr"/>
+          <a:lstStyle/>
+          <a:p>
+            <a:pPr algn="ctr"/>
+            <a:endParaRPr lang="en-US"/>
+          </a:p>
+        </p:txBody>
+      </p:sp>
+    </p:spTree>
+    <p:extLst>
+      <p:ext uri="{BB962C8B-B14F-4D97-AF65-F5344CB8AC3E}">
+        <p14:creationId xmlns:p14="http://schemas.microsoft.com/office/powerpoint/2010/main" val="1347187358"/>
+      </p:ext>
+    </p:extLst>
+  </p:cSld>
+  <p:clrMapOvr>
+    <a:masterClrMapping/>
+  </p:clrMapOvr>
+</p:sld>
+</file>
+
+<file path=ppt/slides/slide25.xml><?xml version="1.0" encoding="utf-8"?>
+<p:sld xmlns:a="http://schemas.openxmlformats.org/drawingml/2006/main" xmlns:r="http://schemas.openxmlformats.org/officeDocument/2006/relationships" xmlns:p="http://schemas.openxmlformats.org/presentationml/2006/main">
+  <p:cSld>
+    <p:spTree>
+      <p:nvGrpSpPr>
+        <p:cNvPr id="1" name=""/>
+        <p:cNvGrpSpPr/>
+        <p:nvPr/>
+      </p:nvGrpSpPr>
+      <p:grpSpPr>
+        <a:xfrm>
+          <a:off x="0" y="0"/>
+          <a:ext cx="0" cy="0"/>
+          <a:chOff x="0" y="0"/>
+          <a:chExt cx="0" cy="0"/>
+        </a:xfrm>
+      </p:grpSpPr>
+      <p:sp>
+        <p:nvSpPr>
+          <p:cNvPr id="2" name="TextBox 1">
+            <a:extLst>
+              <a:ext uri="{FF2B5EF4-FFF2-40B4-BE49-F238E27FC236}">
+                <a16:creationId xmlns:a16="http://schemas.microsoft.com/office/drawing/2014/main" id="{F05C2C52-3355-C348-BA60-CFC80134CBF9}"/>
+              </a:ext>
+            </a:extLst>
+          </p:cNvPr>
+          <p:cNvSpPr txBox="1"/>
+          <p:nvPr/>
+        </p:nvSpPr>
+        <p:spPr>
+          <a:xfrm>
+            <a:off x="105508" y="1185244"/>
+            <a:ext cx="5889812" cy="2862322"/>
+          </a:xfrm>
+          <a:prstGeom prst="rect">
+            <a:avLst/>
+          </a:prstGeom>
+          <a:noFill/>
+        </p:spPr>
+        <p:txBody>
+          <a:bodyPr wrap="square" rtlCol="0">
+            <a:spAutoFit/>
+          </a:bodyPr>
+          <a:lstStyle/>
+          <a:p>
+            <a:r>
+              <a:rPr lang="en-US" b="1" dirty="0">
+                <a:solidFill>
+                  <a:srgbClr val="FF0000"/>
+                </a:solidFill>
+              </a:rPr>
+              <a:t>Eating in modern society is like walking across a minefield.</a:t>
+            </a:r>
+            <a:br>
+              <a:rPr lang="en-US" b="1" dirty="0"/>
+            </a:br>
+            <a:endParaRPr lang="en-US" b="1" dirty="0"/>
+          </a:p>
+          <a:p>
+            <a:r>
+              <a:rPr lang="en-US" dirty="0"/>
+              <a:t>Probably 90% of foods which are being sold in supermarkets are not good for you.</a:t>
+            </a:r>
+            <a:br>
+              <a:rPr lang="en-US" dirty="0"/>
+            </a:br>
+            <a:br>
+              <a:rPr lang="en-US" dirty="0"/>
+            </a:br>
+            <a:r>
+              <a:rPr lang="en-US" dirty="0"/>
+              <a:t>If you will be doing what is considered "normal" - you will get fat and sick like the rest of Americans.</a:t>
+            </a:r>
+          </a:p>
+          <a:p>
+            <a:br>
+              <a:rPr lang="en-US" dirty="0"/>
+            </a:br>
+            <a:r>
+              <a:rPr lang="en-US" dirty="0"/>
+              <a:t>To stay healthy (and lean) you must do something different from what is considered "normal".</a:t>
+            </a:r>
+          </a:p>
+        </p:txBody>
+      </p:sp>
+      <p:sp>
+        <p:nvSpPr>
+          <p:cNvPr id="3" name="TextBox 2">
+            <a:extLst>
+              <a:ext uri="{FF2B5EF4-FFF2-40B4-BE49-F238E27FC236}">
+                <a16:creationId xmlns:a16="http://schemas.microsoft.com/office/drawing/2014/main" id="{C61BA8A7-3737-104D-A205-A666FC2F9824}"/>
+              </a:ext>
+            </a:extLst>
+          </p:cNvPr>
+          <p:cNvSpPr txBox="1"/>
+          <p:nvPr/>
+        </p:nvSpPr>
+        <p:spPr>
+          <a:xfrm>
+            <a:off x="6785925" y="410841"/>
+            <a:ext cx="5300567" cy="5909310"/>
+          </a:xfrm>
+          <a:prstGeom prst="rect">
+            <a:avLst/>
+          </a:prstGeom>
+          <a:noFill/>
+        </p:spPr>
+        <p:txBody>
+          <a:bodyPr wrap="square" rtlCol="0">
+            <a:spAutoFit/>
+          </a:bodyPr>
+          <a:lstStyle/>
+          <a:p>
+            <a:r>
+              <a:rPr lang="en-US" b="1" dirty="0">
+                <a:solidFill>
+                  <a:srgbClr val="FF0000"/>
+                </a:solidFill>
+              </a:rPr>
+              <a:t>Food Addiction is Real</a:t>
+            </a:r>
+          </a:p>
+          <a:p>
+            <a:endParaRPr lang="en-US" dirty="0"/>
+          </a:p>
+          <a:p>
+            <a:r>
+              <a:rPr lang="en-US" dirty="0"/>
+              <a:t>Many people have developed food addictions.</a:t>
+            </a:r>
+          </a:p>
+          <a:p>
+            <a:r>
+              <a:rPr lang="en-US" dirty="0"/>
+              <a:t>Food addictions can be as strong as drug addiction or alcoholism.</a:t>
+            </a:r>
+          </a:p>
+          <a:p>
+            <a:endParaRPr lang="en-US" dirty="0"/>
+          </a:p>
+          <a:p>
+            <a:r>
+              <a:rPr lang="en-US" dirty="0"/>
+              <a:t>FA is real, it was proven by multiple scientific studies.</a:t>
+            </a:r>
+          </a:p>
+          <a:p>
+            <a:endParaRPr lang="en-US" dirty="0"/>
+          </a:p>
+          <a:p>
+            <a:r>
+              <a:rPr lang="en-US" dirty="0"/>
+              <a:t>Every year more than 100 thousand people in America lose their limbs or go blind because of type 2 diabetes. Which could've been prevented by simply changing their eating habits. But those people struggled and failed to do this.</a:t>
+            </a:r>
+          </a:p>
+          <a:p>
+            <a:endParaRPr lang="en-US" dirty="0"/>
+          </a:p>
+          <a:p>
+            <a:r>
+              <a:rPr lang="en-US" dirty="0"/>
+              <a:t>Some foods (like sugar or flower) are extremely potent at promoting FA (Food Addiction).</a:t>
+            </a:r>
+          </a:p>
+          <a:p>
+            <a:r>
+              <a:rPr lang="en-US" dirty="0"/>
+              <a:t>It was shown that brain chemistry changes (down-regulation of dopamine receptors).</a:t>
+            </a:r>
+          </a:p>
+          <a:p>
+            <a:endParaRPr lang="en-US" dirty="0"/>
+          </a:p>
+          <a:p>
+            <a:r>
+              <a:rPr lang="en-US" dirty="0"/>
+              <a:t>The good thing is that there are ways to reverse the process. </a:t>
+            </a:r>
+          </a:p>
+        </p:txBody>
+      </p:sp>
+      <p:sp>
+        <p:nvSpPr>
+          <p:cNvPr id="4" name="TextBox 3">
+            <a:extLst>
+              <a:ext uri="{FF2B5EF4-FFF2-40B4-BE49-F238E27FC236}">
+                <a16:creationId xmlns:a16="http://schemas.microsoft.com/office/drawing/2014/main" id="{DDAFF380-5D83-FA43-85D8-4B8FC9D69BA7}"/>
+              </a:ext>
+            </a:extLst>
+          </p:cNvPr>
+          <p:cNvSpPr txBox="1"/>
+          <p:nvPr/>
+        </p:nvSpPr>
+        <p:spPr>
+          <a:xfrm>
+            <a:off x="105508" y="117231"/>
+            <a:ext cx="4135415" cy="523220"/>
+          </a:xfrm>
+          <a:prstGeom prst="rect">
+            <a:avLst/>
+          </a:prstGeom>
+          <a:noFill/>
+        </p:spPr>
+        <p:txBody>
+          <a:bodyPr wrap="square" rtlCol="0">
+            <a:spAutoFit/>
+          </a:bodyPr>
+          <a:lstStyle/>
+          <a:p>
+            <a:r>
+              <a:rPr lang="en-US" sz="2800" b="1" dirty="0"/>
+              <a:t>Some Final Thoughts</a:t>
+            </a:r>
+          </a:p>
+        </p:txBody>
+      </p:sp>
+    </p:spTree>
+    <p:extLst>
+      <p:ext uri="{BB962C8B-B14F-4D97-AF65-F5344CB8AC3E}">
+        <p14:creationId xmlns:p14="http://schemas.microsoft.com/office/powerpoint/2010/main" val="3317139238"/>
+      </p:ext>
+    </p:extLst>
+  </p:cSld>
+  <p:clrMapOvr>
+    <a:masterClrMapping/>
+  </p:clrMapOvr>
+</p:sld>
+</file>
+
 <file path=ppt/slides/slide3.xml><?xml version="1.0" encoding="utf-8"?>
 <p:sld xmlns:a="http://schemas.openxmlformats.org/drawingml/2006/main" xmlns:r="http://schemas.openxmlformats.org/officeDocument/2006/relationships" xmlns:p="http://schemas.openxmlformats.org/presentationml/2006/main">
   <p:cSld>
@@ -11619,6 +13643,14 @@
           <a:prstGeom prst="rightArrow">
             <a:avLst/>
           </a:prstGeom>
+          <a:solidFill>
+            <a:srgbClr val="00B050"/>
+          </a:solidFill>
+          <a:ln>
+            <a:solidFill>
+              <a:srgbClr val="00B050"/>
+            </a:solidFill>
+          </a:ln>
         </p:spPr>
         <p:style>
           <a:lnRef idx="2">

--- a/_Life_Lose_Weight.pptx
+++ b/_Life_Lose_Weight.pptx
@@ -221,7 +221,7 @@
           <a:p>
             <a:fld id="{88E52045-756B-384E-A6E6-7F3ED1EF79B4}" type="datetimeFigureOut">
               <a:rPr lang="en-US" smtClean="0"/>
-              <a:t>5/27/21</a:t>
+              <a:t>6/1/21</a:t>
             </a:fld>
             <a:endParaRPr lang="en-US"/>
           </a:p>
@@ -617,7 +617,7 @@
           <a:p>
             <a:fld id="{B99DC7AF-117D-0D44-9887-15AB809462D7}" type="datetimeFigureOut">
               <a:rPr lang="en-US" smtClean="0"/>
-              <a:t>5/27/21</a:t>
+              <a:t>6/1/21</a:t>
             </a:fld>
             <a:endParaRPr lang="en-US"/>
           </a:p>
@@ -785,7 +785,7 @@
           <a:p>
             <a:fld id="{B99DC7AF-117D-0D44-9887-15AB809462D7}" type="datetimeFigureOut">
               <a:rPr lang="en-US" smtClean="0"/>
-              <a:t>5/27/21</a:t>
+              <a:t>6/1/21</a:t>
             </a:fld>
             <a:endParaRPr lang="en-US"/>
           </a:p>
@@ -963,7 +963,7 @@
           <a:p>
             <a:fld id="{B99DC7AF-117D-0D44-9887-15AB809462D7}" type="datetimeFigureOut">
               <a:rPr lang="en-US" smtClean="0"/>
-              <a:t>5/27/21</a:t>
+              <a:t>6/1/21</a:t>
             </a:fld>
             <a:endParaRPr lang="en-US"/>
           </a:p>
@@ -1131,7 +1131,7 @@
           <a:p>
             <a:fld id="{B99DC7AF-117D-0D44-9887-15AB809462D7}" type="datetimeFigureOut">
               <a:rPr lang="en-US" smtClean="0"/>
-              <a:t>5/27/21</a:t>
+              <a:t>6/1/21</a:t>
             </a:fld>
             <a:endParaRPr lang="en-US"/>
           </a:p>
@@ -1376,7 +1376,7 @@
           <a:p>
             <a:fld id="{B99DC7AF-117D-0D44-9887-15AB809462D7}" type="datetimeFigureOut">
               <a:rPr lang="en-US" smtClean="0"/>
-              <a:t>5/27/21</a:t>
+              <a:t>6/1/21</a:t>
             </a:fld>
             <a:endParaRPr lang="en-US"/>
           </a:p>
@@ -1605,7 +1605,7 @@
           <a:p>
             <a:fld id="{B99DC7AF-117D-0D44-9887-15AB809462D7}" type="datetimeFigureOut">
               <a:rPr lang="en-US" smtClean="0"/>
-              <a:t>5/27/21</a:t>
+              <a:t>6/1/21</a:t>
             </a:fld>
             <a:endParaRPr lang="en-US"/>
           </a:p>
@@ -1969,7 +1969,7 @@
           <a:p>
             <a:fld id="{B99DC7AF-117D-0D44-9887-15AB809462D7}" type="datetimeFigureOut">
               <a:rPr lang="en-US" smtClean="0"/>
-              <a:t>5/27/21</a:t>
+              <a:t>6/1/21</a:t>
             </a:fld>
             <a:endParaRPr lang="en-US"/>
           </a:p>
@@ -2086,7 +2086,7 @@
           <a:p>
             <a:fld id="{B99DC7AF-117D-0D44-9887-15AB809462D7}" type="datetimeFigureOut">
               <a:rPr lang="en-US" smtClean="0"/>
-              <a:t>5/27/21</a:t>
+              <a:t>6/1/21</a:t>
             </a:fld>
             <a:endParaRPr lang="en-US"/>
           </a:p>
@@ -2181,7 +2181,7 @@
           <a:p>
             <a:fld id="{B99DC7AF-117D-0D44-9887-15AB809462D7}" type="datetimeFigureOut">
               <a:rPr lang="en-US" smtClean="0"/>
-              <a:t>5/27/21</a:t>
+              <a:t>6/1/21</a:t>
             </a:fld>
             <a:endParaRPr lang="en-US"/>
           </a:p>
@@ -2456,7 +2456,7 @@
           <a:p>
             <a:fld id="{B99DC7AF-117D-0D44-9887-15AB809462D7}" type="datetimeFigureOut">
               <a:rPr lang="en-US" smtClean="0"/>
-              <a:t>5/27/21</a:t>
+              <a:t>6/1/21</a:t>
             </a:fld>
             <a:endParaRPr lang="en-US"/>
           </a:p>
@@ -2708,7 +2708,7 @@
           <a:p>
             <a:fld id="{B99DC7AF-117D-0D44-9887-15AB809462D7}" type="datetimeFigureOut">
               <a:rPr lang="en-US" smtClean="0"/>
-              <a:t>5/27/21</a:t>
+              <a:t>6/1/21</a:t>
             </a:fld>
             <a:endParaRPr lang="en-US"/>
           </a:p>
@@ -2919,7 +2919,7 @@
           <a:p>
             <a:fld id="{B99DC7AF-117D-0D44-9887-15AB809462D7}" type="datetimeFigureOut">
               <a:rPr lang="en-US" smtClean="0"/>
-              <a:t>5/27/21</a:t>
+              <a:t>6/1/21</a:t>
             </a:fld>
             <a:endParaRPr lang="en-US"/>
           </a:p>
@@ -12194,8 +12194,8 @@
         </p:nvSpPr>
         <p:spPr>
           <a:xfrm>
-            <a:off x="105508" y="1185244"/>
-            <a:ext cx="5889812" cy="2862322"/>
+            <a:off x="181121" y="1046229"/>
+            <a:ext cx="3688726" cy="1600438"/>
           </a:xfrm>
           <a:prstGeom prst="rect">
             <a:avLst/>
@@ -12219,31 +12219,12 @@
             <a:br>
               <a:rPr lang="en-US" b="1" dirty="0"/>
             </a:br>
-            <a:endParaRPr lang="en-US" b="1" dirty="0"/>
+            <a:endParaRPr lang="en-US" sz="800" b="1" dirty="0"/>
           </a:p>
           <a:p>
             <a:r>
               <a:rPr lang="en-US" dirty="0"/>
               <a:t>Probably 90% of foods which are being sold in supermarkets are not good for you.</a:t>
-            </a:r>
-            <a:br>
-              <a:rPr lang="en-US" dirty="0"/>
-            </a:br>
-            <a:br>
-              <a:rPr lang="en-US" dirty="0"/>
-            </a:br>
-            <a:r>
-              <a:rPr lang="en-US" dirty="0"/>
-              <a:t>If you will be doing what is considered "normal" - you will get fat and sick like the rest of Americans.</a:t>
-            </a:r>
-          </a:p>
-          <a:p>
-            <a:br>
-              <a:rPr lang="en-US" dirty="0"/>
-            </a:br>
-            <a:r>
-              <a:rPr lang="en-US" dirty="0"/>
-              <a:t>To stay healthy (and lean) you must do something different from what is considered "normal".</a:t>
             </a:r>
           </a:p>
         </p:txBody>
@@ -12262,8 +12243,8 @@
         </p:nvSpPr>
         <p:spPr>
           <a:xfrm>
-            <a:off x="6785925" y="410841"/>
-            <a:ext cx="5300567" cy="5909310"/>
+            <a:off x="6924981" y="202871"/>
+            <a:ext cx="2806261" cy="2585323"/>
           </a:xfrm>
           <a:prstGeom prst="rect">
             <a:avLst/>
@@ -12291,56 +12272,14 @@
           <a:p>
             <a:r>
               <a:rPr lang="en-US" dirty="0"/>
-              <a:t>Many people have developed food addictions.</a:t>
-            </a:r>
-          </a:p>
-          <a:p>
-            <a:r>
-              <a:rPr lang="en-US" dirty="0"/>
-              <a:t>Food addictions can be as strong as drug addiction or alcoholism.</a:t>
+              <a:t>Food Addictions can be as strong as drug addiction or alcoholism – as was proven by multiple scientific studies.</a:t>
             </a:r>
           </a:p>
           <a:p>
             <a:endParaRPr lang="en-US" dirty="0"/>
           </a:p>
           <a:p>
-            <a:r>
-              <a:rPr lang="en-US" dirty="0"/>
-              <a:t>FA is real, it was proven by multiple scientific studies.</a:t>
-            </a:r>
-          </a:p>
-          <a:p>
             <a:endParaRPr lang="en-US" dirty="0"/>
-          </a:p>
-          <a:p>
-            <a:r>
-              <a:rPr lang="en-US" dirty="0"/>
-              <a:t>Every year more than 100 thousand people in America lose their limbs or go blind because of type 2 diabetes. Which could've been prevented by simply changing their eating habits. But those people struggled and failed to do this.</a:t>
-            </a:r>
-          </a:p>
-          <a:p>
-            <a:endParaRPr lang="en-US" dirty="0"/>
-          </a:p>
-          <a:p>
-            <a:r>
-              <a:rPr lang="en-US" dirty="0"/>
-              <a:t>Some foods (like sugar or flower) are extremely potent at promoting FA (Food Addiction).</a:t>
-            </a:r>
-          </a:p>
-          <a:p>
-            <a:r>
-              <a:rPr lang="en-US" dirty="0"/>
-              <a:t>It was shown that brain chemistry changes (down-regulation of dopamine receptors).</a:t>
-            </a:r>
-          </a:p>
-          <a:p>
-            <a:endParaRPr lang="en-US" dirty="0"/>
-          </a:p>
-          <a:p>
-            <a:r>
-              <a:rPr lang="en-US" dirty="0"/>
-              <a:t>The good thing is that there are ways to reverse the process. </a:t>
-            </a:r>
           </a:p>
         </p:txBody>
       </p:sp>
@@ -12379,6 +12318,322 @@
           </a:p>
         </p:txBody>
       </p:sp>
+      <p:pic>
+        <p:nvPicPr>
+          <p:cNvPr id="1026" name="Picture 2" descr="One is against many stock illustration. Illustration of business - 39471758">
+            <a:extLst>
+              <a:ext uri="{FF2B5EF4-FFF2-40B4-BE49-F238E27FC236}">
+                <a16:creationId xmlns:a16="http://schemas.microsoft.com/office/drawing/2014/main" id="{098548E2-9762-964D-A82B-94F5DB9F2F08}"/>
+              </a:ext>
+            </a:extLst>
+          </p:cNvPr>
+          <p:cNvPicPr>
+            <a:picLocks noChangeAspect="1" noChangeArrowheads="1"/>
+          </p:cNvPicPr>
+          <p:nvPr/>
+        </p:nvPicPr>
+        <p:blipFill>
+          <a:blip r:embed="rId2" cstate="email">
+            <a:extLst>
+              <a:ext uri="{28A0092B-C50C-407E-A947-70E740481C1C}">
+                <a14:useLocalDpi xmlns:a14="http://schemas.microsoft.com/office/drawing/2010/main"/>
+              </a:ext>
+            </a:extLst>
+          </a:blip>
+          <a:srcRect/>
+          <a:stretch>
+            <a:fillRect/>
+          </a:stretch>
+        </p:blipFill>
+        <p:spPr bwMode="auto">
+          <a:xfrm>
+            <a:off x="1440438" y="4690657"/>
+            <a:ext cx="2988441" cy="1867776"/>
+          </a:xfrm>
+          <a:prstGeom prst="rect">
+            <a:avLst/>
+          </a:prstGeom>
+          <a:noFill/>
+          <a:extLst>
+            <a:ext uri="{909E8E84-426E-40DD-AFC4-6F175D3DCCD1}">
+              <a14:hiddenFill xmlns:a14="http://schemas.microsoft.com/office/drawing/2010/main">
+                <a:solidFill>
+                  <a:srgbClr val="FFFFFF"/>
+                </a:solidFill>
+              </a14:hiddenFill>
+            </a:ext>
+          </a:extLst>
+        </p:spPr>
+      </p:pic>
+      <p:pic>
+        <p:nvPicPr>
+          <p:cNvPr id="1028" name="Picture 4" descr="How To ACTUALLY Escape And Survive An Active Minefield Alive - YouTube">
+            <a:extLst>
+              <a:ext uri="{FF2B5EF4-FFF2-40B4-BE49-F238E27FC236}">
+                <a16:creationId xmlns:a16="http://schemas.microsoft.com/office/drawing/2014/main" id="{528FF7D0-0774-3044-B4FA-FF83E7B3F755}"/>
+              </a:ext>
+            </a:extLst>
+          </p:cNvPr>
+          <p:cNvPicPr>
+            <a:picLocks noChangeAspect="1" noChangeArrowheads="1"/>
+          </p:cNvPicPr>
+          <p:nvPr/>
+        </p:nvPicPr>
+        <p:blipFill>
+          <a:blip r:embed="rId3" cstate="email">
+            <a:extLst>
+              <a:ext uri="{28A0092B-C50C-407E-A947-70E740481C1C}">
+                <a14:useLocalDpi xmlns:a14="http://schemas.microsoft.com/office/drawing/2010/main"/>
+              </a:ext>
+            </a:extLst>
+          </a:blip>
+          <a:srcRect/>
+          <a:stretch>
+            <a:fillRect/>
+          </a:stretch>
+        </p:blipFill>
+        <p:spPr bwMode="auto">
+          <a:xfrm>
+            <a:off x="3860945" y="1197268"/>
+            <a:ext cx="2209988" cy="1237593"/>
+          </a:xfrm>
+          <a:prstGeom prst="rect">
+            <a:avLst/>
+          </a:prstGeom>
+          <a:noFill/>
+          <a:extLst>
+            <a:ext uri="{909E8E84-426E-40DD-AFC4-6F175D3DCCD1}">
+              <a14:hiddenFill xmlns:a14="http://schemas.microsoft.com/office/drawing/2010/main">
+                <a:solidFill>
+                  <a:srgbClr val="FFFFFF"/>
+                </a:solidFill>
+              </a14:hiddenFill>
+            </a:ext>
+          </a:extLst>
+        </p:spPr>
+      </p:pic>
+      <p:sp>
+        <p:nvSpPr>
+          <p:cNvPr id="7" name="TextBox 6">
+            <a:extLst>
+              <a:ext uri="{FF2B5EF4-FFF2-40B4-BE49-F238E27FC236}">
+                <a16:creationId xmlns:a16="http://schemas.microsoft.com/office/drawing/2014/main" id="{6C630CE9-E1E8-694F-865A-D92B81B799A3}"/>
+              </a:ext>
+            </a:extLst>
+          </p:cNvPr>
+          <p:cNvSpPr txBox="1"/>
+          <p:nvPr/>
+        </p:nvSpPr>
+        <p:spPr>
+          <a:xfrm>
+            <a:off x="181121" y="3124837"/>
+            <a:ext cx="5889812" cy="1323439"/>
+          </a:xfrm>
+          <a:prstGeom prst="rect">
+            <a:avLst/>
+          </a:prstGeom>
+          <a:noFill/>
+        </p:spPr>
+        <p:txBody>
+          <a:bodyPr wrap="square" rtlCol="0">
+            <a:spAutoFit/>
+          </a:bodyPr>
+          <a:lstStyle/>
+          <a:p>
+            <a:r>
+              <a:rPr lang="en-US" dirty="0"/>
+              <a:t>If you will be doing what is considered "normal" - you will get fat and sick like the rest of Americans.</a:t>
+            </a:r>
+          </a:p>
+          <a:p>
+            <a:br>
+              <a:rPr lang="en-US" sz="800" dirty="0"/>
+            </a:br>
+            <a:r>
+              <a:rPr lang="en-US" dirty="0"/>
+              <a:t>To stay healthy (and lean) you must do something different from what is considered "normal".</a:t>
+            </a:r>
+          </a:p>
+        </p:txBody>
+      </p:sp>
+      <p:pic>
+        <p:nvPicPr>
+          <p:cNvPr id="1030" name="Picture 6" descr="Food Addiction Images, Stock Photos &amp; Vectors | Shutterstock">
+            <a:extLst>
+              <a:ext uri="{FF2B5EF4-FFF2-40B4-BE49-F238E27FC236}">
+                <a16:creationId xmlns:a16="http://schemas.microsoft.com/office/drawing/2014/main" id="{CCCE66E7-8F78-764C-856B-5EE096575602}"/>
+              </a:ext>
+            </a:extLst>
+          </p:cNvPr>
+          <p:cNvPicPr>
+            <a:picLocks noChangeAspect="1" noChangeArrowheads="1"/>
+          </p:cNvPicPr>
+          <p:nvPr/>
+        </p:nvPicPr>
+        <p:blipFill rotWithShape="1">
+          <a:blip r:embed="rId4" cstate="email">
+            <a:extLst>
+              <a:ext uri="{28A0092B-C50C-407E-A947-70E740481C1C}">
+                <a14:useLocalDpi xmlns:a14="http://schemas.microsoft.com/office/drawing/2010/main"/>
+              </a:ext>
+            </a:extLst>
+          </a:blip>
+          <a:srcRect/>
+          <a:stretch/>
+        </p:blipFill>
+        <p:spPr bwMode="auto">
+          <a:xfrm>
+            <a:off x="9656811" y="117231"/>
+            <a:ext cx="2429681" cy="2006216"/>
+          </a:xfrm>
+          <a:prstGeom prst="rect">
+            <a:avLst/>
+          </a:prstGeom>
+          <a:noFill/>
+          <a:extLst>
+            <a:ext uri="{909E8E84-426E-40DD-AFC4-6F175D3DCCD1}">
+              <a14:hiddenFill xmlns:a14="http://schemas.microsoft.com/office/drawing/2010/main">
+                <a:solidFill>
+                  <a:srgbClr val="FFFFFF"/>
+                </a:solidFill>
+              </a14:hiddenFill>
+            </a:ext>
+          </a:extLst>
+        </p:spPr>
+      </p:pic>
+      <p:sp>
+        <p:nvSpPr>
+          <p:cNvPr id="9" name="TextBox 8">
+            <a:extLst>
+              <a:ext uri="{FF2B5EF4-FFF2-40B4-BE49-F238E27FC236}">
+                <a16:creationId xmlns:a16="http://schemas.microsoft.com/office/drawing/2014/main" id="{B4D58C74-0EF3-C446-9C58-5E1EC78C9C0B}"/>
+              </a:ext>
+            </a:extLst>
+          </p:cNvPr>
+          <p:cNvSpPr txBox="1"/>
+          <p:nvPr/>
+        </p:nvSpPr>
+        <p:spPr>
+          <a:xfrm>
+            <a:off x="6924980" y="5263441"/>
+            <a:ext cx="5300567" cy="1477328"/>
+          </a:xfrm>
+          <a:prstGeom prst="rect">
+            <a:avLst/>
+          </a:prstGeom>
+          <a:noFill/>
+        </p:spPr>
+        <p:txBody>
+          <a:bodyPr wrap="square" rtlCol="0">
+            <a:spAutoFit/>
+          </a:bodyPr>
+          <a:lstStyle/>
+          <a:p>
+            <a:r>
+              <a:rPr lang="en-US" dirty="0"/>
+              <a:t>Every year more than 100,000 people in America </a:t>
+            </a:r>
+            <a:r>
+              <a:rPr lang="en-US" b="1" dirty="0">
+                <a:solidFill>
+                  <a:srgbClr val="FF0000"/>
+                </a:solidFill>
+              </a:rPr>
+              <a:t>lose their limbs or go blind</a:t>
+            </a:r>
+            <a:r>
+              <a:rPr lang="en-US" dirty="0"/>
+              <a:t> because of type 2 diabetes. Which could've been prevented and cured in few weeks by simply changing their eating habits. </a:t>
+            </a:r>
+          </a:p>
+          <a:p>
+            <a:r>
+              <a:rPr lang="en-US" dirty="0"/>
+              <a:t>But those people struggled and failed to do this.</a:t>
+            </a:r>
+          </a:p>
+        </p:txBody>
+      </p:sp>
+      <p:sp>
+        <p:nvSpPr>
+          <p:cNvPr id="5" name="TextBox 4">
+            <a:extLst>
+              <a:ext uri="{FF2B5EF4-FFF2-40B4-BE49-F238E27FC236}">
+                <a16:creationId xmlns:a16="http://schemas.microsoft.com/office/drawing/2014/main" id="{F3DA064D-E23A-2147-9CA0-5D3BF0F5216A}"/>
+              </a:ext>
+            </a:extLst>
+          </p:cNvPr>
+          <p:cNvSpPr txBox="1"/>
+          <p:nvPr/>
+        </p:nvSpPr>
+        <p:spPr>
+          <a:xfrm>
+            <a:off x="6924980" y="2315481"/>
+            <a:ext cx="5161511" cy="923330"/>
+          </a:xfrm>
+          <a:prstGeom prst="rect">
+            <a:avLst/>
+          </a:prstGeom>
+          <a:noFill/>
+        </p:spPr>
+        <p:txBody>
+          <a:bodyPr wrap="square" rtlCol="0">
+            <a:spAutoFit/>
+          </a:bodyPr>
+          <a:lstStyle/>
+          <a:p>
+            <a:r>
+              <a:rPr lang="en-US" dirty="0"/>
+              <a:t>Some foods (like sugar or flour) are extremely potent at promoting FA (Food Addiction) and changing brain chemistry (down-regulation of dopamine receptors).</a:t>
+            </a:r>
+          </a:p>
+        </p:txBody>
+      </p:sp>
+      <p:pic>
+        <p:nvPicPr>
+          <p:cNvPr id="1032" name="Picture 8" descr="Diabetes… out of control! - Gangrene Pictures - MEDizzy Journal">
+            <a:extLst>
+              <a:ext uri="{FF2B5EF4-FFF2-40B4-BE49-F238E27FC236}">
+                <a16:creationId xmlns:a16="http://schemas.microsoft.com/office/drawing/2014/main" id="{EC55DE90-2CEF-BF4D-B983-A026CC242DB3}"/>
+              </a:ext>
+            </a:extLst>
+          </p:cNvPr>
+          <p:cNvPicPr>
+            <a:picLocks noChangeAspect="1" noChangeArrowheads="1"/>
+          </p:cNvPicPr>
+          <p:nvPr/>
+        </p:nvPicPr>
+        <p:blipFill rotWithShape="1">
+          <a:blip r:embed="rId5" cstate="email">
+            <a:extLst>
+              <a:ext uri="{28A0092B-C50C-407E-A947-70E740481C1C}">
+                <a14:useLocalDpi xmlns:a14="http://schemas.microsoft.com/office/drawing/2010/main"/>
+              </a:ext>
+            </a:extLst>
+          </a:blip>
+          <a:srcRect/>
+          <a:stretch/>
+        </p:blipFill>
+        <p:spPr bwMode="auto">
+          <a:xfrm>
+            <a:off x="8702258" y="3472331"/>
+            <a:ext cx="1606953" cy="1557590"/>
+          </a:xfrm>
+          <a:prstGeom prst="rect">
+            <a:avLst/>
+          </a:prstGeom>
+          <a:noFill/>
+          <a:extLst>
+            <a:ext uri="{909E8E84-426E-40DD-AFC4-6F175D3DCCD1}">
+              <a14:hiddenFill xmlns:a14="http://schemas.microsoft.com/office/drawing/2010/main">
+                <a:solidFill>
+                  <a:srgbClr val="FFFFFF"/>
+                </a:solidFill>
+              </a14:hiddenFill>
+            </a:ext>
+          </a:extLst>
+        </p:spPr>
+      </p:pic>
     </p:spTree>
     <p:extLst>
       <p:ext uri="{BB962C8B-B14F-4D97-AF65-F5344CB8AC3E}">

--- a/_Life_Lose_Weight.pptx
+++ b/_Life_Lose_Weight.pptx
@@ -221,7 +221,7 @@
           <a:p>
             <a:fld id="{88E52045-756B-384E-A6E6-7F3ED1EF79B4}" type="datetimeFigureOut">
               <a:rPr lang="en-US" smtClean="0"/>
-              <a:t>6/1/21</a:t>
+              <a:t>6/24/21</a:t>
             </a:fld>
             <a:endParaRPr lang="en-US"/>
           </a:p>
@@ -617,7 +617,7 @@
           <a:p>
             <a:fld id="{B99DC7AF-117D-0D44-9887-15AB809462D7}" type="datetimeFigureOut">
               <a:rPr lang="en-US" smtClean="0"/>
-              <a:t>6/1/21</a:t>
+              <a:t>6/24/21</a:t>
             </a:fld>
             <a:endParaRPr lang="en-US"/>
           </a:p>
@@ -785,7 +785,7 @@
           <a:p>
             <a:fld id="{B99DC7AF-117D-0D44-9887-15AB809462D7}" type="datetimeFigureOut">
               <a:rPr lang="en-US" smtClean="0"/>
-              <a:t>6/1/21</a:t>
+              <a:t>6/24/21</a:t>
             </a:fld>
             <a:endParaRPr lang="en-US"/>
           </a:p>
@@ -963,7 +963,7 @@
           <a:p>
             <a:fld id="{B99DC7AF-117D-0D44-9887-15AB809462D7}" type="datetimeFigureOut">
               <a:rPr lang="en-US" smtClean="0"/>
-              <a:t>6/1/21</a:t>
+              <a:t>6/24/21</a:t>
             </a:fld>
             <a:endParaRPr lang="en-US"/>
           </a:p>
@@ -1131,7 +1131,7 @@
           <a:p>
             <a:fld id="{B99DC7AF-117D-0D44-9887-15AB809462D7}" type="datetimeFigureOut">
               <a:rPr lang="en-US" smtClean="0"/>
-              <a:t>6/1/21</a:t>
+              <a:t>6/24/21</a:t>
             </a:fld>
             <a:endParaRPr lang="en-US"/>
           </a:p>
@@ -1376,7 +1376,7 @@
           <a:p>
             <a:fld id="{B99DC7AF-117D-0D44-9887-15AB809462D7}" type="datetimeFigureOut">
               <a:rPr lang="en-US" smtClean="0"/>
-              <a:t>6/1/21</a:t>
+              <a:t>6/24/21</a:t>
             </a:fld>
             <a:endParaRPr lang="en-US"/>
           </a:p>
@@ -1605,7 +1605,7 @@
           <a:p>
             <a:fld id="{B99DC7AF-117D-0D44-9887-15AB809462D7}" type="datetimeFigureOut">
               <a:rPr lang="en-US" smtClean="0"/>
-              <a:t>6/1/21</a:t>
+              <a:t>6/24/21</a:t>
             </a:fld>
             <a:endParaRPr lang="en-US"/>
           </a:p>
@@ -1969,7 +1969,7 @@
           <a:p>
             <a:fld id="{B99DC7AF-117D-0D44-9887-15AB809462D7}" type="datetimeFigureOut">
               <a:rPr lang="en-US" smtClean="0"/>
-              <a:t>6/1/21</a:t>
+              <a:t>6/24/21</a:t>
             </a:fld>
             <a:endParaRPr lang="en-US"/>
           </a:p>
@@ -2086,7 +2086,7 @@
           <a:p>
             <a:fld id="{B99DC7AF-117D-0D44-9887-15AB809462D7}" type="datetimeFigureOut">
               <a:rPr lang="en-US" smtClean="0"/>
-              <a:t>6/1/21</a:t>
+              <a:t>6/24/21</a:t>
             </a:fld>
             <a:endParaRPr lang="en-US"/>
           </a:p>
@@ -2181,7 +2181,7 @@
           <a:p>
             <a:fld id="{B99DC7AF-117D-0D44-9887-15AB809462D7}" type="datetimeFigureOut">
               <a:rPr lang="en-US" smtClean="0"/>
-              <a:t>6/1/21</a:t>
+              <a:t>6/24/21</a:t>
             </a:fld>
             <a:endParaRPr lang="en-US"/>
           </a:p>
@@ -2456,7 +2456,7 @@
           <a:p>
             <a:fld id="{B99DC7AF-117D-0D44-9887-15AB809462D7}" type="datetimeFigureOut">
               <a:rPr lang="en-US" smtClean="0"/>
-              <a:t>6/1/21</a:t>
+              <a:t>6/24/21</a:t>
             </a:fld>
             <a:endParaRPr lang="en-US"/>
           </a:p>
@@ -2708,7 +2708,7 @@
           <a:p>
             <a:fld id="{B99DC7AF-117D-0D44-9887-15AB809462D7}" type="datetimeFigureOut">
               <a:rPr lang="en-US" smtClean="0"/>
-              <a:t>6/1/21</a:t>
+              <a:t>6/24/21</a:t>
             </a:fld>
             <a:endParaRPr lang="en-US"/>
           </a:p>
@@ -2919,7 +2919,7 @@
           <a:p>
             <a:fld id="{B99DC7AF-117D-0D44-9887-15AB809462D7}" type="datetimeFigureOut">
               <a:rPr lang="en-US" smtClean="0"/>
-              <a:t>6/1/21</a:t>
+              <a:t>6/24/21</a:t>
             </a:fld>
             <a:endParaRPr lang="en-US"/>
           </a:p>
@@ -13342,7 +13342,7 @@
         <p:spPr>
           <a:xfrm>
             <a:off x="170659" y="686427"/>
-            <a:ext cx="6081009" cy="3693319"/>
+            <a:ext cx="6081009" cy="5078313"/>
           </a:xfrm>
           <a:prstGeom prst="rect">
             <a:avLst/>
@@ -13424,7 +13424,54 @@
                   <a:srgbClr val="FF0000"/>
                 </a:solidFill>
               </a:rPr>
-              <a:t>Eat on schedule - three times a days works for most people.</a:t>
+              <a:t>Eat on schedule:</a:t>
+            </a:r>
+          </a:p>
+          <a:p>
+            <a:r>
+              <a:rPr lang="en-US" b="1" dirty="0">
+                <a:solidFill>
+                  <a:srgbClr val="FF0000"/>
+                </a:solidFill>
+              </a:rPr>
+              <a:t> - three times a days works for most people.</a:t>
+            </a:r>
+          </a:p>
+          <a:p>
+            <a:endParaRPr lang="en-US" b="1" dirty="0">
+              <a:solidFill>
+                <a:srgbClr val="FF0000"/>
+              </a:solidFill>
+            </a:endParaRPr>
+          </a:p>
+          <a:p>
+            <a:r>
+              <a:rPr lang="en-US" b="1" dirty="0">
+                <a:solidFill>
+                  <a:srgbClr val="FF0000"/>
+                </a:solidFill>
+              </a:rPr>
+              <a:t>Even better use intermitting fasting:</a:t>
+            </a:r>
+          </a:p>
+          <a:p>
+            <a:r>
+              <a:rPr lang="en-US" b="1" dirty="0">
+                <a:solidFill>
+                  <a:srgbClr val="FF0000"/>
+                </a:solidFill>
+              </a:rPr>
+              <a:t> - Eat 2 times a day within 6-h window</a:t>
+            </a:r>
+          </a:p>
+          <a:p>
+            <a:r>
+              <a:rPr lang="en-US" b="1" dirty="0">
+                <a:solidFill>
+                  <a:srgbClr val="FF0000"/>
+                </a:solidFill>
+              </a:rPr>
+              <a:t> - skip food completely on Monday, Wednesday, Friday, </a:t>
             </a:r>
           </a:p>
         </p:txBody>
@@ -13478,7 +13525,7 @@
         </p:nvSpPr>
         <p:spPr>
           <a:xfrm>
-            <a:off x="6983686" y="3224784"/>
+            <a:off x="6983686" y="3429000"/>
             <a:ext cx="5037655" cy="3139321"/>
           </a:xfrm>
           <a:prstGeom prst="rect">
@@ -13560,6 +13607,172 @@
                 <a:srgbClr val="0070C0"/>
               </a:solidFill>
             </a:endParaRPr>
+          </a:p>
+        </p:txBody>
+      </p:sp>
+      <p:pic>
+        <p:nvPicPr>
+          <p:cNvPr id="1026" name="Picture 2" descr="After eating a large meal, lions can sleep for up to 24 hours straight. |  Sleeping animals, Sleeping lion, Animals">
+            <a:extLst>
+              <a:ext uri="{FF2B5EF4-FFF2-40B4-BE49-F238E27FC236}">
+                <a16:creationId xmlns:a16="http://schemas.microsoft.com/office/drawing/2014/main" id="{0332D3FC-3607-1646-8514-2737597144A1}"/>
+              </a:ext>
+            </a:extLst>
+          </p:cNvPr>
+          <p:cNvPicPr>
+            <a:picLocks noChangeAspect="1" noChangeArrowheads="1"/>
+          </p:cNvPicPr>
+          <p:nvPr/>
+        </p:nvPicPr>
+        <p:blipFill>
+          <a:blip r:embed="rId2" cstate="email">
+            <a:extLst>
+              <a:ext uri="{28A0092B-C50C-407E-A947-70E740481C1C}">
+                <a14:useLocalDpi xmlns:a14="http://schemas.microsoft.com/office/drawing/2010/main"/>
+              </a:ext>
+            </a:extLst>
+          </a:blip>
+          <a:srcRect/>
+          <a:stretch>
+            <a:fillRect/>
+          </a:stretch>
+        </p:blipFill>
+        <p:spPr bwMode="auto">
+          <a:xfrm>
+            <a:off x="7427482" y="164202"/>
+            <a:ext cx="2394249" cy="1486955"/>
+          </a:xfrm>
+          <a:prstGeom prst="rect">
+            <a:avLst/>
+          </a:prstGeom>
+          <a:noFill/>
+          <a:extLst>
+            <a:ext uri="{909E8E84-426E-40DD-AFC4-6F175D3DCCD1}">
+              <a14:hiddenFill xmlns:a14="http://schemas.microsoft.com/office/drawing/2010/main">
+                <a:solidFill>
+                  <a:srgbClr val="FFFFFF"/>
+                </a:solidFill>
+              </a14:hiddenFill>
+            </a:ext>
+          </a:extLst>
+        </p:spPr>
+      </p:pic>
+      <p:sp>
+        <p:nvSpPr>
+          <p:cNvPr id="2" name="TextBox 1">
+            <a:extLst>
+              <a:ext uri="{FF2B5EF4-FFF2-40B4-BE49-F238E27FC236}">
+                <a16:creationId xmlns:a16="http://schemas.microsoft.com/office/drawing/2014/main" id="{983D94F3-7A07-1743-BF03-85C4ABD862C6}"/>
+              </a:ext>
+            </a:extLst>
+          </p:cNvPr>
+          <p:cNvSpPr txBox="1"/>
+          <p:nvPr/>
+        </p:nvSpPr>
+        <p:spPr>
+          <a:xfrm>
+            <a:off x="7734749" y="1651157"/>
+            <a:ext cx="1559859" cy="646331"/>
+          </a:xfrm>
+          <a:prstGeom prst="rect">
+            <a:avLst/>
+          </a:prstGeom>
+          <a:noFill/>
+        </p:spPr>
+        <p:txBody>
+          <a:bodyPr wrap="square" rtlCol="0">
+            <a:spAutoFit/>
+          </a:bodyPr>
+          <a:lstStyle/>
+          <a:p>
+            <a:pPr algn="ctr"/>
+            <a:r>
+              <a:rPr lang="en-US" dirty="0"/>
+              <a:t>Lion is sleepy after eating</a:t>
+            </a:r>
+          </a:p>
+        </p:txBody>
+      </p:sp>
+      <p:pic>
+        <p:nvPicPr>
+          <p:cNvPr id="1028" name="Picture 4" descr="Which animal is more dangerous: a lion or tiger? - Quora">
+            <a:extLst>
+              <a:ext uri="{FF2B5EF4-FFF2-40B4-BE49-F238E27FC236}">
+                <a16:creationId xmlns:a16="http://schemas.microsoft.com/office/drawing/2014/main" id="{EE0E890A-014A-4841-8151-A1C1485E547D}"/>
+              </a:ext>
+            </a:extLst>
+          </p:cNvPr>
+          <p:cNvPicPr>
+            <a:picLocks noChangeAspect="1" noChangeArrowheads="1"/>
+          </p:cNvPicPr>
+          <p:nvPr/>
+        </p:nvPicPr>
+        <p:blipFill>
+          <a:blip r:embed="rId3" cstate="email">
+            <a:extLst>
+              <a:ext uri="{28A0092B-C50C-407E-A947-70E740481C1C}">
+                <a14:useLocalDpi xmlns:a14="http://schemas.microsoft.com/office/drawing/2010/main"/>
+              </a:ext>
+            </a:extLst>
+          </a:blip>
+          <a:srcRect/>
+          <a:stretch>
+            <a:fillRect/>
+          </a:stretch>
+        </p:blipFill>
+        <p:spPr bwMode="auto">
+          <a:xfrm>
+            <a:off x="9897982" y="164201"/>
+            <a:ext cx="2237867" cy="1486955"/>
+          </a:xfrm>
+          <a:prstGeom prst="rect">
+            <a:avLst/>
+          </a:prstGeom>
+          <a:noFill/>
+          <a:extLst>
+            <a:ext uri="{909E8E84-426E-40DD-AFC4-6F175D3DCCD1}">
+              <a14:hiddenFill xmlns:a14="http://schemas.microsoft.com/office/drawing/2010/main">
+                <a:solidFill>
+                  <a:srgbClr val="FFFFFF"/>
+                </a:solidFill>
+              </a14:hiddenFill>
+            </a:ext>
+          </a:extLst>
+        </p:spPr>
+      </p:pic>
+      <p:sp>
+        <p:nvSpPr>
+          <p:cNvPr id="8" name="TextBox 7">
+            <a:extLst>
+              <a:ext uri="{FF2B5EF4-FFF2-40B4-BE49-F238E27FC236}">
+                <a16:creationId xmlns:a16="http://schemas.microsoft.com/office/drawing/2014/main" id="{FA98BEFA-9B99-EE41-8942-E5352535FC7C}"/>
+              </a:ext>
+            </a:extLst>
+          </p:cNvPr>
+          <p:cNvSpPr txBox="1"/>
+          <p:nvPr/>
+        </p:nvSpPr>
+        <p:spPr>
+          <a:xfrm>
+            <a:off x="10236985" y="1651157"/>
+            <a:ext cx="1559859" cy="923330"/>
+          </a:xfrm>
+          <a:prstGeom prst="rect">
+            <a:avLst/>
+          </a:prstGeom>
+          <a:noFill/>
+        </p:spPr>
+        <p:txBody>
+          <a:bodyPr wrap="square" rtlCol="0">
+            <a:spAutoFit/>
+          </a:bodyPr>
+          <a:lstStyle/>
+          <a:p>
+            <a:pPr algn="ctr"/>
+            <a:r>
+              <a:rPr lang="en-US" dirty="0"/>
+              <a:t>Lion alert and focused when hungry</a:t>
+            </a:r>
           </a:p>
         </p:txBody>
       </p:sp>
@@ -15906,7 +16119,7 @@
         </p:nvSpPr>
         <p:spPr>
           <a:xfrm>
-            <a:off x="138546" y="117984"/>
+            <a:off x="138546" y="42678"/>
             <a:ext cx="10096836" cy="6555641"/>
           </a:xfrm>
           <a:prstGeom prst="rect">
@@ -15995,284 +16208,6 @@
               </a:rPr>
               <a:t>of people</a:t>
             </a:r>
-            <a:br>
-              <a:rPr lang="x-none" altLang="x-none" sz="1600" dirty="0">
-                <a:latin typeface="Arial" charset="0"/>
-              </a:rPr>
-            </a:br>
-            <a:r>
-              <a:rPr lang="x-none" altLang="x-none" sz="1600" dirty="0">
-                <a:latin typeface="Arial" charset="0"/>
-              </a:rPr>
-              <a:t>    -- exercise - contributes less than 5% (if any) if you consider </a:t>
-            </a:r>
-            <a:r>
-              <a:rPr lang="x-none" altLang="x-none" sz="1600">
-                <a:latin typeface="Arial" charset="0"/>
-              </a:rPr>
-              <a:t>long term</a:t>
-            </a:r>
-            <a:br>
-              <a:rPr lang="x-none" altLang="x-none" sz="1600" dirty="0">
-                <a:latin typeface="Arial" charset="0"/>
-              </a:rPr>
-            </a:br>
-            <a:r>
-              <a:rPr lang="x-none" altLang="x-none" sz="1600" dirty="0">
-                <a:latin typeface="Arial" charset="0"/>
-              </a:rPr>
-              <a:t>-- </a:t>
-            </a:r>
-            <a:r>
-              <a:rPr lang="x-none" altLang="x-none" sz="1600" b="1" dirty="0">
-                <a:solidFill>
-                  <a:srgbClr val="00B050"/>
-                </a:solidFill>
-                <a:latin typeface="Arial" charset="0"/>
-              </a:rPr>
-              <a:t>eat lots of vegetables</a:t>
-            </a:r>
-            <a:r>
-              <a:rPr lang="x-none" altLang="x-none" sz="1600" dirty="0">
-                <a:latin typeface="Arial" charset="0"/>
-              </a:rPr>
-              <a:t>. Find a way to add a big serving of salad / vegetables to each meal. </a:t>
-            </a:r>
-            <a:br>
-              <a:rPr lang="x-none" altLang="x-none" sz="1600" dirty="0">
-                <a:latin typeface="Arial" charset="0"/>
-              </a:rPr>
-            </a:br>
-            <a:r>
-              <a:rPr lang="x-none" altLang="x-none" sz="1600" dirty="0">
-                <a:latin typeface="Arial" charset="0"/>
-              </a:rPr>
-              <a:t>   You can eat lots of cabbage, spinach, etc. </a:t>
-            </a:r>
-            <a:br>
-              <a:rPr lang="x-none" altLang="x-none" sz="1600" dirty="0">
-                <a:latin typeface="Arial" charset="0"/>
-              </a:rPr>
-            </a:br>
-            <a:r>
-              <a:rPr lang="en-US" altLang="x-none" sz="1600" dirty="0">
-                <a:latin typeface="Arial" charset="0"/>
-              </a:rPr>
-              <a:t>-- </a:t>
-            </a:r>
-            <a:r>
-              <a:rPr lang="en-US" altLang="x-none" sz="1600" b="1" dirty="0">
-                <a:solidFill>
-                  <a:srgbClr val="00B050"/>
-                </a:solidFill>
-                <a:latin typeface="Arial" charset="0"/>
-              </a:rPr>
-              <a:t>you don’t need extra protein from meat</a:t>
-            </a:r>
-            <a:r>
-              <a:rPr lang="en-US" altLang="x-none" sz="1600" dirty="0">
-                <a:latin typeface="Arial" charset="0"/>
-              </a:rPr>
-              <a:t>, etc. You get it from vegetables and beans.</a:t>
-            </a:r>
-          </a:p>
-          <a:p>
-            <a:r>
-              <a:rPr lang="en-US" altLang="x-none" sz="1600" dirty="0">
-                <a:latin typeface="Arial" charset="0"/>
-              </a:rPr>
-              <a:t>-- </a:t>
-            </a:r>
-            <a:r>
-              <a:rPr lang="en-US" altLang="x-none" sz="1600" b="1" dirty="0">
-                <a:solidFill>
-                  <a:srgbClr val="00B050"/>
-                </a:solidFill>
-                <a:latin typeface="Arial" charset="0"/>
-              </a:rPr>
-              <a:t>you don’t need milk for calcium</a:t>
-            </a:r>
-            <a:r>
-              <a:rPr lang="en-US" altLang="x-none" sz="1600" dirty="0">
-                <a:latin typeface="Arial" charset="0"/>
-              </a:rPr>
-              <a:t>. In fact you should stay off milk products (or use only goat or sheep milk).</a:t>
-            </a:r>
-          </a:p>
-          <a:p>
-            <a:r>
-              <a:rPr lang="en-US" altLang="x-none" sz="1600" dirty="0">
-                <a:latin typeface="Arial" charset="0"/>
-              </a:rPr>
-              <a:t>-- </a:t>
-            </a:r>
-            <a:r>
-              <a:rPr lang="en-US" altLang="x-none" sz="1600" b="1" dirty="0">
-                <a:solidFill>
-                  <a:srgbClr val="00B050"/>
-                </a:solidFill>
-                <a:latin typeface="Arial" charset="0"/>
-              </a:rPr>
-              <a:t>you don’t need vitamin pills</a:t>
-            </a:r>
-            <a:r>
-              <a:rPr lang="en-US" altLang="x-none" sz="1600" dirty="0">
-                <a:latin typeface="Arial" charset="0"/>
-              </a:rPr>
-              <a:t> </a:t>
-            </a:r>
-            <a:r>
-              <a:rPr lang="mr-IN" altLang="x-none" sz="1600" dirty="0">
-                <a:latin typeface="Arial" charset="0"/>
-              </a:rPr>
-              <a:t>–</a:t>
-            </a:r>
-            <a:r>
-              <a:rPr lang="en-US" altLang="x-none" sz="1600" dirty="0">
-                <a:latin typeface="Arial" charset="0"/>
-              </a:rPr>
-              <a:t> you will get everything from food. </a:t>
-            </a:r>
-            <a:br>
-              <a:rPr lang="x-none" altLang="x-none" sz="1600" dirty="0">
-                <a:latin typeface="Arial" charset="0"/>
-              </a:rPr>
-            </a:br>
-            <a:r>
-              <a:rPr lang="en-US" altLang="x-none" sz="1600" dirty="0">
-                <a:latin typeface="Arial" charset="0"/>
-              </a:rPr>
-              <a:t>   (you do need some sun for vitamin D, and you need vitamin B12 supplements)</a:t>
-            </a:r>
-          </a:p>
-          <a:p>
-            <a:r>
-              <a:rPr lang="x-none" altLang="x-none" sz="1600" dirty="0">
-                <a:latin typeface="Arial" charset="0"/>
-              </a:rPr>
-              <a:t>-- </a:t>
-            </a:r>
-            <a:r>
-              <a:rPr lang="x-none" altLang="x-none" sz="1600" b="1" dirty="0">
-                <a:solidFill>
-                  <a:srgbClr val="FF0000"/>
-                </a:solidFill>
-                <a:latin typeface="Arial" charset="0"/>
-              </a:rPr>
-              <a:t>eating snacks between meals is bad</a:t>
-            </a:r>
-            <a:r>
-              <a:rPr lang="x-none" altLang="x-none" sz="1600" dirty="0">
-                <a:latin typeface="Arial" charset="0"/>
-              </a:rPr>
-              <a:t>. You should </a:t>
-            </a:r>
-            <a:r>
-              <a:rPr lang="en-US" altLang="x-none" sz="1600" dirty="0">
-                <a:latin typeface="Arial" charset="0"/>
-              </a:rPr>
-              <a:t>eat </a:t>
-            </a:r>
-            <a:r>
-              <a:rPr lang="x-none" altLang="x-none" sz="1600" dirty="0">
-                <a:latin typeface="Arial" charset="0"/>
-              </a:rPr>
-              <a:t>at maximum 3 times per day. </a:t>
-            </a:r>
-            <a:br>
-              <a:rPr lang="x-none" altLang="x-none" sz="1600" dirty="0">
-                <a:latin typeface="Arial" charset="0"/>
-              </a:rPr>
-            </a:br>
-            <a:r>
-              <a:rPr lang="x-none" altLang="x-none" sz="1600" dirty="0">
-                <a:latin typeface="Arial" charset="0"/>
-              </a:rPr>
-              <a:t>   </a:t>
-            </a:r>
-            <a:r>
-              <a:rPr lang="en-US" altLang="x-none" sz="1600" dirty="0">
-                <a:latin typeface="Arial" charset="0"/>
-              </a:rPr>
-              <a:t>S</a:t>
-            </a:r>
-            <a:r>
-              <a:rPr lang="x-none" altLang="x-none" sz="1600" dirty="0">
-                <a:latin typeface="Arial" charset="0"/>
-              </a:rPr>
-              <a:t>nacks are more harmful than eating big meals. </a:t>
-            </a:r>
-            <a:br>
-              <a:rPr lang="x-none" altLang="x-none" sz="1600" dirty="0">
-                <a:latin typeface="Arial" charset="0"/>
-              </a:rPr>
-            </a:br>
-            <a:r>
-              <a:rPr lang="x-none" altLang="x-none" sz="1600" dirty="0">
-                <a:latin typeface="Arial" charset="0"/>
-              </a:rPr>
-              <a:t>   It is very important to avoid snacking between meals - to allow insulin levels to decrease. </a:t>
-            </a:r>
-            <a:br>
-              <a:rPr lang="x-none" altLang="x-none" sz="1600" dirty="0">
-                <a:latin typeface="Arial" charset="0"/>
-              </a:rPr>
-            </a:br>
-            <a:r>
-              <a:rPr lang="x-none" altLang="x-none" sz="1600" dirty="0">
-                <a:latin typeface="Arial" charset="0"/>
-              </a:rPr>
-              <a:t>   - </a:t>
-            </a:r>
-            <a:r>
-              <a:rPr lang="x-none" altLang="x-none" sz="1600" dirty="0">
-                <a:latin typeface="Arial" charset="0"/>
-                <a:hlinkClick r:id="rId2"/>
-              </a:rPr>
-              <a:t>https://intensivedietarymanagement.com/perils-snacking-hormonal-obesity-xiii/</a:t>
-            </a:r>
-            <a:r>
-              <a:rPr lang="x-none" altLang="x-none" sz="1600" dirty="0">
-                <a:latin typeface="Arial" charset="0"/>
-              </a:rPr>
-              <a:t> </a:t>
-            </a:r>
-            <a:br>
-              <a:rPr lang="x-none" altLang="x-none" sz="1600" dirty="0">
-                <a:latin typeface="Arial" charset="0"/>
-              </a:rPr>
-            </a:br>
-            <a:r>
-              <a:rPr lang="x-none" altLang="x-none" sz="1600">
-                <a:latin typeface="Arial" charset="0"/>
-              </a:rPr>
-              <a:t>- intermittent fasting works</a:t>
-            </a:r>
-            <a:r>
-              <a:rPr lang="en-US" altLang="x-none" sz="1600" dirty="0">
-                <a:latin typeface="Arial" charset="0"/>
-              </a:rPr>
-              <a:t> (make long pauses between meals)</a:t>
-            </a:r>
-          </a:p>
-          <a:p>
-            <a:r>
-              <a:rPr lang="x-none" altLang="x-none" sz="1600" dirty="0">
-                <a:latin typeface="Arial" charset="0"/>
-              </a:rPr>
-              <a:t>   And it doesn't cause metabolic slowdown. </a:t>
-            </a:r>
-            <a:r>
-              <a:rPr lang="en-US" altLang="x-none" sz="1600" dirty="0">
-                <a:latin typeface="Arial" charset="0"/>
-              </a:rPr>
-              <a:t>It doesn’t make you hungry.</a:t>
-            </a:r>
-            <a:br>
-              <a:rPr lang="x-none" altLang="x-none" sz="1600">
-                <a:latin typeface="Arial" charset="0"/>
-              </a:rPr>
-            </a:br>
             <a:endParaRPr lang="en-US" altLang="x-none" sz="1600" dirty="0">
               <a:latin typeface="Arial" charset="0"/>
             </a:endParaRPr>
@@ -16282,28 +16217,31 @@
               <a:rPr lang="en-US" altLang="x-none" sz="1600" dirty="0">
                 <a:latin typeface="Arial" charset="0"/>
               </a:rPr>
-              <a:t>- </a:t>
-            </a:r>
-            <a:r>
-              <a:rPr lang="x-none" altLang="x-none" sz="1600" dirty="0">
-                <a:latin typeface="Arial" charset="0"/>
-              </a:rPr>
-              <a:t>Note (important!) - </a:t>
-            </a:r>
-            <a:r>
-              <a:rPr lang="x-none" altLang="x-none" sz="1600" b="1" dirty="0">
-                <a:solidFill>
-                  <a:srgbClr val="FF0000"/>
-                </a:solidFill>
-                <a:latin typeface="Arial" charset="0"/>
-              </a:rPr>
-              <a:t>the world record in long fasting is 382 days</a:t>
-            </a:r>
-            <a:r>
-              <a:rPr lang="x-none" altLang="x-none" sz="1600" dirty="0">
-                <a:latin typeface="Arial" charset="0"/>
-              </a:rPr>
-              <a:t> ! </a:t>
+              <a:t>       But ... </a:t>
+            </a:r>
+            <a:r>
+              <a:rPr lang="x-none" altLang="x-none" sz="1600" b="1">
+                <a:solidFill>
+                  <a:srgbClr val="0070C0"/>
+                </a:solidFill>
+                <a:latin typeface="Arial" charset="0"/>
+              </a:rPr>
+              <a:t>intermitting</a:t>
+            </a:r>
+            <a:r>
+              <a:rPr lang="en-US" altLang="x-none" sz="1600" b="1" dirty="0">
+                <a:solidFill>
+                  <a:srgbClr val="0070C0"/>
+                </a:solidFill>
+                <a:latin typeface="Arial" charset="0"/>
+              </a:rPr>
+              <a:t> fasting does NOT cause metabolism slowdown</a:t>
+            </a:r>
+            <a:r>
+              <a:rPr lang="en-US" altLang="x-none" sz="1600" dirty="0">
+                <a:latin typeface="Arial" charset="0"/>
+              </a:rPr>
+              <a:t> </a:t>
             </a:r>
             <a:br>
               <a:rPr lang="x-none" altLang="x-none" sz="1600" dirty="0">
@@ -16311,29 +16249,16 @@
               </a:rPr>
             </a:br>
             <a:r>
-              <a:rPr lang="en-US" altLang="x-none" sz="1600" dirty="0">
-                <a:latin typeface="Arial" charset="0"/>
-              </a:rPr>
-              <a:t>    </a:t>
-            </a:r>
-            <a:r>
               <a:rPr lang="x-none" altLang="x-none" sz="1600" dirty="0">
                 <a:latin typeface="Arial" charset="0"/>
               </a:rPr>
-              <a:t>- </a:t>
-            </a:r>
-            <a:r>
-              <a:rPr lang="x-none" altLang="x-none" sz="1600" dirty="0">
-                <a:latin typeface="Arial" charset="0"/>
-                <a:hlinkClick r:id="rId3"/>
-              </a:rPr>
-              <a:t>http://www.ncbi.nlm.nih.gov/pmc/articles/PMC2495396/</a:t>
-            </a:r>
-            <a:r>
-              <a:rPr lang="x-none" altLang="x-none" sz="1600" dirty="0">
-                <a:latin typeface="Arial" charset="0"/>
-              </a:rPr>
-              <a:t> - </a:t>
+              <a:t>    -- exercise - contributes less than 5% (if any) if you consider </a:t>
+            </a:r>
+            <a:r>
+              <a:rPr lang="x-none" altLang="x-none" sz="1600">
+                <a:latin typeface="Arial" charset="0"/>
+              </a:rPr>
+              <a:t>long term</a:t>
             </a:r>
             <a:br>
               <a:rPr lang="x-none" altLang="x-none" sz="1600" dirty="0">
@@ -16341,9 +16266,374 @@
               </a:rPr>
             </a:br>
             <a:r>
+              <a:rPr lang="x-none" altLang="x-none" sz="1600" dirty="0">
+                <a:latin typeface="Arial" charset="0"/>
+              </a:rPr>
+              <a:t>-- </a:t>
+            </a:r>
+            <a:r>
+              <a:rPr lang="x-none" altLang="x-none" sz="1600" b="1" dirty="0">
+                <a:solidFill>
+                  <a:srgbClr val="00B050"/>
+                </a:solidFill>
+                <a:latin typeface="Arial" charset="0"/>
+              </a:rPr>
+              <a:t>eat lots of vegetables</a:t>
+            </a:r>
+            <a:r>
+              <a:rPr lang="x-none" altLang="x-none" sz="1600" dirty="0">
+                <a:latin typeface="Arial" charset="0"/>
+              </a:rPr>
+              <a:t>. Find a way to add a big serving of salad / vegetables to each meal. </a:t>
+            </a:r>
+            <a:br>
+              <a:rPr lang="x-none" altLang="x-none" sz="1600" dirty="0">
+                <a:latin typeface="Arial" charset="0"/>
+              </a:rPr>
+            </a:br>
+            <a:r>
+              <a:rPr lang="x-none" altLang="x-none" sz="1600" dirty="0">
+                <a:latin typeface="Arial" charset="0"/>
+              </a:rPr>
+              <a:t>   You can eat lots of cabbage, spinach, etc. </a:t>
+            </a:r>
+            <a:br>
+              <a:rPr lang="x-none" altLang="x-none" sz="1600" dirty="0">
+                <a:latin typeface="Arial" charset="0"/>
+              </a:rPr>
+            </a:br>
+            <a:r>
               <a:rPr lang="en-US" altLang="x-none" sz="1600" dirty="0">
                 <a:latin typeface="Arial" charset="0"/>
               </a:rPr>
+              <a:t>-- </a:t>
+            </a:r>
+            <a:r>
+              <a:rPr lang="en-US" altLang="x-none" sz="1600" b="1" dirty="0">
+                <a:solidFill>
+                  <a:srgbClr val="00B050"/>
+                </a:solidFill>
+                <a:latin typeface="Arial" charset="0"/>
+              </a:rPr>
+              <a:t>you don’t need extra protein from meat</a:t>
+            </a:r>
+            <a:r>
+              <a:rPr lang="en-US" altLang="x-none" sz="1600" dirty="0">
+                <a:latin typeface="Arial" charset="0"/>
+              </a:rPr>
+              <a:t>, etc. You get it from vegetables and beans.</a:t>
+            </a:r>
+          </a:p>
+          <a:p>
+            <a:r>
+              <a:rPr lang="en-US" altLang="x-none" sz="1600" dirty="0">
+                <a:latin typeface="Arial" charset="0"/>
+              </a:rPr>
+              <a:t>-- </a:t>
+            </a:r>
+            <a:r>
+              <a:rPr lang="en-US" altLang="x-none" sz="1600" b="1" dirty="0">
+                <a:solidFill>
+                  <a:srgbClr val="00B050"/>
+                </a:solidFill>
+                <a:latin typeface="Arial" charset="0"/>
+              </a:rPr>
+              <a:t>you don’t need milk for calcium</a:t>
+            </a:r>
+            <a:r>
+              <a:rPr lang="en-US" altLang="x-none" sz="1600" dirty="0">
+                <a:latin typeface="Arial" charset="0"/>
+              </a:rPr>
+              <a:t>. In fact you should stay off milk products (or use only goat or sheep milk).</a:t>
+            </a:r>
+          </a:p>
+          <a:p>
+            <a:r>
+              <a:rPr lang="en-US" altLang="x-none" sz="1600" dirty="0">
+                <a:latin typeface="Arial" charset="0"/>
+              </a:rPr>
+              <a:t>-- </a:t>
+            </a:r>
+            <a:r>
+              <a:rPr lang="en-US" altLang="x-none" sz="1600" b="1" dirty="0">
+                <a:solidFill>
+                  <a:srgbClr val="00B050"/>
+                </a:solidFill>
+                <a:latin typeface="Arial" charset="0"/>
+              </a:rPr>
+              <a:t>you don’t need vitamin pills</a:t>
+            </a:r>
+            <a:r>
+              <a:rPr lang="en-US" altLang="x-none" sz="1600" dirty="0">
+                <a:latin typeface="Arial" charset="0"/>
+              </a:rPr>
+              <a:t> </a:t>
+            </a:r>
+            <a:r>
+              <a:rPr lang="mr-IN" altLang="x-none" sz="1600" dirty="0">
+                <a:latin typeface="Arial" charset="0"/>
+              </a:rPr>
+              <a:t>–</a:t>
+            </a:r>
+            <a:r>
+              <a:rPr lang="en-US" altLang="x-none" sz="1600" dirty="0">
+                <a:latin typeface="Arial" charset="0"/>
+              </a:rPr>
+              <a:t> you will get everything from food. </a:t>
+            </a:r>
+            <a:br>
+              <a:rPr lang="x-none" altLang="x-none" sz="1600" dirty="0">
+                <a:latin typeface="Arial" charset="0"/>
+              </a:rPr>
+            </a:br>
+            <a:r>
+              <a:rPr lang="en-US" altLang="x-none" sz="1600" dirty="0">
+                <a:latin typeface="Arial" charset="0"/>
+              </a:rPr>
+              <a:t>   (you do need some sun for vitamin D, and you need vitamin B12 supplements)</a:t>
+            </a:r>
+          </a:p>
+          <a:p>
+            <a:r>
+              <a:rPr lang="x-none" altLang="x-none" sz="1600" dirty="0">
+                <a:latin typeface="Arial" charset="0"/>
+              </a:rPr>
+              <a:t>-- </a:t>
+            </a:r>
+            <a:r>
+              <a:rPr lang="x-none" altLang="x-none" sz="1600" b="1" dirty="0">
+                <a:solidFill>
+                  <a:srgbClr val="FF0000"/>
+                </a:solidFill>
+                <a:latin typeface="Arial" charset="0"/>
+              </a:rPr>
+              <a:t>eating snacks between meals is bad</a:t>
+            </a:r>
+            <a:r>
+              <a:rPr lang="x-none" altLang="x-none" sz="1600" dirty="0">
+                <a:latin typeface="Arial" charset="0"/>
+              </a:rPr>
+              <a:t>. You should </a:t>
+            </a:r>
+            <a:r>
+              <a:rPr lang="en-US" altLang="x-none" sz="1600" dirty="0">
+                <a:latin typeface="Arial" charset="0"/>
+              </a:rPr>
+              <a:t>eat </a:t>
+            </a:r>
+            <a:r>
+              <a:rPr lang="x-none" altLang="x-none" sz="1600" dirty="0">
+                <a:latin typeface="Arial" charset="0"/>
+              </a:rPr>
+              <a:t>at maximum 3 times per day. </a:t>
+            </a:r>
+            <a:br>
+              <a:rPr lang="x-none" altLang="x-none" sz="1600" dirty="0">
+                <a:latin typeface="Arial" charset="0"/>
+              </a:rPr>
+            </a:br>
+            <a:r>
+              <a:rPr lang="x-none" altLang="x-none" sz="1600" dirty="0">
+                <a:latin typeface="Arial" charset="0"/>
+              </a:rPr>
+              <a:t>   </a:t>
+            </a:r>
+            <a:r>
+              <a:rPr lang="en-US" altLang="x-none" sz="1600" dirty="0">
+                <a:latin typeface="Arial" charset="0"/>
+              </a:rPr>
+              <a:t>S</a:t>
+            </a:r>
+            <a:r>
+              <a:rPr lang="x-none" altLang="x-none" sz="1600" dirty="0">
+                <a:latin typeface="Arial" charset="0"/>
+              </a:rPr>
+              <a:t>nacks are more harmful than eating big meals. </a:t>
+            </a:r>
+            <a:br>
+              <a:rPr lang="x-none" altLang="x-none" sz="1600" dirty="0">
+                <a:latin typeface="Arial" charset="0"/>
+              </a:rPr>
+            </a:br>
+            <a:r>
+              <a:rPr lang="x-none" altLang="x-none" sz="1600" dirty="0">
+                <a:latin typeface="Arial" charset="0"/>
+              </a:rPr>
+              <a:t>   It is very important to </a:t>
+            </a:r>
+            <a:r>
+              <a:rPr lang="x-none" altLang="x-none" sz="1600" b="1" dirty="0">
+                <a:solidFill>
+                  <a:srgbClr val="FF0000"/>
+                </a:solidFill>
+                <a:latin typeface="Arial" charset="0"/>
+              </a:rPr>
+              <a:t>avoid snacking between meals</a:t>
+            </a:r>
+            <a:r>
+              <a:rPr lang="x-none" altLang="x-none" sz="1600" dirty="0">
+                <a:latin typeface="Arial" charset="0"/>
+              </a:rPr>
+              <a:t> - to allow insulin levels to decrease. </a:t>
+            </a:r>
+            <a:br>
+              <a:rPr lang="x-none" altLang="x-none" sz="1600" dirty="0">
+                <a:latin typeface="Arial" charset="0"/>
+              </a:rPr>
+            </a:br>
+            <a:r>
+              <a:rPr lang="x-none" altLang="x-none" sz="1600" dirty="0">
+                <a:latin typeface="Arial" charset="0"/>
+              </a:rPr>
+              <a:t>   - </a:t>
+            </a:r>
+            <a:r>
+              <a:rPr lang="x-none" altLang="x-none" sz="1600" dirty="0">
+                <a:latin typeface="Arial" charset="0"/>
+                <a:hlinkClick r:id="rId2"/>
+              </a:rPr>
+              <a:t>https://intensivedietarymanagement.com/perils-snacking-hormonal-obesity-xiii/</a:t>
+            </a:r>
+            <a:r>
+              <a:rPr lang="x-none" altLang="x-none" sz="1600" dirty="0">
+                <a:latin typeface="Arial" charset="0"/>
+              </a:rPr>
+              <a:t> </a:t>
+            </a:r>
+            <a:br>
+              <a:rPr lang="x-none" altLang="x-none" sz="1600" dirty="0">
+                <a:latin typeface="Arial" charset="0"/>
+              </a:rPr>
+            </a:br>
+            <a:r>
+              <a:rPr lang="x-none" altLang="x-none" sz="1600">
+                <a:latin typeface="Arial" charset="0"/>
+              </a:rPr>
+              <a:t>- </a:t>
+            </a:r>
+            <a:r>
+              <a:rPr lang="x-none" altLang="x-none" sz="1600" b="1">
+                <a:solidFill>
+                  <a:srgbClr val="FF0000"/>
+                </a:solidFill>
+                <a:latin typeface="Arial" charset="0"/>
+              </a:rPr>
+              <a:t>intermittent fasting</a:t>
+            </a:r>
+            <a:r>
+              <a:rPr lang="x-none" altLang="x-none" sz="1600">
+                <a:latin typeface="Arial" charset="0"/>
+              </a:rPr>
+              <a:t> works</a:t>
+            </a:r>
+            <a:r>
+              <a:rPr lang="en-US" altLang="x-none" sz="1600" dirty="0">
+                <a:latin typeface="Arial" charset="0"/>
+              </a:rPr>
+              <a:t> (make long pauses between meals)</a:t>
+            </a:r>
+          </a:p>
+          <a:p>
+            <a:r>
+              <a:rPr lang="x-none" altLang="x-none" sz="1600">
+                <a:latin typeface="Arial" charset="0"/>
+              </a:rPr>
+              <a:t>  </a:t>
+            </a:r>
+            <a:r>
+              <a:rPr lang="en-US" altLang="x-none" sz="1600" b="1" dirty="0">
+                <a:solidFill>
+                  <a:srgbClr val="FF0000"/>
+                </a:solidFill>
+                <a:latin typeface="Arial" charset="0"/>
+              </a:rPr>
+              <a:t>intermittent fasting</a:t>
+            </a:r>
+            <a:r>
+              <a:rPr lang="en-US" altLang="x-none" sz="1600" dirty="0">
+                <a:latin typeface="Arial" charset="0"/>
+              </a:rPr>
+              <a:t> </a:t>
+            </a:r>
+            <a:r>
+              <a:rPr lang="x-none" altLang="x-none" sz="1600">
+                <a:latin typeface="Arial" charset="0"/>
+              </a:rPr>
+              <a:t>does</a:t>
+            </a:r>
+            <a:r>
+              <a:rPr lang="en-US" altLang="x-none" sz="1600" dirty="0">
+                <a:latin typeface="Arial" charset="0"/>
+              </a:rPr>
+              <a:t> NOT </a:t>
+            </a:r>
+            <a:r>
+              <a:rPr lang="x-none" altLang="x-none" sz="1600">
+                <a:latin typeface="Arial" charset="0"/>
+              </a:rPr>
+              <a:t>cause </a:t>
+            </a:r>
+            <a:r>
+              <a:rPr lang="x-none" altLang="x-none" sz="1600" dirty="0">
+                <a:latin typeface="Arial" charset="0"/>
+              </a:rPr>
+              <a:t>metabolic slowdown</a:t>
+            </a:r>
+            <a:r>
+              <a:rPr lang="x-none" altLang="x-none" sz="1600">
+                <a:latin typeface="Arial" charset="0"/>
+              </a:rPr>
+              <a:t>. </a:t>
+            </a:r>
+            <a:endParaRPr lang="en-US" altLang="x-none" sz="1600" dirty="0">
+              <a:latin typeface="Arial" charset="0"/>
+            </a:endParaRPr>
+          </a:p>
+          <a:p>
+            <a:r>
+              <a:rPr lang="en-US" altLang="x-none" sz="1600" dirty="0">
+                <a:latin typeface="Arial" charset="0"/>
+              </a:rPr>
+              <a:t>   It doesn’t make you hungry. You feel energetic, alert, and focused.</a:t>
+            </a:r>
+          </a:p>
+          <a:p>
+            <a:r>
+              <a:rPr lang="en-US" altLang="x-none" sz="1600" dirty="0">
+                <a:latin typeface="Arial" charset="0"/>
+              </a:rPr>
+              <a:t>- </a:t>
+            </a:r>
+            <a:r>
+              <a:rPr lang="x-none" altLang="x-none" sz="1600" dirty="0">
+                <a:latin typeface="Arial" charset="0"/>
+              </a:rPr>
+              <a:t>Note (important!) - </a:t>
+            </a:r>
+            <a:r>
+              <a:rPr lang="x-none" altLang="x-none" sz="1600" b="1" dirty="0">
+                <a:solidFill>
+                  <a:srgbClr val="FF0000"/>
+                </a:solidFill>
+                <a:latin typeface="Arial" charset="0"/>
+              </a:rPr>
+              <a:t>the world record in long fasting is 382 days</a:t>
+            </a:r>
+            <a:r>
+              <a:rPr lang="x-none" altLang="x-none" sz="1600" dirty="0">
+                <a:latin typeface="Arial" charset="0"/>
+              </a:rPr>
+              <a:t> ! </a:t>
+            </a:r>
+            <a:br>
+              <a:rPr lang="x-none" altLang="x-none" sz="1600" dirty="0">
+                <a:latin typeface="Arial" charset="0"/>
+              </a:rPr>
+            </a:br>
+            <a:r>
+              <a:rPr lang="en-US" altLang="x-none" sz="1600" dirty="0">
+                <a:latin typeface="Arial" charset="0"/>
+              </a:rPr>
               <a:t>    </a:t>
             </a:r>
             <a:r>
@@ -16355,6 +16645,36 @@
             <a:r>
               <a:rPr lang="x-none" altLang="x-none" sz="1600" dirty="0">
                 <a:latin typeface="Arial" charset="0"/>
+                <a:hlinkClick r:id="rId3"/>
+              </a:rPr>
+              <a:t>http://www.ncbi.nlm.nih.gov/pmc/articles/PMC2495396/</a:t>
+            </a:r>
+            <a:r>
+              <a:rPr lang="x-none" altLang="x-none" sz="1600" dirty="0">
+                <a:latin typeface="Arial" charset="0"/>
+              </a:rPr>
+              <a:t> - </a:t>
+            </a:r>
+            <a:br>
+              <a:rPr lang="x-none" altLang="x-none" sz="1600" dirty="0">
+                <a:latin typeface="Arial" charset="0"/>
+              </a:rPr>
+            </a:br>
+            <a:r>
+              <a:rPr lang="en-US" altLang="x-none" sz="1600" dirty="0">
+                <a:latin typeface="Arial" charset="0"/>
+              </a:rPr>
+              <a:t>    </a:t>
+            </a:r>
+            <a:r>
+              <a:rPr lang="x-none" altLang="x-none" sz="1600" dirty="0">
+                <a:latin typeface="Arial" charset="0"/>
+              </a:rPr>
+              <a:t>- </a:t>
+            </a:r>
+            <a:r>
+              <a:rPr lang="x-none" altLang="x-none" sz="1600" dirty="0">
+                <a:latin typeface="Arial" charset="0"/>
                 <a:hlinkClick r:id="rId4"/>
               </a:rPr>
               <a:t>https://www.ncbi.nlm.nih.gov/pmc/articles/PMC2495396/pdf/postmedj00315-0056.pdf</a:t>
@@ -16371,11 +16691,6 @@
               </a:rPr>
               <a:t>- </a:t>
             </a:r>
-            <a:br>
-              <a:rPr lang="x-none" altLang="x-none" sz="1600">
-                <a:latin typeface="Arial" charset="0"/>
-              </a:rPr>
-            </a:br>
             <a:endParaRPr lang="en-US" altLang="x-none" sz="1600" dirty="0">
               <a:latin typeface="Arial" charset="0"/>
             </a:endParaRPr>
